--- a/课件/多项式 lgj.pptx
+++ b/课件/多项式 lgj.pptx
@@ -236,7 +236,7 @@
             <a:fld id="{D2A48B96-639E-45A3-A0BA-2464DFDB1FAA}" type="datetimeFigureOut">
               <a:rPr lang="zh-CN" altLang="en-US" smtClean="0"/>
               <a:pPr/>
-              <a:t>2018/6/6</a:t>
+              <a:t>2022/1/3</a:t>
             </a:fld>
             <a:endParaRPr lang="zh-CN" altLang="en-US"/>
           </a:p>
@@ -300,38 +300,37 @@
           <a:p>
             <a:pPr lvl="0"/>
             <a:r>
-              <a:rPr lang="zh-CN" altLang="en-US" smtClean="0"/>
+              <a:rPr lang="zh-CN" altLang="en-US"/>
               <a:t>单击此处编辑母版文本样式</a:t>
             </a:r>
           </a:p>
           <a:p>
             <a:pPr lvl="1"/>
             <a:r>
-              <a:rPr lang="zh-CN" altLang="en-US" smtClean="0"/>
+              <a:rPr lang="zh-CN" altLang="en-US"/>
               <a:t>第二级</a:t>
             </a:r>
           </a:p>
           <a:p>
             <a:pPr lvl="2"/>
             <a:r>
-              <a:rPr lang="zh-CN" altLang="en-US" smtClean="0"/>
+              <a:rPr lang="zh-CN" altLang="en-US"/>
               <a:t>第三级</a:t>
             </a:r>
           </a:p>
           <a:p>
             <a:pPr lvl="3"/>
             <a:r>
-              <a:rPr lang="zh-CN" altLang="en-US" smtClean="0"/>
+              <a:rPr lang="zh-CN" altLang="en-US"/>
               <a:t>第四级</a:t>
             </a:r>
           </a:p>
           <a:p>
             <a:pPr lvl="4"/>
             <a:r>
-              <a:rPr lang="zh-CN" altLang="en-US" smtClean="0"/>
+              <a:rPr lang="zh-CN" altLang="en-US"/>
               <a:t>第五级</a:t>
             </a:r>
-            <a:endParaRPr lang="zh-CN" altLang="en-US"/>
           </a:p>
         </p:txBody>
       </p:sp>
@@ -576,7 +575,7 @@
                 <a:spcPct val="0"/>
               </a:spcBef>
             </a:pPr>
-            <a:endParaRPr lang="zh-CN" altLang="en-US" smtClean="0"/>
+            <a:endParaRPr lang="zh-CN" altLang="en-US"/>
           </a:p>
         </p:txBody>
       </p:sp>
@@ -835,7 +834,7 @@
           </a:lstStyle>
           <a:p>
             <a:r>
-              <a:rPr lang="zh-CN" altLang="en-US" smtClean="0"/>
+              <a:rPr lang="zh-CN" altLang="en-US"/>
               <a:t>单击此处编辑母版标题样式</a:t>
             </a:r>
             <a:endParaRPr lang="en-US" dirty="0"/>
@@ -900,7 +899,7 @@
           </a:lstStyle>
           <a:p>
             <a:r>
-              <a:rPr lang="zh-CN" altLang="en-US" dirty="0" smtClean="0"/>
+              <a:rPr lang="zh-CN" altLang="en-US" dirty="0"/>
               <a:t>单击此处编辑母版副标题样式</a:t>
             </a:r>
             <a:endParaRPr lang="en-US" dirty="0"/>
@@ -925,7 +924,7 @@
             <a:fld id="{1122621D-5B30-4238-B28F-E431F8528004}" type="datetimeFigureOut">
               <a:rPr lang="zh-CN" altLang="en-US" smtClean="0"/>
               <a:pPr/>
-              <a:t>2018/6/6</a:t>
+              <a:t>2022/1/3</a:t>
             </a:fld>
             <a:endParaRPr lang="zh-CN" altLang="en-US"/>
           </a:p>
@@ -1104,7 +1103,7 @@
             <a:fld id="{1EC61D3F-34E9-4F9D-84A2-72367D9F9A68}" type="datetimeFigureOut">
               <a:rPr lang="zh-CN" altLang="en-US" smtClean="0"/>
               <a:pPr/>
-              <a:t>2018/6/6</a:t>
+              <a:t>2022/1/3</a:t>
             </a:fld>
             <a:endParaRPr lang="zh-CN" altLang="en-US"/>
           </a:p>
@@ -1223,38 +1222,37 @@
           <a:p>
             <a:pPr lvl="0"/>
             <a:r>
-              <a:rPr lang="zh-CN" altLang="en-US" dirty="0" smtClean="0"/>
+              <a:rPr lang="zh-CN" altLang="en-US" dirty="0"/>
               <a:t>单击此处编辑母版文本样式</a:t>
             </a:r>
           </a:p>
           <a:p>
             <a:pPr lvl="1"/>
             <a:r>
-              <a:rPr lang="zh-CN" altLang="en-US" dirty="0" smtClean="0"/>
+              <a:rPr lang="zh-CN" altLang="en-US" dirty="0"/>
               <a:t>第二级</a:t>
             </a:r>
           </a:p>
           <a:p>
             <a:pPr lvl="2"/>
             <a:r>
-              <a:rPr lang="zh-CN" altLang="en-US" dirty="0" smtClean="0"/>
+              <a:rPr lang="zh-CN" altLang="en-US" dirty="0"/>
               <a:t>第三级</a:t>
             </a:r>
           </a:p>
           <a:p>
             <a:pPr lvl="3"/>
             <a:r>
-              <a:rPr lang="zh-CN" altLang="en-US" dirty="0" smtClean="0"/>
+              <a:rPr lang="zh-CN" altLang="en-US" dirty="0"/>
               <a:t>第四级</a:t>
             </a:r>
           </a:p>
           <a:p>
             <a:pPr lvl="4"/>
             <a:r>
-              <a:rPr lang="zh-CN" altLang="en-US" dirty="0" smtClean="0"/>
+              <a:rPr lang="zh-CN" altLang="en-US" dirty="0"/>
               <a:t>第五级</a:t>
             </a:r>
-            <a:endParaRPr lang="zh-CN" altLang="en-US" dirty="0"/>
           </a:p>
         </p:txBody>
       </p:sp>
@@ -1299,7 +1297,7 @@
           <a:lstStyle/>
           <a:p>
             <a:r>
-              <a:rPr lang="zh-CN" altLang="en-US" smtClean="0"/>
+              <a:rPr lang="zh-CN" altLang="en-US"/>
               <a:t>单击此处编辑母版标题样式</a:t>
             </a:r>
             <a:endParaRPr lang="en-US" dirty="0"/>
@@ -1328,35 +1326,35 @@
           <a:p>
             <a:pPr lvl="0"/>
             <a:r>
-              <a:rPr lang="zh-CN" altLang="en-US" smtClean="0"/>
+              <a:rPr lang="zh-CN" altLang="en-US"/>
               <a:t>单击此处编辑母版文本样式</a:t>
             </a:r>
           </a:p>
           <a:p>
             <a:pPr lvl="1"/>
             <a:r>
-              <a:rPr lang="zh-CN" altLang="en-US" smtClean="0"/>
+              <a:rPr lang="zh-CN" altLang="en-US"/>
               <a:t>第二级</a:t>
             </a:r>
           </a:p>
           <a:p>
             <a:pPr lvl="2"/>
             <a:r>
-              <a:rPr lang="zh-CN" altLang="en-US" smtClean="0"/>
+              <a:rPr lang="zh-CN" altLang="en-US"/>
               <a:t>第三级</a:t>
             </a:r>
           </a:p>
           <a:p>
             <a:pPr lvl="3"/>
             <a:r>
-              <a:rPr lang="zh-CN" altLang="en-US" smtClean="0"/>
+              <a:rPr lang="zh-CN" altLang="en-US"/>
               <a:t>第四级</a:t>
             </a:r>
           </a:p>
           <a:p>
             <a:pPr lvl="4"/>
             <a:r>
-              <a:rPr lang="zh-CN" altLang="en-US" smtClean="0"/>
+              <a:rPr lang="zh-CN" altLang="en-US"/>
               <a:t>第五级</a:t>
             </a:r>
             <a:endParaRPr lang="en-US" dirty="0"/>
@@ -1381,7 +1379,7 @@
             <a:fld id="{1122621D-5B30-4238-B28F-E431F8528004}" type="datetimeFigureOut">
               <a:rPr lang="zh-CN" altLang="en-US" smtClean="0"/>
               <a:pPr/>
-              <a:t>2018/6/6</a:t>
+              <a:t>2022/1/3</a:t>
             </a:fld>
             <a:endParaRPr lang="zh-CN" altLang="en-US"/>
           </a:p>
@@ -2019,7 +2017,7 @@
           </a:lstStyle>
           <a:p>
             <a:r>
-              <a:rPr lang="zh-CN" altLang="en-US" dirty="0" smtClean="0"/>
+              <a:rPr lang="zh-CN" altLang="en-US" dirty="0"/>
               <a:t>单击此处编辑母版标题样式</a:t>
             </a:r>
             <a:endParaRPr lang="en-US" dirty="0"/>
@@ -2139,7 +2137,7 @@
           <a:p>
             <a:pPr lvl="0"/>
             <a:r>
-              <a:rPr lang="zh-CN" altLang="en-US" dirty="0" smtClean="0"/>
+              <a:rPr lang="zh-CN" altLang="en-US" dirty="0"/>
               <a:t>单击此处编辑母版文本样式</a:t>
             </a:r>
           </a:p>
@@ -2163,7 +2161,7 @@
             <a:fld id="{1122621D-5B30-4238-B28F-E431F8528004}" type="datetimeFigureOut">
               <a:rPr lang="zh-CN" altLang="en-US" smtClean="0"/>
               <a:pPr/>
-              <a:t>2018/6/6</a:t>
+              <a:t>2022/1/3</a:t>
             </a:fld>
             <a:endParaRPr lang="zh-CN" altLang="en-US"/>
           </a:p>
@@ -2253,7 +2251,7 @@
           <a:lstStyle/>
           <a:p>
             <a:r>
-              <a:rPr lang="zh-CN" altLang="en-US" smtClean="0"/>
+              <a:rPr lang="zh-CN" altLang="en-US"/>
               <a:t>单击此处编辑母版标题样式</a:t>
             </a:r>
             <a:endParaRPr lang="en-US" dirty="0"/>
@@ -2282,35 +2280,35 @@
           <a:p>
             <a:pPr lvl="0"/>
             <a:r>
-              <a:rPr lang="zh-CN" altLang="en-US" dirty="0" smtClean="0"/>
+              <a:rPr lang="zh-CN" altLang="en-US" dirty="0"/>
               <a:t>单击此处编辑母版文本样式</a:t>
             </a:r>
           </a:p>
           <a:p>
             <a:pPr lvl="1"/>
             <a:r>
-              <a:rPr lang="zh-CN" altLang="en-US" dirty="0" smtClean="0"/>
+              <a:rPr lang="zh-CN" altLang="en-US" dirty="0"/>
               <a:t>第二级</a:t>
             </a:r>
           </a:p>
           <a:p>
             <a:pPr lvl="2"/>
             <a:r>
-              <a:rPr lang="zh-CN" altLang="en-US" dirty="0" smtClean="0"/>
+              <a:rPr lang="zh-CN" altLang="en-US" dirty="0"/>
               <a:t>第三级</a:t>
             </a:r>
           </a:p>
           <a:p>
             <a:pPr lvl="3"/>
             <a:r>
-              <a:rPr lang="zh-CN" altLang="en-US" dirty="0" smtClean="0"/>
+              <a:rPr lang="zh-CN" altLang="en-US" dirty="0"/>
               <a:t>第四级</a:t>
             </a:r>
           </a:p>
           <a:p>
             <a:pPr lvl="4"/>
             <a:r>
-              <a:rPr lang="zh-CN" altLang="en-US" dirty="0" smtClean="0"/>
+              <a:rPr lang="zh-CN" altLang="en-US" dirty="0"/>
               <a:t>第五级</a:t>
             </a:r>
             <a:endParaRPr lang="en-US" dirty="0"/>
@@ -2339,35 +2337,35 @@
           <a:p>
             <a:pPr lvl="0"/>
             <a:r>
-              <a:rPr lang="zh-CN" altLang="en-US" smtClean="0"/>
+              <a:rPr lang="zh-CN" altLang="en-US"/>
               <a:t>单击此处编辑母版文本样式</a:t>
             </a:r>
           </a:p>
           <a:p>
             <a:pPr lvl="1"/>
             <a:r>
-              <a:rPr lang="zh-CN" altLang="en-US" smtClean="0"/>
+              <a:rPr lang="zh-CN" altLang="en-US"/>
               <a:t>第二级</a:t>
             </a:r>
           </a:p>
           <a:p>
             <a:pPr lvl="2"/>
             <a:r>
-              <a:rPr lang="zh-CN" altLang="en-US" smtClean="0"/>
+              <a:rPr lang="zh-CN" altLang="en-US"/>
               <a:t>第三级</a:t>
             </a:r>
           </a:p>
           <a:p>
             <a:pPr lvl="3"/>
             <a:r>
-              <a:rPr lang="zh-CN" altLang="en-US" smtClean="0"/>
+              <a:rPr lang="zh-CN" altLang="en-US"/>
               <a:t>第四级</a:t>
             </a:r>
           </a:p>
           <a:p>
             <a:pPr lvl="4"/>
             <a:r>
-              <a:rPr lang="zh-CN" altLang="en-US" smtClean="0"/>
+              <a:rPr lang="zh-CN" altLang="en-US"/>
               <a:t>第五级</a:t>
             </a:r>
             <a:endParaRPr lang="en-US" dirty="0"/>
@@ -2392,7 +2390,7 @@
             <a:fld id="{1122621D-5B30-4238-B28F-E431F8528004}" type="datetimeFigureOut">
               <a:rPr lang="zh-CN" altLang="en-US" smtClean="0"/>
               <a:pPr/>
-              <a:t>2018/6/6</a:t>
+              <a:t>2022/1/3</a:t>
             </a:fld>
             <a:endParaRPr lang="zh-CN" altLang="en-US"/>
           </a:p>
@@ -2605,7 +2603,7 @@
           <a:lstStyle/>
           <a:p>
             <a:r>
-              <a:rPr lang="zh-CN" altLang="en-US" smtClean="0"/>
+              <a:rPr lang="zh-CN" altLang="en-US"/>
               <a:t>单击此处编辑母版标题样式</a:t>
             </a:r>
             <a:endParaRPr lang="en-US" dirty="0"/>
@@ -2671,7 +2669,7 @@
           <a:p>
             <a:pPr lvl="0"/>
             <a:r>
-              <a:rPr lang="zh-CN" altLang="en-US" smtClean="0"/>
+              <a:rPr lang="zh-CN" altLang="en-US"/>
               <a:t>单击此处编辑母版文本样式</a:t>
             </a:r>
           </a:p>
@@ -2699,35 +2697,35 @@
           <a:p>
             <a:pPr lvl="0"/>
             <a:r>
-              <a:rPr lang="zh-CN" altLang="en-US" smtClean="0"/>
+              <a:rPr lang="zh-CN" altLang="en-US"/>
               <a:t>单击此处编辑母版文本样式</a:t>
             </a:r>
           </a:p>
           <a:p>
             <a:pPr lvl="1"/>
             <a:r>
-              <a:rPr lang="zh-CN" altLang="en-US" smtClean="0"/>
+              <a:rPr lang="zh-CN" altLang="en-US"/>
               <a:t>第二级</a:t>
             </a:r>
           </a:p>
           <a:p>
             <a:pPr lvl="2"/>
             <a:r>
-              <a:rPr lang="zh-CN" altLang="en-US" smtClean="0"/>
+              <a:rPr lang="zh-CN" altLang="en-US"/>
               <a:t>第三级</a:t>
             </a:r>
           </a:p>
           <a:p>
             <a:pPr lvl="3"/>
             <a:r>
-              <a:rPr lang="zh-CN" altLang="en-US" smtClean="0"/>
+              <a:rPr lang="zh-CN" altLang="en-US"/>
               <a:t>第四级</a:t>
             </a:r>
           </a:p>
           <a:p>
             <a:pPr lvl="4"/>
             <a:r>
-              <a:rPr lang="zh-CN" altLang="en-US" smtClean="0"/>
+              <a:rPr lang="zh-CN" altLang="en-US"/>
               <a:t>第五级</a:t>
             </a:r>
             <a:endParaRPr lang="en-US" dirty="0"/>
@@ -2793,7 +2791,7 @@
           <a:p>
             <a:pPr lvl="0"/>
             <a:r>
-              <a:rPr lang="zh-CN" altLang="en-US" smtClean="0"/>
+              <a:rPr lang="zh-CN" altLang="en-US"/>
               <a:t>单击此处编辑母版文本样式</a:t>
             </a:r>
           </a:p>
@@ -2821,35 +2819,35 @@
           <a:p>
             <a:pPr lvl="0"/>
             <a:r>
-              <a:rPr lang="zh-CN" altLang="en-US" smtClean="0"/>
+              <a:rPr lang="zh-CN" altLang="en-US"/>
               <a:t>单击此处编辑母版文本样式</a:t>
             </a:r>
           </a:p>
           <a:p>
             <a:pPr lvl="1"/>
             <a:r>
-              <a:rPr lang="zh-CN" altLang="en-US" smtClean="0"/>
+              <a:rPr lang="zh-CN" altLang="en-US"/>
               <a:t>第二级</a:t>
             </a:r>
           </a:p>
           <a:p>
             <a:pPr lvl="2"/>
             <a:r>
-              <a:rPr lang="zh-CN" altLang="en-US" smtClean="0"/>
+              <a:rPr lang="zh-CN" altLang="en-US"/>
               <a:t>第三级</a:t>
             </a:r>
           </a:p>
           <a:p>
             <a:pPr lvl="3"/>
             <a:r>
-              <a:rPr lang="zh-CN" altLang="en-US" smtClean="0"/>
+              <a:rPr lang="zh-CN" altLang="en-US"/>
               <a:t>第四级</a:t>
             </a:r>
           </a:p>
           <a:p>
             <a:pPr lvl="4"/>
             <a:r>
-              <a:rPr lang="zh-CN" altLang="en-US" smtClean="0"/>
+              <a:rPr lang="zh-CN" altLang="en-US"/>
               <a:t>第五级</a:t>
             </a:r>
             <a:endParaRPr lang="en-US" dirty="0"/>
@@ -2874,7 +2872,7 @@
             <a:fld id="{1122621D-5B30-4238-B28F-E431F8528004}" type="datetimeFigureOut">
               <a:rPr lang="zh-CN" altLang="en-US" smtClean="0"/>
               <a:pPr/>
-              <a:t>2018/6/6</a:t>
+              <a:t>2022/1/3</a:t>
             </a:fld>
             <a:endParaRPr lang="zh-CN" altLang="en-US"/>
           </a:p>
@@ -3097,7 +3095,7 @@
           </a:lstStyle>
           <a:p>
             <a:r>
-              <a:rPr lang="zh-CN" altLang="en-US" smtClean="0"/>
+              <a:rPr lang="zh-CN" altLang="en-US"/>
               <a:t>单击此处编辑母版标题样式</a:t>
             </a:r>
             <a:endParaRPr lang="en-US" dirty="0"/>
@@ -3122,7 +3120,7 @@
             <a:fld id="{1122621D-5B30-4238-B28F-E431F8528004}" type="datetimeFigureOut">
               <a:rPr lang="zh-CN" altLang="en-US" smtClean="0"/>
               <a:pPr/>
-              <a:t>2018/6/6</a:t>
+              <a:t>2022/1/3</a:t>
             </a:fld>
             <a:endParaRPr lang="zh-CN" altLang="en-US"/>
           </a:p>
@@ -3699,7 +3697,7 @@
           <a:p>
             <a:pPr lvl="0"/>
             <a:r>
-              <a:rPr lang="zh-CN" altLang="en-US" dirty="0" smtClean="0"/>
+              <a:rPr lang="zh-CN" altLang="en-US" dirty="0"/>
               <a:t>单击此处编辑母版文本样式</a:t>
             </a:r>
           </a:p>
@@ -3748,7 +3746,7 @@
             <a:fld id="{1122621D-5B30-4238-B28F-E431F8528004}" type="datetimeFigureOut">
               <a:rPr lang="zh-CN" altLang="en-US" smtClean="0"/>
               <a:pPr/>
-              <a:t>2018/6/6</a:t>
+              <a:t>2022/1/3</a:t>
             </a:fld>
             <a:endParaRPr lang="zh-CN" altLang="en-US"/>
           </a:p>
@@ -3847,7 +3845,7 @@
           </a:lstStyle>
           <a:p>
             <a:r>
-              <a:rPr lang="zh-CN" altLang="en-US" smtClean="0"/>
+              <a:rPr lang="zh-CN" altLang="en-US"/>
               <a:t>单击此处编辑母版标题样式</a:t>
             </a:r>
             <a:endParaRPr lang="en-US" dirty="0"/>
@@ -3912,7 +3910,7 @@
           </a:lstStyle>
           <a:p>
             <a:r>
-              <a:rPr lang="zh-CN" altLang="en-US" smtClean="0"/>
+              <a:rPr lang="zh-CN" altLang="en-US"/>
               <a:t>单击图标添加图片</a:t>
             </a:r>
             <a:endParaRPr lang="en-US" dirty="0"/>
@@ -3980,7 +3978,7 @@
           <a:p>
             <a:pPr lvl="0"/>
             <a:r>
-              <a:rPr lang="zh-CN" altLang="en-US" smtClean="0"/>
+              <a:rPr lang="zh-CN" altLang="en-US"/>
               <a:t>单击此处编辑母版文本样式</a:t>
             </a:r>
           </a:p>
@@ -4004,7 +4002,7 @@
             <a:fld id="{1122621D-5B30-4238-B28F-E431F8528004}" type="datetimeFigureOut">
               <a:rPr lang="zh-CN" altLang="en-US" smtClean="0"/>
               <a:pPr/>
-              <a:t>2018/6/6</a:t>
+              <a:t>2022/1/3</a:t>
             </a:fld>
             <a:endParaRPr lang="zh-CN" altLang="en-US"/>
           </a:p>
@@ -4099,7 +4097,7 @@
           <a:lstStyle/>
           <a:p>
             <a:r>
-              <a:rPr lang="zh-CN" altLang="en-US" smtClean="0"/>
+              <a:rPr lang="zh-CN" altLang="en-US"/>
               <a:t>单击此处编辑母版标题样式</a:t>
             </a:r>
             <a:endParaRPr lang="en-US" dirty="0"/>
@@ -4128,35 +4126,35 @@
           <a:p>
             <a:pPr lvl="0"/>
             <a:r>
-              <a:rPr lang="zh-CN" altLang="en-US" smtClean="0"/>
+              <a:rPr lang="zh-CN" altLang="en-US"/>
               <a:t>单击此处编辑母版文本样式</a:t>
             </a:r>
           </a:p>
           <a:p>
             <a:pPr lvl="1"/>
             <a:r>
-              <a:rPr lang="zh-CN" altLang="en-US" smtClean="0"/>
+              <a:rPr lang="zh-CN" altLang="en-US"/>
               <a:t>第二级</a:t>
             </a:r>
           </a:p>
           <a:p>
             <a:pPr lvl="2"/>
             <a:r>
-              <a:rPr lang="zh-CN" altLang="en-US" smtClean="0"/>
+              <a:rPr lang="zh-CN" altLang="en-US"/>
               <a:t>第三级</a:t>
             </a:r>
           </a:p>
           <a:p>
             <a:pPr lvl="3"/>
             <a:r>
-              <a:rPr lang="zh-CN" altLang="en-US" smtClean="0"/>
+              <a:rPr lang="zh-CN" altLang="en-US"/>
               <a:t>第四级</a:t>
             </a:r>
           </a:p>
           <a:p>
             <a:pPr lvl="4"/>
             <a:r>
-              <a:rPr lang="zh-CN" altLang="en-US" smtClean="0"/>
+              <a:rPr lang="zh-CN" altLang="en-US"/>
               <a:t>第五级</a:t>
             </a:r>
             <a:endParaRPr lang="en-US" dirty="0"/>
@@ -4181,7 +4179,7 @@
             <a:fld id="{1122621D-5B30-4238-B28F-E431F8528004}" type="datetimeFigureOut">
               <a:rPr lang="zh-CN" altLang="en-US" smtClean="0"/>
               <a:pPr/>
-              <a:t>2018/6/6</a:t>
+              <a:t>2022/1/3</a:t>
             </a:fld>
             <a:endParaRPr lang="zh-CN" altLang="en-US"/>
           </a:p>
@@ -4385,7 +4383,7 @@
           <a:lstStyle/>
           <a:p>
             <a:r>
-              <a:rPr lang="zh-CN" altLang="en-US" dirty="0" smtClean="0"/>
+              <a:rPr lang="zh-CN" altLang="en-US" dirty="0"/>
               <a:t>单击此处编辑母版标题样式</a:t>
             </a:r>
             <a:endParaRPr lang="en-US" dirty="0"/>
@@ -4422,35 +4420,35 @@
           <a:p>
             <a:pPr lvl="0"/>
             <a:r>
-              <a:rPr lang="zh-CN" altLang="en-US" dirty="0" smtClean="0"/>
+              <a:rPr lang="zh-CN" altLang="en-US" dirty="0"/>
               <a:t>单击此处编辑母版文本样式</a:t>
             </a:r>
           </a:p>
           <a:p>
             <a:pPr lvl="1"/>
             <a:r>
-              <a:rPr lang="zh-CN" altLang="en-US" dirty="0" smtClean="0"/>
+              <a:rPr lang="zh-CN" altLang="en-US" dirty="0"/>
               <a:t>第二级</a:t>
             </a:r>
           </a:p>
           <a:p>
             <a:pPr lvl="2"/>
             <a:r>
-              <a:rPr lang="zh-CN" altLang="en-US" dirty="0" smtClean="0"/>
+              <a:rPr lang="zh-CN" altLang="en-US" dirty="0"/>
               <a:t>第三级</a:t>
             </a:r>
           </a:p>
           <a:p>
             <a:pPr lvl="3"/>
             <a:r>
-              <a:rPr lang="zh-CN" altLang="en-US" dirty="0" smtClean="0"/>
+              <a:rPr lang="zh-CN" altLang="en-US" dirty="0"/>
               <a:t>第四级</a:t>
             </a:r>
           </a:p>
           <a:p>
             <a:pPr lvl="4"/>
             <a:r>
-              <a:rPr lang="zh-CN" altLang="en-US" dirty="0" smtClean="0"/>
+              <a:rPr lang="zh-CN" altLang="en-US" dirty="0"/>
               <a:t>第五级</a:t>
             </a:r>
             <a:endParaRPr lang="en-US" dirty="0"/>
@@ -4493,7 +4491,7 @@
             <a:fld id="{1122621D-5B30-4238-B28F-E431F8528004}" type="datetimeFigureOut">
               <a:rPr lang="zh-CN" altLang="en-US" smtClean="0"/>
               <a:pPr/>
-              <a:t>2018/6/6</a:t>
+              <a:t>2022/1/3</a:t>
             </a:fld>
             <a:endParaRPr lang="zh-CN" altLang="en-US"/>
           </a:p>
@@ -4945,8 +4943,13 @@
           <a:p>
             <a:r>
               <a:rPr lang="en-US" altLang="zh-CN" dirty="0"/>
-              <a:t>by attack</a:t>
-            </a:r>
+              <a:t>By </a:t>
+            </a:r>
+            <a:r>
+              <a:rPr lang="zh-CN" altLang="en-US"/>
+              <a:t>自为风月马前卒</a:t>
+            </a:r>
+            <a:endParaRPr lang="en-US" altLang="zh-CN" dirty="0"/>
           </a:p>
           <a:p>
             <a:endParaRPr lang="en-US" altLang="zh-CN" dirty="0"/>
@@ -4961,13 +4964,6 @@
   <p:clrMapOvr>
     <a:masterClrMapping/>
   </p:clrMapOvr>
-  <p:timing>
-    <p:tnLst>
-      <p:par>
-        <p:cTn id="1" dur="indefinite" restart="never" nodeType="tmRoot"/>
-      </p:par>
-    </p:tnLst>
-  </p:timing>
 </p:sld>
 </file>
 
@@ -5004,11 +5000,11 @@
           <a:lstStyle/>
           <a:p>
             <a:r>
-              <a:rPr lang="zh-CN" altLang="en-US" dirty="0" smtClean="0"/>
+              <a:rPr lang="zh-CN" altLang="en-US" dirty="0"/>
               <a:t>快速数论变换</a:t>
             </a:r>
             <a:r>
-              <a:rPr lang="en-US" altLang="zh-CN" dirty="0" smtClean="0"/>
+              <a:rPr lang="en-US" altLang="zh-CN" dirty="0"/>
               <a:t>NTT</a:t>
             </a:r>
             <a:endParaRPr lang="zh-CN" altLang="en-US" dirty="0"/>
@@ -5039,119 +5035,119 @@
               <a:buNone/>
             </a:pPr>
             <a:r>
-              <a:rPr lang="zh-CN" altLang="en-US" sz="1600" dirty="0" smtClean="0"/>
+              <a:rPr lang="zh-CN" altLang="en-US" sz="1600" dirty="0"/>
               <a:t>优点：比</a:t>
             </a:r>
             <a:r>
-              <a:rPr lang="en-US" altLang="zh-CN" sz="1600" dirty="0" smtClean="0"/>
+              <a:rPr lang="en-US" altLang="zh-CN" sz="1600" dirty="0"/>
               <a:t>FFT</a:t>
             </a:r>
             <a:r>
-              <a:rPr lang="zh-CN" altLang="en-US" sz="1600" dirty="0" smtClean="0"/>
+              <a:rPr lang="zh-CN" altLang="en-US" sz="1600" dirty="0"/>
               <a:t>快</a:t>
             </a:r>
-            <a:endParaRPr lang="en-US" altLang="zh-CN" sz="1600" dirty="0" smtClean="0"/>
+            <a:endParaRPr lang="en-US" altLang="zh-CN" sz="1600" dirty="0"/>
           </a:p>
           <a:p>
             <a:pPr>
               <a:buNone/>
             </a:pPr>
             <a:r>
-              <a:rPr lang="zh-CN" altLang="en-US" sz="1600" dirty="0" smtClean="0"/>
+              <a:rPr lang="zh-CN" altLang="en-US" sz="1600" dirty="0"/>
               <a:t>实现：将单位根替换为原根即可</a:t>
             </a:r>
-            <a:endParaRPr lang="en-US" altLang="zh-CN" sz="1600" dirty="0" smtClean="0"/>
+            <a:endParaRPr lang="en-US" altLang="zh-CN" sz="1600" dirty="0"/>
           </a:p>
           <a:p>
             <a:pPr>
               <a:buNone/>
             </a:pPr>
             <a:r>
-              <a:rPr lang="zh-CN" altLang="en-US" sz="1600" dirty="0" smtClean="0"/>
+              <a:rPr lang="zh-CN" altLang="en-US" sz="1600" dirty="0"/>
               <a:t>具体来说：</a:t>
             </a:r>
-            <a:endParaRPr lang="en-US" altLang="zh-CN" sz="1600" dirty="0" smtClean="0"/>
+            <a:endParaRPr lang="en-US" altLang="zh-CN" sz="1600" dirty="0"/>
           </a:p>
           <a:p>
             <a:pPr>
               <a:buNone/>
             </a:pPr>
-            <a:endParaRPr lang="en-US" altLang="zh-CN" sz="1600" dirty="0" smtClean="0"/>
+            <a:endParaRPr lang="en-US" altLang="zh-CN" sz="1600" dirty="0"/>
           </a:p>
           <a:p>
             <a:pPr>
               <a:buNone/>
             </a:pPr>
-            <a:endParaRPr lang="en-US" altLang="zh-CN" sz="1600" dirty="0" smtClean="0"/>
+            <a:endParaRPr lang="en-US" altLang="zh-CN" sz="1600" dirty="0"/>
           </a:p>
           <a:p>
             <a:pPr>
               <a:buNone/>
             </a:pPr>
             <a:r>
-              <a:rPr lang="zh-CN" altLang="en-US" sz="1600" dirty="0" smtClean="0"/>
+              <a:rPr lang="zh-CN" altLang="en-US" sz="1600" dirty="0"/>
               <a:t>在这里我们要求</a:t>
             </a:r>
             <a:r>
-              <a:rPr lang="en-US" altLang="zh-CN" sz="1600" dirty="0" smtClean="0"/>
+              <a:rPr lang="en-US" altLang="zh-CN" sz="1600" dirty="0"/>
               <a:t>P</a:t>
             </a:r>
             <a:r>
-              <a:rPr lang="zh-CN" altLang="en-US" sz="1600" dirty="0" smtClean="0"/>
+              <a:rPr lang="zh-CN" altLang="en-US" sz="1600" dirty="0"/>
               <a:t>为素数且</a:t>
             </a:r>
             <a:r>
-              <a:rPr lang="en-US" altLang="zh-CN" sz="1600" dirty="0" smtClean="0"/>
+              <a:rPr lang="en-US" altLang="zh-CN" sz="1600" dirty="0"/>
               <a:t>N</a:t>
             </a:r>
             <a:r>
-              <a:rPr lang="zh-CN" altLang="en-US" sz="1600" dirty="0" smtClean="0"/>
+              <a:rPr lang="zh-CN" altLang="en-US" sz="1600" dirty="0"/>
               <a:t>为</a:t>
             </a:r>
             <a:r>
-              <a:rPr lang="en-US" altLang="zh-CN" sz="1600" dirty="0" smtClean="0"/>
+              <a:rPr lang="en-US" altLang="zh-CN" sz="1600" dirty="0"/>
               <a:t>P-1</a:t>
             </a:r>
             <a:r>
-              <a:rPr lang="zh-CN" altLang="en-US" sz="1600" dirty="0" smtClean="0"/>
+              <a:rPr lang="zh-CN" altLang="en-US" sz="1600" dirty="0"/>
               <a:t>的因子</a:t>
             </a:r>
-            <a:endParaRPr lang="en-US" altLang="zh-CN" sz="1600" dirty="0" smtClean="0"/>
+            <a:endParaRPr lang="en-US" altLang="zh-CN" sz="1600" dirty="0"/>
           </a:p>
           <a:p>
             <a:pPr>
               <a:buNone/>
             </a:pPr>
             <a:r>
-              <a:rPr lang="zh-CN" altLang="en-US" sz="1600" dirty="0" smtClean="0"/>
+              <a:rPr lang="zh-CN" altLang="en-US" sz="1600" dirty="0"/>
               <a:t>在具体实现时，</a:t>
             </a:r>
             <a:r>
-              <a:rPr lang="en-US" altLang="zh-CN" sz="1600" dirty="0" smtClean="0"/>
+              <a:rPr lang="en-US" altLang="zh-CN" sz="1600" dirty="0"/>
               <a:t>P</a:t>
             </a:r>
             <a:r>
-              <a:rPr lang="zh-CN" altLang="en-US" sz="1600" dirty="0" smtClean="0"/>
+              <a:rPr lang="zh-CN" altLang="en-US" sz="1600" dirty="0"/>
               <a:t>常选取</a:t>
             </a:r>
             <a:r>
-              <a:rPr lang="en-US" altLang="zh-CN" sz="1600" dirty="0" smtClean="0"/>
+              <a:rPr lang="en-US" altLang="zh-CN" sz="1600" dirty="0"/>
               <a:t>998244353</a:t>
             </a:r>
             <a:r>
-              <a:rPr lang="zh-CN" altLang="en-US" sz="1600" dirty="0" smtClean="0"/>
+              <a:rPr lang="zh-CN" altLang="en-US" sz="1600" dirty="0"/>
               <a:t>，它的原根</a:t>
             </a:r>
             <a:r>
-              <a:rPr lang="en-US" altLang="zh-CN" sz="1600" dirty="0" smtClean="0"/>
+              <a:rPr lang="en-US" altLang="zh-CN" sz="1600" dirty="0"/>
               <a:t>G</a:t>
             </a:r>
             <a:r>
-              <a:rPr lang="zh-CN" altLang="en-US" sz="1600" dirty="0" smtClean="0"/>
+              <a:rPr lang="zh-CN" altLang="en-US" sz="1600" dirty="0"/>
               <a:t>为</a:t>
             </a:r>
             <a:r>
-              <a:rPr lang="en-US" altLang="zh-CN" sz="1600" dirty="0" smtClean="0"/>
+              <a:rPr lang="en-US" altLang="zh-CN" sz="1600" dirty="0"/>
               <a:t>3</a:t>
             </a:r>
           </a:p>
@@ -5159,37 +5155,37 @@
             <a:pPr>
               <a:buNone/>
             </a:pPr>
-            <a:endParaRPr lang="en-US" altLang="zh-CN" sz="1600" dirty="0" smtClean="0"/>
+            <a:endParaRPr lang="en-US" altLang="zh-CN" sz="1600" dirty="0"/>
           </a:p>
           <a:p>
             <a:pPr>
               <a:buNone/>
             </a:pPr>
-            <a:endParaRPr lang="en-US" altLang="zh-CN" sz="1600" dirty="0" smtClean="0"/>
+            <a:endParaRPr lang="en-US" altLang="zh-CN" sz="1600" dirty="0"/>
           </a:p>
           <a:p>
             <a:pPr>
               <a:buNone/>
             </a:pPr>
-            <a:endParaRPr lang="en-US" altLang="zh-CN" sz="1600" dirty="0" smtClean="0"/>
+            <a:endParaRPr lang="en-US" altLang="zh-CN" sz="1600" dirty="0"/>
           </a:p>
           <a:p>
             <a:pPr>
               <a:buNone/>
             </a:pPr>
-            <a:endParaRPr lang="en-US" altLang="zh-CN" sz="1600" dirty="0" smtClean="0"/>
+            <a:endParaRPr lang="en-US" altLang="zh-CN" sz="1600" dirty="0"/>
           </a:p>
           <a:p>
             <a:pPr>
               <a:buNone/>
             </a:pPr>
-            <a:endParaRPr lang="en-US" altLang="zh-CN" sz="1600" dirty="0" smtClean="0"/>
+            <a:endParaRPr lang="en-US" altLang="zh-CN" sz="1600" dirty="0"/>
           </a:p>
           <a:p>
             <a:pPr>
               <a:buNone/>
             </a:pPr>
-            <a:endParaRPr lang="en-US" altLang="zh-CN" sz="1600" dirty="0" smtClean="0"/>
+            <a:endParaRPr lang="en-US" altLang="zh-CN" sz="1600" dirty="0"/>
           </a:p>
           <a:p>
             <a:pPr>
@@ -5297,13 +5293,6 @@
   <p:clrMapOvr>
     <a:masterClrMapping/>
   </p:clrMapOvr>
-  <p:timing>
-    <p:tnLst>
-      <p:par>
-        <p:cTn id="1" dur="indefinite" restart="never" nodeType="tmRoot"/>
-      </p:par>
-    </p:tnLst>
-  </p:timing>
 </p:sld>
 </file>
 
@@ -5340,10 +5329,9 @@
           <a:lstStyle/>
           <a:p>
             <a:r>
-              <a:rPr lang="zh-CN" altLang="en-US" dirty="0" smtClean="0"/>
+              <a:rPr lang="zh-CN" altLang="en-US" dirty="0"/>
               <a:t>代码实现</a:t>
             </a:r>
-            <a:endParaRPr lang="zh-CN" altLang="en-US" dirty="0"/>
           </a:p>
         </p:txBody>
       </p:sp>
@@ -5370,7 +5358,7 @@
           <a:lstStyle/>
           <a:p>
             <a:r>
-              <a:rPr lang="en-US" altLang="zh-CN" sz="1000" dirty="0" smtClean="0">
+              <a:rPr lang="en-US" altLang="zh-CN" sz="1000" dirty="0">
                 <a:solidFill>
                   <a:schemeClr val="bg1"/>
                 </a:solidFill>
@@ -5380,7 +5368,7 @@
           </a:p>
           <a:p>
             <a:r>
-              <a:rPr lang="en-US" altLang="zh-CN" sz="1000" dirty="0" smtClean="0">
+              <a:rPr lang="en-US" altLang="zh-CN" sz="1000" dirty="0">
                 <a:solidFill>
                   <a:schemeClr val="bg1"/>
                 </a:solidFill>
@@ -5390,7 +5378,7 @@
           </a:p>
           <a:p>
             <a:r>
-              <a:rPr lang="en-US" altLang="zh-CN" sz="1000" dirty="0" smtClean="0">
+              <a:rPr lang="en-US" altLang="zh-CN" sz="1000" dirty="0">
                 <a:solidFill>
                   <a:schemeClr val="bg1"/>
                 </a:solidFill>
@@ -5398,7 +5386,7 @@
               <a:t>#include&lt;</a:t>
             </a:r>
             <a:r>
-              <a:rPr lang="en-US" altLang="zh-CN" sz="1000" dirty="0" err="1" smtClean="0">
+              <a:rPr lang="en-US" altLang="zh-CN" sz="1000" dirty="0" err="1">
                 <a:solidFill>
                   <a:schemeClr val="bg1"/>
                 </a:solidFill>
@@ -5406,7 +5394,7 @@
               <a:t>cstdio</a:t>
             </a:r>
             <a:r>
-              <a:rPr lang="en-US" altLang="zh-CN" sz="1000" dirty="0" smtClean="0">
+              <a:rPr lang="en-US" altLang="zh-CN" sz="1000" dirty="0">
                 <a:solidFill>
                   <a:schemeClr val="bg1"/>
                 </a:solidFill>
@@ -5416,7 +5404,7 @@
           </a:p>
           <a:p>
             <a:r>
-              <a:rPr lang="en-US" altLang="zh-CN" sz="1000" dirty="0" smtClean="0">
+              <a:rPr lang="en-US" altLang="zh-CN" sz="1000" dirty="0">
                 <a:solidFill>
                   <a:schemeClr val="bg1"/>
                 </a:solidFill>
@@ -5424,7 +5412,7 @@
               <a:t>#include&lt;</a:t>
             </a:r>
             <a:r>
-              <a:rPr lang="en-US" altLang="zh-CN" sz="1000" dirty="0" err="1" smtClean="0">
+              <a:rPr lang="en-US" altLang="zh-CN" sz="1000" dirty="0" err="1">
                 <a:solidFill>
                   <a:schemeClr val="bg1"/>
                 </a:solidFill>
@@ -5432,7 +5420,7 @@
               <a:t>cstring</a:t>
             </a:r>
             <a:r>
-              <a:rPr lang="en-US" altLang="zh-CN" sz="1000" dirty="0" smtClean="0">
+              <a:rPr lang="en-US" altLang="zh-CN" sz="1000" dirty="0">
                 <a:solidFill>
                   <a:schemeClr val="bg1"/>
                 </a:solidFill>
@@ -5442,7 +5430,7 @@
           </a:p>
           <a:p>
             <a:r>
-              <a:rPr lang="en-US" altLang="zh-CN" sz="1000" dirty="0" smtClean="0">
+              <a:rPr lang="en-US" altLang="zh-CN" sz="1000" dirty="0">
                 <a:solidFill>
                   <a:schemeClr val="bg1"/>
                 </a:solidFill>
@@ -5452,7 +5440,7 @@
           </a:p>
           <a:p>
             <a:r>
-              <a:rPr lang="en-US" altLang="zh-CN" sz="1000" dirty="0" smtClean="0">
+              <a:rPr lang="en-US" altLang="zh-CN" sz="1000" dirty="0">
                 <a:solidFill>
                   <a:schemeClr val="bg1"/>
                 </a:solidFill>
@@ -5460,7 +5448,7 @@
               <a:t>#define </a:t>
             </a:r>
             <a:r>
-              <a:rPr lang="en-US" altLang="zh-CN" sz="1000" dirty="0" err="1" smtClean="0">
+              <a:rPr lang="en-US" altLang="zh-CN" sz="1000" dirty="0" err="1">
                 <a:solidFill>
                   <a:schemeClr val="bg1"/>
                 </a:solidFill>
@@ -5468,7 +5456,7 @@
               <a:t>getchar</a:t>
             </a:r>
             <a:r>
-              <a:rPr lang="en-US" altLang="zh-CN" sz="1000" dirty="0" smtClean="0">
+              <a:rPr lang="en-US" altLang="zh-CN" sz="1000" dirty="0">
                 <a:solidFill>
                   <a:schemeClr val="bg1"/>
                 </a:solidFill>
@@ -5476,7 +5464,7 @@
               <a:t>() (p1 == p2 &amp;&amp; (p2 = (p1 = </a:t>
             </a:r>
             <a:r>
-              <a:rPr lang="en-US" altLang="zh-CN" sz="1000" dirty="0" err="1" smtClean="0">
+              <a:rPr lang="en-US" altLang="zh-CN" sz="1000" dirty="0" err="1">
                 <a:solidFill>
                   <a:schemeClr val="bg1"/>
                 </a:solidFill>
@@ -5484,7 +5472,7 @@
               <a:t>buf</a:t>
             </a:r>
             <a:r>
-              <a:rPr lang="en-US" altLang="zh-CN" sz="1000" dirty="0" smtClean="0">
+              <a:rPr lang="en-US" altLang="zh-CN" sz="1000" dirty="0">
                 <a:solidFill>
                   <a:schemeClr val="bg1"/>
                 </a:solidFill>
@@ -5492,7 +5480,7 @@
               <a:t>) + </a:t>
             </a:r>
             <a:r>
-              <a:rPr lang="en-US" altLang="zh-CN" sz="1000" dirty="0" err="1" smtClean="0">
+              <a:rPr lang="en-US" altLang="zh-CN" sz="1000" dirty="0" err="1">
                 <a:solidFill>
                   <a:schemeClr val="bg1"/>
                 </a:solidFill>
@@ -5500,7 +5488,7 @@
               <a:t>fread</a:t>
             </a:r>
             <a:r>
-              <a:rPr lang="en-US" altLang="zh-CN" sz="1000" dirty="0" smtClean="0">
+              <a:rPr lang="en-US" altLang="zh-CN" sz="1000" dirty="0">
                 <a:solidFill>
                   <a:schemeClr val="bg1"/>
                 </a:solidFill>
@@ -5508,7 +5496,7 @@
               <a:t>(</a:t>
             </a:r>
             <a:r>
-              <a:rPr lang="en-US" altLang="zh-CN" sz="1000" dirty="0" err="1" smtClean="0">
+              <a:rPr lang="en-US" altLang="zh-CN" sz="1000" dirty="0" err="1">
                 <a:solidFill>
                   <a:schemeClr val="bg1"/>
                 </a:solidFill>
@@ -5516,7 +5504,7 @@
               <a:t>buf</a:t>
             </a:r>
             <a:r>
-              <a:rPr lang="en-US" altLang="zh-CN" sz="1000" dirty="0" smtClean="0">
+              <a:rPr lang="en-US" altLang="zh-CN" sz="1000" dirty="0">
                 <a:solidFill>
                   <a:schemeClr val="bg1"/>
                 </a:solidFill>
@@ -5524,7 +5512,7 @@
               <a:t>, 1, 1&lt;&lt;21, </a:t>
             </a:r>
             <a:r>
-              <a:rPr lang="en-US" altLang="zh-CN" sz="1000" dirty="0" err="1" smtClean="0">
+              <a:rPr lang="en-US" altLang="zh-CN" sz="1000" dirty="0" err="1">
                 <a:solidFill>
                   <a:schemeClr val="bg1"/>
                 </a:solidFill>
@@ -5532,7 +5520,7 @@
               <a:t>stdin</a:t>
             </a:r>
             <a:r>
-              <a:rPr lang="en-US" altLang="zh-CN" sz="1000" dirty="0" smtClean="0">
+              <a:rPr lang="en-US" altLang="zh-CN" sz="1000" dirty="0">
                 <a:solidFill>
                   <a:schemeClr val="bg1"/>
                 </a:solidFill>
@@ -5542,7 +5530,7 @@
           </a:p>
           <a:p>
             <a:r>
-              <a:rPr lang="en-US" altLang="zh-CN" sz="1000" dirty="0" smtClean="0">
+              <a:rPr lang="en-US" altLang="zh-CN" sz="1000" dirty="0">
                 <a:solidFill>
                   <a:schemeClr val="bg1"/>
                 </a:solidFill>
@@ -5550,7 +5538,7 @@
               <a:t>#define swap(</a:t>
             </a:r>
             <a:r>
-              <a:rPr lang="en-US" altLang="zh-CN" sz="1000" dirty="0" err="1" smtClean="0">
+              <a:rPr lang="en-US" altLang="zh-CN" sz="1000" dirty="0" err="1">
                 <a:solidFill>
                   <a:schemeClr val="bg1"/>
                 </a:solidFill>
@@ -5558,7 +5546,7 @@
               <a:t>x,y</a:t>
             </a:r>
             <a:r>
-              <a:rPr lang="en-US" altLang="zh-CN" sz="1000" dirty="0" smtClean="0">
+              <a:rPr lang="en-US" altLang="zh-CN" sz="1000" dirty="0">
                 <a:solidFill>
                   <a:schemeClr val="bg1"/>
                 </a:solidFill>
@@ -5568,7 +5556,7 @@
           </a:p>
           <a:p>
             <a:r>
-              <a:rPr lang="en-US" altLang="zh-CN" sz="1000" dirty="0" smtClean="0">
+              <a:rPr lang="en-US" altLang="zh-CN" sz="1000" dirty="0">
                 <a:solidFill>
                   <a:schemeClr val="bg1"/>
                 </a:solidFill>
@@ -5576,7 +5564,7 @@
               <a:t>#define </a:t>
             </a:r>
             <a:r>
-              <a:rPr lang="en-US" altLang="zh-CN" sz="1000" dirty="0" err="1" smtClean="0">
+              <a:rPr lang="en-US" altLang="zh-CN" sz="1000" dirty="0" err="1">
                 <a:solidFill>
                   <a:schemeClr val="bg1"/>
                 </a:solidFill>
@@ -5584,7 +5572,7 @@
               <a:t>mul</a:t>
             </a:r>
             <a:r>
-              <a:rPr lang="en-US" altLang="zh-CN" sz="1000" dirty="0" smtClean="0">
+              <a:rPr lang="en-US" altLang="zh-CN" sz="1000" dirty="0">
                 <a:solidFill>
                   <a:schemeClr val="bg1"/>
                 </a:solidFill>
@@ -5594,7 +5582,7 @@
           </a:p>
           <a:p>
             <a:r>
-              <a:rPr lang="en-US" altLang="zh-CN" sz="1000" dirty="0" smtClean="0">
+              <a:rPr lang="en-US" altLang="zh-CN" sz="1000" dirty="0">
                 <a:solidFill>
                   <a:schemeClr val="bg1"/>
                 </a:solidFill>
@@ -5604,7 +5592,7 @@
           </a:p>
           <a:p>
             <a:r>
-              <a:rPr lang="en-US" altLang="zh-CN" sz="1000" dirty="0" smtClean="0">
+              <a:rPr lang="en-US" altLang="zh-CN" sz="1000" dirty="0">
                 <a:solidFill>
                   <a:schemeClr val="bg1"/>
                 </a:solidFill>
@@ -5612,7 +5600,7 @@
               <a:t>#define </a:t>
             </a:r>
             <a:r>
-              <a:rPr lang="en-US" altLang="zh-CN" sz="1000" dirty="0" err="1" smtClean="0">
+              <a:rPr lang="en-US" altLang="zh-CN" sz="1000" dirty="0" err="1">
                 <a:solidFill>
                   <a:schemeClr val="bg1"/>
                 </a:solidFill>
@@ -5620,7 +5608,7 @@
               <a:t>dec</a:t>
             </a:r>
             <a:r>
-              <a:rPr lang="en-US" altLang="zh-CN" sz="1000" dirty="0" smtClean="0">
+              <a:rPr lang="en-US" altLang="zh-CN" sz="1000" dirty="0">
                 <a:solidFill>
                   <a:schemeClr val="bg1"/>
                 </a:solidFill>
@@ -5630,7 +5618,7 @@
           </a:p>
           <a:p>
             <a:r>
-              <a:rPr lang="en-US" altLang="zh-CN" sz="1000" dirty="0" smtClean="0">
+              <a:rPr lang="en-US" altLang="zh-CN" sz="1000" dirty="0">
                 <a:solidFill>
                   <a:schemeClr val="bg1"/>
                 </a:solidFill>
@@ -5638,7 +5626,7 @@
               <a:t>#define </a:t>
             </a:r>
             <a:r>
-              <a:rPr lang="en-US" altLang="zh-CN" sz="1000" dirty="0" err="1" smtClean="0">
+              <a:rPr lang="en-US" altLang="zh-CN" sz="1000" dirty="0" err="1">
                 <a:solidFill>
                   <a:schemeClr val="bg1"/>
                 </a:solidFill>
@@ -5646,7 +5634,7 @@
               <a:t>rg</a:t>
             </a:r>
             <a:r>
-              <a:rPr lang="en-US" altLang="zh-CN" sz="1000" dirty="0" smtClean="0">
+              <a:rPr lang="en-US" altLang="zh-CN" sz="1000" dirty="0">
                 <a:solidFill>
                   <a:schemeClr val="bg1"/>
                 </a:solidFill>
@@ -5656,7 +5644,7 @@
           </a:p>
           <a:p>
             <a:r>
-              <a:rPr lang="en-US" altLang="zh-CN" sz="1000" dirty="0" smtClean="0">
+              <a:rPr lang="en-US" altLang="zh-CN" sz="1000" dirty="0">
                 <a:solidFill>
                   <a:schemeClr val="bg1"/>
                 </a:solidFill>
@@ -5666,7 +5654,7 @@
           </a:p>
           <a:p>
             <a:r>
-              <a:rPr lang="en-US" altLang="zh-CN" sz="1000" dirty="0" smtClean="0">
+              <a:rPr lang="en-US" altLang="zh-CN" sz="1000" dirty="0">
                 <a:solidFill>
                   <a:schemeClr val="bg1"/>
                 </a:solidFill>
@@ -5674,7 +5662,7 @@
               <a:t>const </a:t>
             </a:r>
             <a:r>
-              <a:rPr lang="en-US" altLang="zh-CN" sz="1000" dirty="0" err="1" smtClean="0">
+              <a:rPr lang="en-US" altLang="zh-CN" sz="1000" dirty="0" err="1">
                 <a:solidFill>
                   <a:schemeClr val="bg1"/>
                 </a:solidFill>
@@ -5682,7 +5670,7 @@
               <a:t>int</a:t>
             </a:r>
             <a:r>
-              <a:rPr lang="en-US" altLang="zh-CN" sz="1000" dirty="0" smtClean="0">
+              <a:rPr lang="en-US" altLang="zh-CN" sz="1000" dirty="0">
                 <a:solidFill>
                   <a:schemeClr val="bg1"/>
                 </a:solidFill>
@@ -5690,7 +5678,7 @@
               <a:t> MAXN = 4 * 1e6, P = 998244353, </a:t>
             </a:r>
             <a:r>
-              <a:rPr lang="en-US" altLang="zh-CN" sz="1000" dirty="0" err="1" smtClean="0">
+              <a:rPr lang="en-US" altLang="zh-CN" sz="1000" dirty="0" err="1">
                 <a:solidFill>
                   <a:schemeClr val="bg1"/>
                 </a:solidFill>
@@ -5698,7 +5686,7 @@
               <a:t>Gi</a:t>
             </a:r>
             <a:r>
-              <a:rPr lang="en-US" altLang="zh-CN" sz="1000" dirty="0" smtClean="0">
+              <a:rPr lang="en-US" altLang="zh-CN" sz="1000" dirty="0">
                 <a:solidFill>
                   <a:schemeClr val="bg1"/>
                 </a:solidFill>
@@ -5708,7 +5696,7 @@
           </a:p>
           <a:p>
             <a:r>
-              <a:rPr lang="en-US" altLang="zh-CN" sz="1000" dirty="0" smtClean="0">
+              <a:rPr lang="en-US" altLang="zh-CN" sz="1000" dirty="0">
                 <a:solidFill>
                   <a:schemeClr val="bg1"/>
                 </a:solidFill>
@@ -5716,7 +5704,7 @@
               <a:t>char </a:t>
             </a:r>
             <a:r>
-              <a:rPr lang="en-US" altLang="zh-CN" sz="1000" dirty="0" err="1" smtClean="0">
+              <a:rPr lang="en-US" altLang="zh-CN" sz="1000" dirty="0" err="1">
                 <a:solidFill>
                   <a:schemeClr val="bg1"/>
                 </a:solidFill>
@@ -5724,7 +5712,7 @@
               <a:t>buf</a:t>
             </a:r>
             <a:r>
-              <a:rPr lang="en-US" altLang="zh-CN" sz="1000" dirty="0" smtClean="0">
+              <a:rPr lang="en-US" altLang="zh-CN" sz="1000" dirty="0">
                 <a:solidFill>
                   <a:schemeClr val="bg1"/>
                 </a:solidFill>
@@ -5732,7 +5720,7 @@
               <a:t>[1&lt;&lt;21], *p1 = </a:t>
             </a:r>
             <a:r>
-              <a:rPr lang="en-US" altLang="zh-CN" sz="1000" dirty="0" err="1" smtClean="0">
+              <a:rPr lang="en-US" altLang="zh-CN" sz="1000" dirty="0" err="1">
                 <a:solidFill>
                   <a:schemeClr val="bg1"/>
                 </a:solidFill>
@@ -5740,7 +5728,7 @@
               <a:t>buf</a:t>
             </a:r>
             <a:r>
-              <a:rPr lang="en-US" altLang="zh-CN" sz="1000" dirty="0" smtClean="0">
+              <a:rPr lang="en-US" altLang="zh-CN" sz="1000" dirty="0">
                 <a:solidFill>
                   <a:schemeClr val="bg1"/>
                 </a:solidFill>
@@ -5748,7 +5736,7 @@
               <a:t>, *p2 = </a:t>
             </a:r>
             <a:r>
-              <a:rPr lang="en-US" altLang="zh-CN" sz="1000" dirty="0" err="1" smtClean="0">
+              <a:rPr lang="en-US" altLang="zh-CN" sz="1000" dirty="0" err="1">
                 <a:solidFill>
                   <a:schemeClr val="bg1"/>
                 </a:solidFill>
@@ -5756,7 +5744,7 @@
               <a:t>buf</a:t>
             </a:r>
             <a:r>
-              <a:rPr lang="en-US" altLang="zh-CN" sz="1000" dirty="0" smtClean="0">
+              <a:rPr lang="en-US" altLang="zh-CN" sz="1000" dirty="0">
                 <a:solidFill>
                   <a:schemeClr val="bg1"/>
                 </a:solidFill>
@@ -5766,7 +5754,7 @@
           </a:p>
           <a:p>
             <a:r>
-              <a:rPr lang="en-US" altLang="zh-CN" sz="1000" dirty="0" smtClean="0">
+              <a:rPr lang="en-US" altLang="zh-CN" sz="1000" dirty="0">
                 <a:solidFill>
                   <a:schemeClr val="bg1"/>
                 </a:solidFill>
@@ -5774,7 +5762,7 @@
               <a:t>inline </a:t>
             </a:r>
             <a:r>
-              <a:rPr lang="en-US" altLang="zh-CN" sz="1000" dirty="0" err="1" smtClean="0">
+              <a:rPr lang="en-US" altLang="zh-CN" sz="1000" dirty="0" err="1">
                 <a:solidFill>
                   <a:schemeClr val="bg1"/>
                 </a:solidFill>
@@ -5782,7 +5770,7 @@
               <a:t>int</a:t>
             </a:r>
             <a:r>
-              <a:rPr lang="en-US" altLang="zh-CN" sz="1000" dirty="0" smtClean="0">
+              <a:rPr lang="en-US" altLang="zh-CN" sz="1000" dirty="0">
                 <a:solidFill>
                   <a:schemeClr val="bg1"/>
                 </a:solidFill>
@@ -5792,7 +5780,7 @@
           </a:p>
           <a:p>
             <a:r>
-              <a:rPr lang="en-US" altLang="zh-CN" sz="1000" dirty="0" smtClean="0">
+              <a:rPr lang="en-US" altLang="zh-CN" sz="1000" dirty="0">
                 <a:solidFill>
                   <a:schemeClr val="bg1"/>
                 </a:solidFill>
@@ -5800,7 +5788,7 @@
               <a:t>    char c = </a:t>
             </a:r>
             <a:r>
-              <a:rPr lang="en-US" altLang="zh-CN" sz="1000" dirty="0" err="1" smtClean="0">
+              <a:rPr lang="en-US" altLang="zh-CN" sz="1000" dirty="0" err="1">
                 <a:solidFill>
                   <a:schemeClr val="bg1"/>
                 </a:solidFill>
@@ -5808,7 +5796,7 @@
               <a:t>getchar</a:t>
             </a:r>
             <a:r>
-              <a:rPr lang="en-US" altLang="zh-CN" sz="1000" dirty="0" smtClean="0">
+              <a:rPr lang="en-US" altLang="zh-CN" sz="1000" dirty="0">
                 <a:solidFill>
                   <a:schemeClr val="bg1"/>
                 </a:solidFill>
@@ -5816,7 +5804,7 @@
               <a:t>(); </a:t>
             </a:r>
             <a:r>
-              <a:rPr lang="en-US" altLang="zh-CN" sz="1000" dirty="0" err="1" smtClean="0">
+              <a:rPr lang="en-US" altLang="zh-CN" sz="1000" dirty="0" err="1">
                 <a:solidFill>
                   <a:schemeClr val="bg1"/>
                 </a:solidFill>
@@ -5824,7 +5812,7 @@
               <a:t>int</a:t>
             </a:r>
             <a:r>
-              <a:rPr lang="en-US" altLang="zh-CN" sz="1000" dirty="0" smtClean="0">
+              <a:rPr lang="en-US" altLang="zh-CN" sz="1000" dirty="0">
                 <a:solidFill>
                   <a:schemeClr val="bg1"/>
                 </a:solidFill>
@@ -5834,7 +5822,7 @@
           </a:p>
           <a:p>
             <a:r>
-              <a:rPr lang="en-US" altLang="zh-CN" sz="1000" dirty="0" smtClean="0">
+              <a:rPr lang="en-US" altLang="zh-CN" sz="1000" dirty="0">
                 <a:solidFill>
                   <a:schemeClr val="bg1"/>
                 </a:solidFill>
@@ -5842,7 +5830,7 @@
               <a:t>    while(c &lt; '0' || c &gt; '9') {if(c == '-') f = -1; c = </a:t>
             </a:r>
             <a:r>
-              <a:rPr lang="en-US" altLang="zh-CN" sz="1000" dirty="0" err="1" smtClean="0">
+              <a:rPr lang="en-US" altLang="zh-CN" sz="1000" dirty="0" err="1">
                 <a:solidFill>
                   <a:schemeClr val="bg1"/>
                 </a:solidFill>
@@ -5850,7 +5838,7 @@
               <a:t>getchar</a:t>
             </a:r>
             <a:r>
-              <a:rPr lang="en-US" altLang="zh-CN" sz="1000" dirty="0" smtClean="0">
+              <a:rPr lang="en-US" altLang="zh-CN" sz="1000" dirty="0">
                 <a:solidFill>
                   <a:schemeClr val="bg1"/>
                 </a:solidFill>
@@ -5860,7 +5848,7 @@
           </a:p>
           <a:p>
             <a:r>
-              <a:rPr lang="en-US" altLang="zh-CN" sz="1000" dirty="0" smtClean="0">
+              <a:rPr lang="en-US" altLang="zh-CN" sz="1000" dirty="0">
                 <a:solidFill>
                   <a:schemeClr val="bg1"/>
                 </a:solidFill>
@@ -5868,7 +5856,7 @@
               <a:t>    while(c &gt;= '0' &amp;&amp; c &lt;= '9') x = x * 10 + c - '0', c = </a:t>
             </a:r>
             <a:r>
-              <a:rPr lang="en-US" altLang="zh-CN" sz="1000" dirty="0" err="1" smtClean="0">
+              <a:rPr lang="en-US" altLang="zh-CN" sz="1000" dirty="0" err="1">
                 <a:solidFill>
                   <a:schemeClr val="bg1"/>
                 </a:solidFill>
@@ -5876,7 +5864,7 @@
               <a:t>getchar</a:t>
             </a:r>
             <a:r>
-              <a:rPr lang="en-US" altLang="zh-CN" sz="1000" dirty="0" smtClean="0">
+              <a:rPr lang="en-US" altLang="zh-CN" sz="1000" dirty="0">
                 <a:solidFill>
                   <a:schemeClr val="bg1"/>
                 </a:solidFill>
@@ -5886,7 +5874,7 @@
           </a:p>
           <a:p>
             <a:r>
-              <a:rPr lang="en-US" altLang="zh-CN" sz="1000" dirty="0" smtClean="0">
+              <a:rPr lang="en-US" altLang="zh-CN" sz="1000" dirty="0">
                 <a:solidFill>
                   <a:schemeClr val="bg1"/>
                 </a:solidFill>
@@ -5896,7 +5884,7 @@
           </a:p>
           <a:p>
             <a:r>
-              <a:rPr lang="en-US" altLang="zh-CN" sz="1000" dirty="0" smtClean="0">
+              <a:rPr lang="en-US" altLang="zh-CN" sz="1000" dirty="0">
                 <a:solidFill>
                   <a:schemeClr val="bg1"/>
                 </a:solidFill>
@@ -5906,7 +5894,7 @@
           </a:p>
           <a:p>
             <a:r>
-              <a:rPr lang="en-US" altLang="zh-CN" sz="1000" dirty="0" smtClean="0">
+              <a:rPr lang="en-US" altLang="zh-CN" sz="1000" dirty="0">
                 <a:solidFill>
                   <a:schemeClr val="bg1"/>
                 </a:solidFill>
@@ -5914,7 +5902,7 @@
               <a:t>char </a:t>
             </a:r>
             <a:r>
-              <a:rPr lang="en-US" altLang="zh-CN" sz="1000" dirty="0" err="1" smtClean="0">
+              <a:rPr lang="en-US" altLang="zh-CN" sz="1000" dirty="0" err="1">
                 <a:solidFill>
                   <a:schemeClr val="bg1"/>
                 </a:solidFill>
@@ -5922,7 +5910,7 @@
               <a:t>obuf</a:t>
             </a:r>
             <a:r>
-              <a:rPr lang="en-US" altLang="zh-CN" sz="1000" dirty="0" smtClean="0">
+              <a:rPr lang="en-US" altLang="zh-CN" sz="1000" dirty="0">
                 <a:solidFill>
                   <a:schemeClr val="bg1"/>
                 </a:solidFill>
@@ -5930,7 +5918,7 @@
               <a:t>[1&lt;&lt;24], *O=</a:t>
             </a:r>
             <a:r>
-              <a:rPr lang="en-US" altLang="zh-CN" sz="1000" dirty="0" err="1" smtClean="0">
+              <a:rPr lang="en-US" altLang="zh-CN" sz="1000" dirty="0" err="1">
                 <a:solidFill>
                   <a:schemeClr val="bg1"/>
                 </a:solidFill>
@@ -5938,7 +5926,7 @@
               <a:t>obuf</a:t>
             </a:r>
             <a:r>
-              <a:rPr lang="en-US" altLang="zh-CN" sz="1000" dirty="0" smtClean="0">
+              <a:rPr lang="en-US" altLang="zh-CN" sz="1000" dirty="0">
                 <a:solidFill>
                   <a:schemeClr val="bg1"/>
                 </a:solidFill>
@@ -5948,7 +5936,7 @@
           </a:p>
           <a:p>
             <a:r>
-              <a:rPr lang="en-US" altLang="zh-CN" sz="1000" dirty="0" smtClean="0">
+              <a:rPr lang="en-US" altLang="zh-CN" sz="1000" dirty="0">
                 <a:solidFill>
                   <a:schemeClr val="bg1"/>
                 </a:solidFill>
@@ -5956,7 +5944,7 @@
               <a:t>void print(</a:t>
             </a:r>
             <a:r>
-              <a:rPr lang="en-US" altLang="zh-CN" sz="1000" dirty="0" err="1" smtClean="0">
+              <a:rPr lang="en-US" altLang="zh-CN" sz="1000" dirty="0" err="1">
                 <a:solidFill>
                   <a:schemeClr val="bg1"/>
                 </a:solidFill>
@@ -5964,7 +5952,7 @@
               <a:t>int</a:t>
             </a:r>
             <a:r>
-              <a:rPr lang="en-US" altLang="zh-CN" sz="1000" dirty="0" smtClean="0">
+              <a:rPr lang="en-US" altLang="zh-CN" sz="1000" dirty="0">
                 <a:solidFill>
                   <a:schemeClr val="bg1"/>
                 </a:solidFill>
@@ -5974,7 +5962,7 @@
           </a:p>
           <a:p>
             <a:r>
-              <a:rPr lang="en-US" altLang="zh-CN" sz="1000" dirty="0" smtClean="0">
+              <a:rPr lang="en-US" altLang="zh-CN" sz="1000" dirty="0">
                 <a:solidFill>
                   <a:schemeClr val="bg1"/>
                 </a:solidFill>
@@ -5984,7 +5972,7 @@
           </a:p>
           <a:p>
             <a:r>
-              <a:rPr lang="en-US" altLang="zh-CN" sz="1000" dirty="0" smtClean="0">
+              <a:rPr lang="en-US" altLang="zh-CN" sz="1000" dirty="0">
                 <a:solidFill>
                   <a:schemeClr val="bg1"/>
                 </a:solidFill>
@@ -5994,7 +5982,7 @@
           </a:p>
           <a:p>
             <a:r>
-              <a:rPr lang="en-US" altLang="zh-CN" sz="1000" dirty="0" smtClean="0">
+              <a:rPr lang="en-US" altLang="zh-CN" sz="1000" dirty="0">
                 <a:solidFill>
                   <a:schemeClr val="bg1"/>
                 </a:solidFill>
@@ -6004,7 +5992,7 @@
           </a:p>
           <a:p>
             <a:r>
-              <a:rPr lang="en-US" altLang="zh-CN" sz="1000" dirty="0" smtClean="0">
+              <a:rPr lang="en-US" altLang="zh-CN" sz="1000" dirty="0">
                 <a:solidFill>
                   <a:schemeClr val="bg1"/>
                 </a:solidFill>
@@ -6012,7 +6000,7 @@
               <a:t>inline </a:t>
             </a:r>
             <a:r>
-              <a:rPr lang="en-US" altLang="zh-CN" sz="1000" dirty="0" err="1" smtClean="0">
+              <a:rPr lang="en-US" altLang="zh-CN" sz="1000" dirty="0" err="1">
                 <a:solidFill>
                   <a:schemeClr val="bg1"/>
                 </a:solidFill>
@@ -6020,7 +6008,7 @@
               <a:t>int</a:t>
             </a:r>
             <a:r>
-              <a:rPr lang="en-US" altLang="zh-CN" sz="1000" dirty="0" smtClean="0">
+              <a:rPr lang="en-US" altLang="zh-CN" sz="1000" dirty="0">
                 <a:solidFill>
                   <a:schemeClr val="bg1"/>
                 </a:solidFill>
@@ -6028,7 +6016,7 @@
               <a:t> </a:t>
             </a:r>
             <a:r>
-              <a:rPr lang="en-US" altLang="zh-CN" sz="1000" dirty="0" err="1" smtClean="0">
+              <a:rPr lang="en-US" altLang="zh-CN" sz="1000" dirty="0" err="1">
                 <a:solidFill>
                   <a:schemeClr val="bg1"/>
                 </a:solidFill>
@@ -6036,7 +6024,7 @@
               <a:t>fastpow</a:t>
             </a:r>
             <a:r>
-              <a:rPr lang="en-US" altLang="zh-CN" sz="1000" dirty="0" smtClean="0">
+              <a:rPr lang="en-US" altLang="zh-CN" sz="1000" dirty="0">
                 <a:solidFill>
                   <a:schemeClr val="bg1"/>
                 </a:solidFill>
@@ -6044,7 +6032,7 @@
               <a:t>(</a:t>
             </a:r>
             <a:r>
-              <a:rPr lang="en-US" altLang="zh-CN" sz="1000" dirty="0" err="1" smtClean="0">
+              <a:rPr lang="en-US" altLang="zh-CN" sz="1000" dirty="0" err="1">
                 <a:solidFill>
                   <a:schemeClr val="bg1"/>
                 </a:solidFill>
@@ -6052,7 +6040,7 @@
               <a:t>int</a:t>
             </a:r>
             <a:r>
-              <a:rPr lang="en-US" altLang="zh-CN" sz="1000" dirty="0" smtClean="0">
+              <a:rPr lang="en-US" altLang="zh-CN" sz="1000" dirty="0">
                 <a:solidFill>
                   <a:schemeClr val="bg1"/>
                 </a:solidFill>
@@ -6060,7 +6048,7 @@
               <a:t> a, </a:t>
             </a:r>
             <a:r>
-              <a:rPr lang="en-US" altLang="zh-CN" sz="1000" dirty="0" err="1" smtClean="0">
+              <a:rPr lang="en-US" altLang="zh-CN" sz="1000" dirty="0" err="1">
                 <a:solidFill>
                   <a:schemeClr val="bg1"/>
                 </a:solidFill>
@@ -6068,7 +6056,7 @@
               <a:t>int</a:t>
             </a:r>
             <a:r>
-              <a:rPr lang="en-US" altLang="zh-CN" sz="1000" dirty="0" smtClean="0">
+              <a:rPr lang="en-US" altLang="zh-CN" sz="1000" dirty="0">
                 <a:solidFill>
                   <a:schemeClr val="bg1"/>
                 </a:solidFill>
@@ -6078,7 +6066,7 @@
           </a:p>
           <a:p>
             <a:r>
-              <a:rPr lang="en-US" altLang="zh-CN" sz="1000" dirty="0" smtClean="0">
+              <a:rPr lang="en-US" altLang="zh-CN" sz="1000" dirty="0">
                 <a:solidFill>
                   <a:schemeClr val="bg1"/>
                 </a:solidFill>
@@ -6086,7 +6074,7 @@
               <a:t>    </a:t>
             </a:r>
             <a:r>
-              <a:rPr lang="en-US" altLang="zh-CN" sz="1000" dirty="0" err="1" smtClean="0">
+              <a:rPr lang="en-US" altLang="zh-CN" sz="1000" dirty="0" err="1">
                 <a:solidFill>
                   <a:schemeClr val="bg1"/>
                 </a:solidFill>
@@ -6094,7 +6082,7 @@
               <a:t>int</a:t>
             </a:r>
             <a:r>
-              <a:rPr lang="en-US" altLang="zh-CN" sz="1000" dirty="0" smtClean="0">
+              <a:rPr lang="en-US" altLang="zh-CN" sz="1000" dirty="0">
                 <a:solidFill>
                   <a:schemeClr val="bg1"/>
                 </a:solidFill>
@@ -6104,7 +6092,7 @@
           </a:p>
           <a:p>
             <a:r>
-              <a:rPr lang="en-US" altLang="zh-CN" sz="1000" dirty="0" smtClean="0">
+              <a:rPr lang="en-US" altLang="zh-CN" sz="1000" dirty="0">
                 <a:solidFill>
                   <a:schemeClr val="bg1"/>
                 </a:solidFill>
@@ -6114,7 +6102,7 @@
           </a:p>
           <a:p>
             <a:r>
-              <a:rPr lang="en-US" altLang="zh-CN" sz="1000" dirty="0" smtClean="0">
+              <a:rPr lang="en-US" altLang="zh-CN" sz="1000" dirty="0">
                 <a:solidFill>
                   <a:schemeClr val="bg1"/>
                 </a:solidFill>
@@ -6122,7 +6110,7 @@
               <a:t>        if(k &amp; 1) base = </a:t>
             </a:r>
             <a:r>
-              <a:rPr lang="en-US" altLang="zh-CN" sz="1000" dirty="0" err="1" smtClean="0">
+              <a:rPr lang="en-US" altLang="zh-CN" sz="1000" dirty="0" err="1">
                 <a:solidFill>
                   <a:schemeClr val="bg1"/>
                 </a:solidFill>
@@ -6130,7 +6118,7 @@
               <a:t>mul</a:t>
             </a:r>
             <a:r>
-              <a:rPr lang="en-US" altLang="zh-CN" sz="1000" dirty="0" smtClean="0">
+              <a:rPr lang="en-US" altLang="zh-CN" sz="1000" dirty="0">
                 <a:solidFill>
                   <a:schemeClr val="bg1"/>
                 </a:solidFill>
@@ -6140,7 +6128,7 @@
           </a:p>
           <a:p>
             <a:r>
-              <a:rPr lang="en-US" altLang="zh-CN" sz="1000" dirty="0" smtClean="0">
+              <a:rPr lang="en-US" altLang="zh-CN" sz="1000" dirty="0">
                 <a:solidFill>
                   <a:schemeClr val="bg1"/>
                 </a:solidFill>
@@ -6148,7 +6136,7 @@
               <a:t>        a = </a:t>
             </a:r>
             <a:r>
-              <a:rPr lang="en-US" altLang="zh-CN" sz="1000" dirty="0" err="1" smtClean="0">
+              <a:rPr lang="en-US" altLang="zh-CN" sz="1000" dirty="0" err="1">
                 <a:solidFill>
                   <a:schemeClr val="bg1"/>
                 </a:solidFill>
@@ -6156,7 +6144,7 @@
               <a:t>mul</a:t>
             </a:r>
             <a:r>
-              <a:rPr lang="en-US" altLang="zh-CN" sz="1000" dirty="0" smtClean="0">
+              <a:rPr lang="en-US" altLang="zh-CN" sz="1000" dirty="0">
                 <a:solidFill>
                   <a:schemeClr val="bg1"/>
                 </a:solidFill>
@@ -6166,7 +6154,7 @@
           </a:p>
           <a:p>
             <a:r>
-              <a:rPr lang="en-US" altLang="zh-CN" sz="1000" dirty="0" smtClean="0">
+              <a:rPr lang="en-US" altLang="zh-CN" sz="1000" dirty="0">
                 <a:solidFill>
                   <a:schemeClr val="bg1"/>
                 </a:solidFill>
@@ -6176,7 +6164,7 @@
           </a:p>
           <a:p>
             <a:r>
-              <a:rPr lang="en-US" altLang="zh-CN" sz="1000" dirty="0" smtClean="0">
+              <a:rPr lang="en-US" altLang="zh-CN" sz="1000" dirty="0">
                 <a:solidFill>
                   <a:schemeClr val="bg1"/>
                 </a:solidFill>
@@ -6186,7 +6174,7 @@
           </a:p>
           <a:p>
             <a:r>
-              <a:rPr lang="en-US" altLang="zh-CN" sz="1000" dirty="0" smtClean="0">
+              <a:rPr lang="en-US" altLang="zh-CN" sz="1000" dirty="0">
                 <a:solidFill>
                   <a:schemeClr val="bg1"/>
                 </a:solidFill>
@@ -6196,7 +6184,7 @@
           </a:p>
           <a:p>
             <a:r>
-              <a:rPr lang="en-US" altLang="zh-CN" sz="1000" dirty="0" err="1" smtClean="0">
+              <a:rPr lang="en-US" altLang="zh-CN" sz="1000" dirty="0" err="1">
                 <a:solidFill>
                   <a:schemeClr val="bg1"/>
                 </a:solidFill>
@@ -6204,7 +6192,7 @@
               <a:t>int</a:t>
             </a:r>
             <a:r>
-              <a:rPr lang="en-US" altLang="zh-CN" sz="1000" dirty="0" smtClean="0">
+              <a:rPr lang="en-US" altLang="zh-CN" sz="1000" dirty="0">
                 <a:solidFill>
                   <a:schemeClr val="bg1"/>
                 </a:solidFill>
@@ -6212,7 +6200,7 @@
               <a:t> N, r[MAXN], A[MAXN], B[MAXN], </a:t>
             </a:r>
             <a:r>
-              <a:rPr lang="en-US" altLang="zh-CN" sz="1000" dirty="0" err="1" smtClean="0">
+              <a:rPr lang="en-US" altLang="zh-CN" sz="1000" dirty="0" err="1">
                 <a:solidFill>
                   <a:schemeClr val="bg1"/>
                 </a:solidFill>
@@ -6220,7 +6208,7 @@
               <a:t>Og</a:t>
             </a:r>
             <a:r>
-              <a:rPr lang="en-US" altLang="zh-CN" sz="1000" dirty="0" smtClean="0">
+              <a:rPr lang="en-US" altLang="zh-CN" sz="1000" dirty="0">
                 <a:solidFill>
                   <a:schemeClr val="bg1"/>
                 </a:solidFill>
@@ -6230,7 +6218,7 @@
           </a:p>
           <a:p>
             <a:r>
-              <a:rPr lang="en-US" altLang="zh-CN" sz="1000" dirty="0" smtClean="0">
+              <a:rPr lang="en-US" altLang="zh-CN" sz="1000" dirty="0">
                 <a:solidFill>
                   <a:schemeClr val="bg1"/>
                 </a:solidFill>
@@ -6238,7 +6226,7 @@
               <a:t>inline void NTT(</a:t>
             </a:r>
             <a:r>
-              <a:rPr lang="en-US" altLang="zh-CN" sz="1000" dirty="0" err="1" smtClean="0">
+              <a:rPr lang="en-US" altLang="zh-CN" sz="1000" dirty="0" err="1">
                 <a:solidFill>
                   <a:schemeClr val="bg1"/>
                 </a:solidFill>
@@ -6246,7 +6234,7 @@
               <a:t>int</a:t>
             </a:r>
             <a:r>
-              <a:rPr lang="en-US" altLang="zh-CN" sz="1000" dirty="0" smtClean="0">
+              <a:rPr lang="en-US" altLang="zh-CN" sz="1000" dirty="0">
                 <a:solidFill>
                   <a:schemeClr val="bg1"/>
                 </a:solidFill>
@@ -6254,7 +6242,7 @@
               <a:t>  *A, </a:t>
             </a:r>
             <a:r>
-              <a:rPr lang="en-US" altLang="zh-CN" sz="1000" dirty="0" err="1" smtClean="0">
+              <a:rPr lang="en-US" altLang="zh-CN" sz="1000" dirty="0" err="1">
                 <a:solidFill>
                   <a:schemeClr val="bg1"/>
                 </a:solidFill>
@@ -6262,7 +6250,7 @@
               <a:t>int</a:t>
             </a:r>
             <a:r>
-              <a:rPr lang="en-US" altLang="zh-CN" sz="1000" dirty="0" smtClean="0">
+              <a:rPr lang="en-US" altLang="zh-CN" sz="1000" dirty="0">
                 <a:solidFill>
                   <a:schemeClr val="bg1"/>
                 </a:solidFill>
@@ -6270,7 +6258,7 @@
               <a:t> type, </a:t>
             </a:r>
             <a:r>
-              <a:rPr lang="en-US" altLang="zh-CN" sz="1000" dirty="0" err="1" smtClean="0">
+              <a:rPr lang="en-US" altLang="zh-CN" sz="1000" dirty="0" err="1">
                 <a:solidFill>
                   <a:schemeClr val="bg1"/>
                 </a:solidFill>
@@ -6278,7 +6266,7 @@
               <a:t>int</a:t>
             </a:r>
             <a:r>
-              <a:rPr lang="en-US" altLang="zh-CN" sz="1000" dirty="0" smtClean="0">
+              <a:rPr lang="en-US" altLang="zh-CN" sz="1000" dirty="0">
                 <a:solidFill>
                   <a:schemeClr val="bg1"/>
                 </a:solidFill>
@@ -6286,7 +6274,7 @@
               <a:t> </a:t>
             </a:r>
             <a:r>
-              <a:rPr lang="en-US" altLang="zh-CN" sz="1000" dirty="0" err="1" smtClean="0">
+              <a:rPr lang="en-US" altLang="zh-CN" sz="1000" dirty="0" err="1">
                 <a:solidFill>
                   <a:schemeClr val="bg1"/>
                 </a:solidFill>
@@ -6294,7 +6282,7 @@
               <a:t>len</a:t>
             </a:r>
             <a:r>
-              <a:rPr lang="en-US" altLang="zh-CN" sz="1000" dirty="0" smtClean="0">
+              <a:rPr lang="en-US" altLang="zh-CN" sz="1000" dirty="0">
                 <a:solidFill>
                   <a:schemeClr val="bg1"/>
                 </a:solidFill>
@@ -6304,7 +6292,7 @@
           </a:p>
           <a:p>
             <a:r>
-              <a:rPr lang="en-US" altLang="zh-CN" sz="1000" dirty="0" smtClean="0">
+              <a:rPr lang="en-US" altLang="zh-CN" sz="1000" dirty="0">
                 <a:solidFill>
                   <a:schemeClr val="bg1"/>
                 </a:solidFill>
@@ -6312,7 +6300,7 @@
               <a:t>    </a:t>
             </a:r>
             <a:r>
-              <a:rPr lang="en-US" altLang="zh-CN" sz="1000" dirty="0" err="1" smtClean="0">
+              <a:rPr lang="en-US" altLang="zh-CN" sz="1000" dirty="0" err="1">
                 <a:solidFill>
                   <a:schemeClr val="bg1"/>
                 </a:solidFill>
@@ -6320,7 +6308,7 @@
               <a:t>int</a:t>
             </a:r>
             <a:r>
-              <a:rPr lang="en-US" altLang="zh-CN" sz="1000" dirty="0" smtClean="0">
+              <a:rPr lang="en-US" altLang="zh-CN" sz="1000" dirty="0">
                 <a:solidFill>
                   <a:schemeClr val="bg1"/>
                 </a:solidFill>
@@ -6330,7 +6318,7 @@
           </a:p>
           <a:p>
             <a:r>
-              <a:rPr lang="en-US" altLang="zh-CN" sz="1000" dirty="0" smtClean="0">
+              <a:rPr lang="en-US" altLang="zh-CN" sz="1000" dirty="0">
                 <a:solidFill>
                   <a:schemeClr val="bg1"/>
                 </a:solidFill>
@@ -6338,7 +6326,7 @@
               <a:t>    while(limit &lt; </a:t>
             </a:r>
             <a:r>
-              <a:rPr lang="en-US" altLang="zh-CN" sz="1000" dirty="0" err="1" smtClean="0">
+              <a:rPr lang="en-US" altLang="zh-CN" sz="1000" dirty="0" err="1">
                 <a:solidFill>
                   <a:schemeClr val="bg1"/>
                 </a:solidFill>
@@ -6346,7 +6334,7 @@
               <a:t>len</a:t>
             </a:r>
             <a:r>
-              <a:rPr lang="en-US" altLang="zh-CN" sz="1000" dirty="0" smtClean="0">
+              <a:rPr lang="en-US" altLang="zh-CN" sz="1000" dirty="0">
                 <a:solidFill>
                   <a:schemeClr val="bg1"/>
                 </a:solidFill>
@@ -6356,7 +6344,7 @@
           </a:p>
           <a:p>
             <a:r>
-              <a:rPr lang="en-US" altLang="zh-CN" sz="1000" dirty="0" smtClean="0">
+              <a:rPr lang="en-US" altLang="zh-CN" sz="1000" dirty="0">
                 <a:solidFill>
                   <a:schemeClr val="bg1"/>
                 </a:solidFill>
@@ -6364,7 +6352,7 @@
               <a:t>    for(</a:t>
             </a:r>
             <a:r>
-              <a:rPr lang="en-US" altLang="zh-CN" sz="1000" dirty="0" err="1" smtClean="0">
+              <a:rPr lang="en-US" altLang="zh-CN" sz="1000" dirty="0" err="1">
                 <a:solidFill>
                   <a:schemeClr val="bg1"/>
                 </a:solidFill>
@@ -6372,7 +6360,7 @@
               <a:t>rg</a:t>
             </a:r>
             <a:r>
-              <a:rPr lang="en-US" altLang="zh-CN" sz="1000" dirty="0" smtClean="0">
+              <a:rPr lang="en-US" altLang="zh-CN" sz="1000" dirty="0">
                 <a:solidFill>
                   <a:schemeClr val="bg1"/>
                 </a:solidFill>
@@ -6380,7 +6368,7 @@
               <a:t> </a:t>
             </a:r>
             <a:r>
-              <a:rPr lang="en-US" altLang="zh-CN" sz="1000" dirty="0" err="1" smtClean="0">
+              <a:rPr lang="en-US" altLang="zh-CN" sz="1000" dirty="0" err="1">
                 <a:solidFill>
                   <a:schemeClr val="bg1"/>
                 </a:solidFill>
@@ -6388,7 +6376,7 @@
               <a:t>int</a:t>
             </a:r>
             <a:r>
-              <a:rPr lang="en-US" altLang="zh-CN" sz="1000" dirty="0" smtClean="0">
+              <a:rPr lang="en-US" altLang="zh-CN" sz="1000" dirty="0">
                 <a:solidFill>
                   <a:schemeClr val="bg1"/>
                 </a:solidFill>
@@ -6396,7 +6384,7 @@
               <a:t> </a:t>
             </a:r>
             <a:r>
-              <a:rPr lang="en-US" altLang="zh-CN" sz="1000" dirty="0" err="1" smtClean="0">
+              <a:rPr lang="en-US" altLang="zh-CN" sz="1000" dirty="0" err="1">
                 <a:solidFill>
                   <a:schemeClr val="bg1"/>
                 </a:solidFill>
@@ -6404,7 +6392,7 @@
               <a:t>i</a:t>
             </a:r>
             <a:r>
-              <a:rPr lang="en-US" altLang="zh-CN" sz="1000" dirty="0" smtClean="0">
+              <a:rPr lang="en-US" altLang="zh-CN" sz="1000" dirty="0">
                 <a:solidFill>
                   <a:schemeClr val="bg1"/>
                 </a:solidFill>
@@ -6412,7 +6400,7 @@
               <a:t> = 0; </a:t>
             </a:r>
             <a:r>
-              <a:rPr lang="en-US" altLang="zh-CN" sz="1000" dirty="0" err="1" smtClean="0">
+              <a:rPr lang="en-US" altLang="zh-CN" sz="1000" dirty="0" err="1">
                 <a:solidFill>
                   <a:schemeClr val="bg1"/>
                 </a:solidFill>
@@ -6420,7 +6408,7 @@
               <a:t>i</a:t>
             </a:r>
             <a:r>
-              <a:rPr lang="en-US" altLang="zh-CN" sz="1000" dirty="0" smtClean="0">
+              <a:rPr lang="en-US" altLang="zh-CN" sz="1000" dirty="0">
                 <a:solidFill>
                   <a:schemeClr val="bg1"/>
                 </a:solidFill>
@@ -6428,7 +6416,7 @@
               <a:t> &lt; limit; </a:t>
             </a:r>
             <a:r>
-              <a:rPr lang="en-US" altLang="zh-CN" sz="1000" dirty="0" err="1" smtClean="0">
+              <a:rPr lang="en-US" altLang="zh-CN" sz="1000" dirty="0" err="1">
                 <a:solidFill>
                   <a:schemeClr val="bg1"/>
                 </a:solidFill>
@@ -6436,7 +6424,7 @@
               <a:t>i</a:t>
             </a:r>
             <a:r>
-              <a:rPr lang="en-US" altLang="zh-CN" sz="1000" dirty="0" smtClean="0">
+              <a:rPr lang="en-US" altLang="zh-CN" sz="1000" dirty="0">
                 <a:solidFill>
                   <a:schemeClr val="bg1"/>
                 </a:solidFill>
@@ -6444,7 +6432,7 @@
               <a:t>++) r[</a:t>
             </a:r>
             <a:r>
-              <a:rPr lang="en-US" altLang="zh-CN" sz="1000" dirty="0" err="1" smtClean="0">
+              <a:rPr lang="en-US" altLang="zh-CN" sz="1000" dirty="0" err="1">
                 <a:solidFill>
                   <a:schemeClr val="bg1"/>
                 </a:solidFill>
@@ -6452,7 +6440,7 @@
               <a:t>i</a:t>
             </a:r>
             <a:r>
-              <a:rPr lang="en-US" altLang="zh-CN" sz="1000" dirty="0" smtClean="0">
+              <a:rPr lang="en-US" altLang="zh-CN" sz="1000" dirty="0">
                 <a:solidFill>
                   <a:schemeClr val="bg1"/>
                 </a:solidFill>
@@ -6460,7 +6448,7 @@
               <a:t>] = (r[</a:t>
             </a:r>
             <a:r>
-              <a:rPr lang="en-US" altLang="zh-CN" sz="1000" dirty="0" err="1" smtClean="0">
+              <a:rPr lang="en-US" altLang="zh-CN" sz="1000" dirty="0" err="1">
                 <a:solidFill>
                   <a:schemeClr val="bg1"/>
                 </a:solidFill>
@@ -6468,7 +6456,7 @@
               <a:t>i</a:t>
             </a:r>
             <a:r>
-              <a:rPr lang="en-US" altLang="zh-CN" sz="1000" dirty="0" smtClean="0">
+              <a:rPr lang="en-US" altLang="zh-CN" sz="1000" dirty="0">
                 <a:solidFill>
                   <a:schemeClr val="bg1"/>
                 </a:solidFill>
@@ -6476,7 +6464,7 @@
               <a:t> &gt;&gt; 1] &gt;&gt; 1) | ((</a:t>
             </a:r>
             <a:r>
-              <a:rPr lang="en-US" altLang="zh-CN" sz="1000" dirty="0" err="1" smtClean="0">
+              <a:rPr lang="en-US" altLang="zh-CN" sz="1000" dirty="0" err="1">
                 <a:solidFill>
                   <a:schemeClr val="bg1"/>
                 </a:solidFill>
@@ -6484,7 +6472,7 @@
               <a:t>i</a:t>
             </a:r>
             <a:r>
-              <a:rPr lang="en-US" altLang="zh-CN" sz="1000" dirty="0" smtClean="0">
+              <a:rPr lang="en-US" altLang="zh-CN" sz="1000" dirty="0">
                 <a:solidFill>
                   <a:schemeClr val="bg1"/>
                 </a:solidFill>
@@ -6494,7 +6482,7 @@
           </a:p>
           <a:p>
             <a:r>
-              <a:rPr lang="en-US" altLang="zh-CN" sz="1000" dirty="0" smtClean="0">
+              <a:rPr lang="en-US" altLang="zh-CN" sz="1000" dirty="0">
                 <a:solidFill>
                   <a:schemeClr val="bg1"/>
                 </a:solidFill>
@@ -6502,7 +6490,7 @@
               <a:t>    for(</a:t>
             </a:r>
             <a:r>
-              <a:rPr lang="en-US" altLang="zh-CN" sz="1000" dirty="0" err="1" smtClean="0">
+              <a:rPr lang="en-US" altLang="zh-CN" sz="1000" dirty="0" err="1">
                 <a:solidFill>
                   <a:schemeClr val="bg1"/>
                 </a:solidFill>
@@ -6510,7 +6498,7 @@
               <a:t>rg</a:t>
             </a:r>
             <a:r>
-              <a:rPr lang="en-US" altLang="zh-CN" sz="1000" dirty="0" smtClean="0">
+              <a:rPr lang="en-US" altLang="zh-CN" sz="1000" dirty="0">
                 <a:solidFill>
                   <a:schemeClr val="bg1"/>
                 </a:solidFill>
@@ -6518,7 +6506,7 @@
               <a:t> </a:t>
             </a:r>
             <a:r>
-              <a:rPr lang="en-US" altLang="zh-CN" sz="1000" dirty="0" err="1" smtClean="0">
+              <a:rPr lang="en-US" altLang="zh-CN" sz="1000" dirty="0" err="1">
                 <a:solidFill>
                   <a:schemeClr val="bg1"/>
                 </a:solidFill>
@@ -6526,7 +6514,7 @@
               <a:t>int</a:t>
             </a:r>
             <a:r>
-              <a:rPr lang="en-US" altLang="zh-CN" sz="1000" dirty="0" smtClean="0">
+              <a:rPr lang="en-US" altLang="zh-CN" sz="1000" dirty="0">
                 <a:solidFill>
                   <a:schemeClr val="bg1"/>
                 </a:solidFill>
@@ -6534,7 +6522,7 @@
               <a:t> </a:t>
             </a:r>
             <a:r>
-              <a:rPr lang="en-US" altLang="zh-CN" sz="1000" dirty="0" err="1" smtClean="0">
+              <a:rPr lang="en-US" altLang="zh-CN" sz="1000" dirty="0" err="1">
                 <a:solidFill>
                   <a:schemeClr val="bg1"/>
                 </a:solidFill>
@@ -6542,7 +6530,7 @@
               <a:t>i</a:t>
             </a:r>
             <a:r>
-              <a:rPr lang="en-US" altLang="zh-CN" sz="1000" dirty="0" smtClean="0">
+              <a:rPr lang="en-US" altLang="zh-CN" sz="1000" dirty="0">
                 <a:solidFill>
                   <a:schemeClr val="bg1"/>
                 </a:solidFill>
@@ -6550,7 +6538,7 @@
               <a:t> = 0; </a:t>
             </a:r>
             <a:r>
-              <a:rPr lang="en-US" altLang="zh-CN" sz="1000" dirty="0" err="1" smtClean="0">
+              <a:rPr lang="en-US" altLang="zh-CN" sz="1000" dirty="0" err="1">
                 <a:solidFill>
                   <a:schemeClr val="bg1"/>
                 </a:solidFill>
@@ -6558,7 +6546,7 @@
               <a:t>i</a:t>
             </a:r>
             <a:r>
-              <a:rPr lang="en-US" altLang="zh-CN" sz="1000" dirty="0" smtClean="0">
+              <a:rPr lang="en-US" altLang="zh-CN" sz="1000" dirty="0">
                 <a:solidFill>
                   <a:schemeClr val="bg1"/>
                 </a:solidFill>
@@ -6566,7 +6554,7 @@
               <a:t> &lt; limit; </a:t>
             </a:r>
             <a:r>
-              <a:rPr lang="en-US" altLang="zh-CN" sz="1000" dirty="0" err="1" smtClean="0">
+              <a:rPr lang="en-US" altLang="zh-CN" sz="1000" dirty="0" err="1">
                 <a:solidFill>
                   <a:schemeClr val="bg1"/>
                 </a:solidFill>
@@ -6574,7 +6562,7 @@
               <a:t>i</a:t>
             </a:r>
             <a:r>
-              <a:rPr lang="en-US" altLang="zh-CN" sz="1000" dirty="0" smtClean="0">
+              <a:rPr lang="en-US" altLang="zh-CN" sz="1000" dirty="0">
                 <a:solidFill>
                   <a:schemeClr val="bg1"/>
                 </a:solidFill>
@@ -6582,7 +6570,7 @@
               <a:t>++) if(</a:t>
             </a:r>
             <a:r>
-              <a:rPr lang="en-US" altLang="zh-CN" sz="1000" dirty="0" err="1" smtClean="0">
+              <a:rPr lang="en-US" altLang="zh-CN" sz="1000" dirty="0" err="1">
                 <a:solidFill>
                   <a:schemeClr val="bg1"/>
                 </a:solidFill>
@@ -6590,7 +6578,7 @@
               <a:t>i</a:t>
             </a:r>
             <a:r>
-              <a:rPr lang="en-US" altLang="zh-CN" sz="1000" dirty="0" smtClean="0">
+              <a:rPr lang="en-US" altLang="zh-CN" sz="1000" dirty="0">
                 <a:solidFill>
                   <a:schemeClr val="bg1"/>
                 </a:solidFill>
@@ -6598,7 +6586,7 @@
               <a:t> &lt; r[</a:t>
             </a:r>
             <a:r>
-              <a:rPr lang="en-US" altLang="zh-CN" sz="1000" dirty="0" err="1" smtClean="0">
+              <a:rPr lang="en-US" altLang="zh-CN" sz="1000" dirty="0" err="1">
                 <a:solidFill>
                   <a:schemeClr val="bg1"/>
                 </a:solidFill>
@@ -6606,7 +6594,7 @@
               <a:t>i</a:t>
             </a:r>
             <a:r>
-              <a:rPr lang="en-US" altLang="zh-CN" sz="1000" dirty="0" smtClean="0">
+              <a:rPr lang="en-US" altLang="zh-CN" sz="1000" dirty="0">
                 <a:solidFill>
                   <a:schemeClr val="bg1"/>
                 </a:solidFill>
@@ -6614,7 +6602,7 @@
               <a:t>]) swap(A[</a:t>
             </a:r>
             <a:r>
-              <a:rPr lang="en-US" altLang="zh-CN" sz="1000" dirty="0" err="1" smtClean="0">
+              <a:rPr lang="en-US" altLang="zh-CN" sz="1000" dirty="0" err="1">
                 <a:solidFill>
                   <a:schemeClr val="bg1"/>
                 </a:solidFill>
@@ -6622,7 +6610,7 @@
               <a:t>i</a:t>
             </a:r>
             <a:r>
-              <a:rPr lang="en-US" altLang="zh-CN" sz="1000" dirty="0" smtClean="0">
+              <a:rPr lang="en-US" altLang="zh-CN" sz="1000" dirty="0">
                 <a:solidFill>
                   <a:schemeClr val="bg1"/>
                 </a:solidFill>
@@ -6630,7 +6618,7 @@
               <a:t>], A[r[</a:t>
             </a:r>
             <a:r>
-              <a:rPr lang="en-US" altLang="zh-CN" sz="1000" dirty="0" err="1" smtClean="0">
+              <a:rPr lang="en-US" altLang="zh-CN" sz="1000" dirty="0" err="1">
                 <a:solidFill>
                   <a:schemeClr val="bg1"/>
                 </a:solidFill>
@@ -6638,7 +6626,7 @@
               <a:t>i</a:t>
             </a:r>
             <a:r>
-              <a:rPr lang="en-US" altLang="zh-CN" sz="1000" dirty="0" smtClean="0">
+              <a:rPr lang="en-US" altLang="zh-CN" sz="1000" dirty="0">
                 <a:solidFill>
                   <a:schemeClr val="bg1"/>
                 </a:solidFill>
@@ -6648,7 +6636,7 @@
           </a:p>
           <a:p>
             <a:r>
-              <a:rPr lang="en-US" altLang="zh-CN" sz="1000" dirty="0" smtClean="0">
+              <a:rPr lang="en-US" altLang="zh-CN" sz="1000" dirty="0">
                 <a:solidFill>
                   <a:schemeClr val="bg1"/>
                 </a:solidFill>
@@ -6656,7 +6644,7 @@
               <a:t>    for(</a:t>
             </a:r>
             <a:r>
-              <a:rPr lang="en-US" altLang="zh-CN" sz="1000" dirty="0" err="1" smtClean="0">
+              <a:rPr lang="en-US" altLang="zh-CN" sz="1000" dirty="0" err="1">
                 <a:solidFill>
                   <a:schemeClr val="bg1"/>
                 </a:solidFill>
@@ -6664,7 +6652,7 @@
               <a:t>rg</a:t>
             </a:r>
             <a:r>
-              <a:rPr lang="en-US" altLang="zh-CN" sz="1000" dirty="0" smtClean="0">
+              <a:rPr lang="en-US" altLang="zh-CN" sz="1000" dirty="0">
                 <a:solidFill>
                   <a:schemeClr val="bg1"/>
                 </a:solidFill>
@@ -6672,7 +6660,7 @@
               <a:t> </a:t>
             </a:r>
             <a:r>
-              <a:rPr lang="en-US" altLang="zh-CN" sz="1000" dirty="0" err="1" smtClean="0">
+              <a:rPr lang="en-US" altLang="zh-CN" sz="1000" dirty="0" err="1">
                 <a:solidFill>
                   <a:schemeClr val="bg1"/>
                 </a:solidFill>
@@ -6680,7 +6668,7 @@
               <a:t>int</a:t>
             </a:r>
             <a:r>
-              <a:rPr lang="en-US" altLang="zh-CN" sz="1000" dirty="0" smtClean="0">
+              <a:rPr lang="en-US" altLang="zh-CN" sz="1000" dirty="0">
                 <a:solidFill>
                   <a:schemeClr val="bg1"/>
                 </a:solidFill>
@@ -6690,7 +6678,7 @@
           </a:p>
           <a:p>
             <a:r>
-              <a:rPr lang="en-US" altLang="zh-CN" sz="1000" dirty="0" smtClean="0">
+              <a:rPr lang="en-US" altLang="zh-CN" sz="1000" dirty="0">
                 <a:solidFill>
                   <a:schemeClr val="bg1"/>
                 </a:solidFill>
@@ -6698,7 +6686,7 @@
               <a:t>        </a:t>
             </a:r>
             <a:r>
-              <a:rPr lang="en-US" altLang="zh-CN" sz="1000" dirty="0" err="1" smtClean="0">
+              <a:rPr lang="en-US" altLang="zh-CN" sz="1000" dirty="0" err="1">
                 <a:solidFill>
                   <a:schemeClr val="bg1"/>
                 </a:solidFill>
@@ -6706,7 +6694,7 @@
               <a:t>int</a:t>
             </a:r>
             <a:r>
-              <a:rPr lang="en-US" altLang="zh-CN" sz="1000" dirty="0" smtClean="0">
+              <a:rPr lang="en-US" altLang="zh-CN" sz="1000" dirty="0">
                 <a:solidFill>
                   <a:schemeClr val="bg1"/>
                 </a:solidFill>
@@ -6716,7 +6704,7 @@
           </a:p>
           <a:p>
             <a:r>
-              <a:rPr lang="en-US" altLang="zh-CN" sz="1000" dirty="0" smtClean="0">
+              <a:rPr lang="en-US" altLang="zh-CN" sz="1000" dirty="0">
                 <a:solidFill>
                   <a:schemeClr val="bg1"/>
                 </a:solidFill>
@@ -6724,7 +6712,7 @@
               <a:t>        </a:t>
             </a:r>
             <a:r>
-              <a:rPr lang="en-US" altLang="zh-CN" sz="1000" dirty="0" err="1" smtClean="0">
+              <a:rPr lang="en-US" altLang="zh-CN" sz="1000" dirty="0" err="1">
                 <a:solidFill>
                   <a:schemeClr val="bg1"/>
                 </a:solidFill>
@@ -6732,7 +6720,7 @@
               <a:t>int</a:t>
             </a:r>
             <a:r>
-              <a:rPr lang="en-US" altLang="zh-CN" sz="1000" dirty="0" smtClean="0">
+              <a:rPr lang="en-US" altLang="zh-CN" sz="1000" dirty="0">
                 <a:solidFill>
                   <a:schemeClr val="bg1"/>
                 </a:solidFill>
@@ -6740,7 +6728,7 @@
               <a:t>  W = </a:t>
             </a:r>
             <a:r>
-              <a:rPr lang="en-US" altLang="zh-CN" sz="1000" dirty="0" err="1" smtClean="0">
+              <a:rPr lang="en-US" altLang="zh-CN" sz="1000" dirty="0" err="1">
                 <a:solidFill>
                   <a:schemeClr val="bg1"/>
                 </a:solidFill>
@@ -6748,7 +6736,7 @@
               <a:t>fastpow</a:t>
             </a:r>
             <a:r>
-              <a:rPr lang="en-US" altLang="zh-CN" sz="1000" dirty="0" smtClean="0">
+              <a:rPr lang="en-US" altLang="zh-CN" sz="1000" dirty="0">
                 <a:solidFill>
                   <a:schemeClr val="bg1"/>
                 </a:solidFill>
@@ -6756,7 +6744,7 @@
               <a:t>(</a:t>
             </a:r>
             <a:r>
-              <a:rPr lang="en-US" altLang="zh-CN" sz="1000" dirty="0" err="1" smtClean="0">
+              <a:rPr lang="en-US" altLang="zh-CN" sz="1000" dirty="0" err="1">
                 <a:solidFill>
                   <a:schemeClr val="bg1"/>
                 </a:solidFill>
@@ -6764,7 +6752,7 @@
               <a:t>Gi</a:t>
             </a:r>
             <a:r>
-              <a:rPr lang="en-US" altLang="zh-CN" sz="1000" dirty="0" smtClean="0">
+              <a:rPr lang="en-US" altLang="zh-CN" sz="1000" dirty="0">
                 <a:solidFill>
                   <a:schemeClr val="bg1"/>
                 </a:solidFill>
@@ -6772,7 +6760,7 @@
               <a:t>, (P - 1) / R); </a:t>
             </a:r>
             <a:r>
-              <a:rPr lang="en-US" altLang="zh-CN" sz="1000" dirty="0" err="1" smtClean="0">
+              <a:rPr lang="en-US" altLang="zh-CN" sz="1000" dirty="0" err="1">
                 <a:solidFill>
                   <a:schemeClr val="bg1"/>
                 </a:solidFill>
@@ -6780,7 +6768,7 @@
               <a:t>Og</a:t>
             </a:r>
             <a:r>
-              <a:rPr lang="en-US" altLang="zh-CN" sz="1000" dirty="0" smtClean="0">
+              <a:rPr lang="en-US" altLang="zh-CN" sz="1000" dirty="0">
                 <a:solidFill>
                   <a:schemeClr val="bg1"/>
                 </a:solidFill>
@@ -6790,7 +6778,7 @@
           </a:p>
           <a:p>
             <a:r>
-              <a:rPr lang="en-US" altLang="zh-CN" sz="1000" dirty="0" smtClean="0">
+              <a:rPr lang="en-US" altLang="zh-CN" sz="1000" dirty="0">
                 <a:solidFill>
                   <a:schemeClr val="bg1"/>
                 </a:solidFill>
@@ -6798,7 +6786,7 @@
               <a:t>        for(</a:t>
             </a:r>
             <a:r>
-              <a:rPr lang="en-US" altLang="zh-CN" sz="1000" dirty="0" err="1" smtClean="0">
+              <a:rPr lang="en-US" altLang="zh-CN" sz="1000" dirty="0" err="1">
                 <a:solidFill>
                   <a:schemeClr val="bg1"/>
                 </a:solidFill>
@@ -6806,7 +6794,7 @@
               <a:t>rg</a:t>
             </a:r>
             <a:r>
-              <a:rPr lang="en-US" altLang="zh-CN" sz="1000" dirty="0" smtClean="0">
+              <a:rPr lang="en-US" altLang="zh-CN" sz="1000" dirty="0">
                 <a:solidFill>
                   <a:schemeClr val="bg1"/>
                 </a:solidFill>
@@ -6814,7 +6802,7 @@
               <a:t> </a:t>
             </a:r>
             <a:r>
-              <a:rPr lang="en-US" altLang="zh-CN" sz="1000" dirty="0" err="1" smtClean="0">
+              <a:rPr lang="en-US" altLang="zh-CN" sz="1000" dirty="0" err="1">
                 <a:solidFill>
                   <a:schemeClr val="bg1"/>
                 </a:solidFill>
@@ -6822,7 +6810,7 @@
               <a:t>int</a:t>
             </a:r>
             <a:r>
-              <a:rPr lang="en-US" altLang="zh-CN" sz="1000" dirty="0" smtClean="0">
+              <a:rPr lang="en-US" altLang="zh-CN" sz="1000" dirty="0">
                 <a:solidFill>
                   <a:schemeClr val="bg1"/>
                 </a:solidFill>
@@ -6830,7 +6818,7 @@
               <a:t> j = 1; j &lt; mid; j++) </a:t>
             </a:r>
             <a:r>
-              <a:rPr lang="en-US" altLang="zh-CN" sz="1000" dirty="0" err="1" smtClean="0">
+              <a:rPr lang="en-US" altLang="zh-CN" sz="1000" dirty="0" err="1">
                 <a:solidFill>
                   <a:schemeClr val="bg1"/>
                 </a:solidFill>
@@ -6838,7 +6826,7 @@
               <a:t>Og</a:t>
             </a:r>
             <a:r>
-              <a:rPr lang="en-US" altLang="zh-CN" sz="1000" dirty="0" smtClean="0">
+              <a:rPr lang="en-US" altLang="zh-CN" sz="1000" dirty="0">
                 <a:solidFill>
                   <a:schemeClr val="bg1"/>
                 </a:solidFill>
@@ -6846,7 +6834,7 @@
               <a:t>[j] = </a:t>
             </a:r>
             <a:r>
-              <a:rPr lang="en-US" altLang="zh-CN" sz="1000" dirty="0" err="1" smtClean="0">
+              <a:rPr lang="en-US" altLang="zh-CN" sz="1000" dirty="0" err="1">
                 <a:solidFill>
                   <a:schemeClr val="bg1"/>
                 </a:solidFill>
@@ -6854,7 +6842,7 @@
               <a:t>mul</a:t>
             </a:r>
             <a:r>
-              <a:rPr lang="en-US" altLang="zh-CN" sz="1000" dirty="0" smtClean="0">
+              <a:rPr lang="en-US" altLang="zh-CN" sz="1000" dirty="0">
                 <a:solidFill>
                   <a:schemeClr val="bg1"/>
                 </a:solidFill>
@@ -6862,7 +6850,7 @@
               <a:t>(</a:t>
             </a:r>
             <a:r>
-              <a:rPr lang="en-US" altLang="zh-CN" sz="1000" dirty="0" err="1" smtClean="0">
+              <a:rPr lang="en-US" altLang="zh-CN" sz="1000" dirty="0" err="1">
                 <a:solidFill>
                   <a:schemeClr val="bg1"/>
                 </a:solidFill>
@@ -6870,7 +6858,7 @@
               <a:t>Og</a:t>
             </a:r>
             <a:r>
-              <a:rPr lang="en-US" altLang="zh-CN" sz="1000" dirty="0" smtClean="0">
+              <a:rPr lang="en-US" altLang="zh-CN" sz="1000" dirty="0">
                 <a:solidFill>
                   <a:schemeClr val="bg1"/>
                 </a:solidFill>
@@ -6880,7 +6868,7 @@
           </a:p>
           <a:p>
             <a:r>
-              <a:rPr lang="en-US" altLang="zh-CN" sz="1000" dirty="0" smtClean="0">
+              <a:rPr lang="en-US" altLang="zh-CN" sz="1000" dirty="0">
                 <a:solidFill>
                   <a:schemeClr val="bg1"/>
                 </a:solidFill>
@@ -6888,7 +6876,7 @@
               <a:t>        for(</a:t>
             </a:r>
             <a:r>
-              <a:rPr lang="en-US" altLang="zh-CN" sz="1000" dirty="0" err="1" smtClean="0">
+              <a:rPr lang="en-US" altLang="zh-CN" sz="1000" dirty="0" err="1">
                 <a:solidFill>
                   <a:schemeClr val="bg1"/>
                 </a:solidFill>
@@ -6896,7 +6884,7 @@
               <a:t>rg</a:t>
             </a:r>
             <a:r>
-              <a:rPr lang="en-US" altLang="zh-CN" sz="1000" dirty="0" smtClean="0">
+              <a:rPr lang="en-US" altLang="zh-CN" sz="1000" dirty="0">
                 <a:solidFill>
                   <a:schemeClr val="bg1"/>
                 </a:solidFill>
@@ -6904,7 +6892,7 @@
               <a:t> </a:t>
             </a:r>
             <a:r>
-              <a:rPr lang="en-US" altLang="zh-CN" sz="1000" dirty="0" err="1" smtClean="0">
+              <a:rPr lang="en-US" altLang="zh-CN" sz="1000" dirty="0" err="1">
                 <a:solidFill>
                   <a:schemeClr val="bg1"/>
                 </a:solidFill>
@@ -6912,7 +6900,7 @@
               <a:t>int</a:t>
             </a:r>
             <a:r>
-              <a:rPr lang="en-US" altLang="zh-CN" sz="1000" dirty="0" smtClean="0">
+              <a:rPr lang="en-US" altLang="zh-CN" sz="1000" dirty="0">
                 <a:solidFill>
                   <a:schemeClr val="bg1"/>
                 </a:solidFill>
@@ -6922,7 +6910,7 @@
           </a:p>
           <a:p>
             <a:r>
-              <a:rPr lang="en-US" altLang="zh-CN" sz="1000" dirty="0" smtClean="0">
+              <a:rPr lang="en-US" altLang="zh-CN" sz="1000" dirty="0">
                 <a:solidFill>
                   <a:schemeClr val="bg1"/>
                 </a:solidFill>
@@ -6930,7 +6918,7 @@
               <a:t>            for(</a:t>
             </a:r>
             <a:r>
-              <a:rPr lang="en-US" altLang="zh-CN" sz="1000" dirty="0" err="1" smtClean="0">
+              <a:rPr lang="en-US" altLang="zh-CN" sz="1000" dirty="0" err="1">
                 <a:solidFill>
                   <a:schemeClr val="bg1"/>
                 </a:solidFill>
@@ -6938,7 +6926,7 @@
               <a:t>rg</a:t>
             </a:r>
             <a:r>
-              <a:rPr lang="en-US" altLang="zh-CN" sz="1000" dirty="0" smtClean="0">
+              <a:rPr lang="en-US" altLang="zh-CN" sz="1000" dirty="0">
                 <a:solidFill>
                   <a:schemeClr val="bg1"/>
                 </a:solidFill>
@@ -6946,7 +6934,7 @@
               <a:t> </a:t>
             </a:r>
             <a:r>
-              <a:rPr lang="en-US" altLang="zh-CN" sz="1000" dirty="0" err="1" smtClean="0">
+              <a:rPr lang="en-US" altLang="zh-CN" sz="1000" dirty="0" err="1">
                 <a:solidFill>
                   <a:schemeClr val="bg1"/>
                 </a:solidFill>
@@ -6954,7 +6942,7 @@
               <a:t>int</a:t>
             </a:r>
             <a:r>
-              <a:rPr lang="en-US" altLang="zh-CN" sz="1000" dirty="0" smtClean="0">
+              <a:rPr lang="en-US" altLang="zh-CN" sz="1000" dirty="0">
                 <a:solidFill>
                   <a:schemeClr val="bg1"/>
                 </a:solidFill>
@@ -6964,7 +6952,7 @@
           </a:p>
           <a:p>
             <a:r>
-              <a:rPr lang="en-US" altLang="zh-CN" sz="1000" dirty="0" smtClean="0">
+              <a:rPr lang="en-US" altLang="zh-CN" sz="1000" dirty="0">
                 <a:solidFill>
                   <a:schemeClr val="bg1"/>
                 </a:solidFill>
@@ -6972,7 +6960,7 @@
               <a:t>                 const </a:t>
             </a:r>
             <a:r>
-              <a:rPr lang="en-US" altLang="zh-CN" sz="1000" dirty="0" err="1" smtClean="0">
+              <a:rPr lang="en-US" altLang="zh-CN" sz="1000" dirty="0" err="1">
                 <a:solidFill>
                   <a:schemeClr val="bg1"/>
                 </a:solidFill>
@@ -6980,7 +6968,7 @@
               <a:t>int</a:t>
             </a:r>
             <a:r>
-              <a:rPr lang="en-US" altLang="zh-CN" sz="1000" dirty="0" smtClean="0">
+              <a:rPr lang="en-US" altLang="zh-CN" sz="1000" dirty="0">
                 <a:solidFill>
                   <a:schemeClr val="bg1"/>
                 </a:solidFill>
@@ -6988,7 +6976,7 @@
               <a:t> x = A[j + k], y = </a:t>
             </a:r>
             <a:r>
-              <a:rPr lang="en-US" altLang="zh-CN" sz="1000" dirty="0" err="1" smtClean="0">
+              <a:rPr lang="en-US" altLang="zh-CN" sz="1000" dirty="0" err="1">
                 <a:solidFill>
                   <a:schemeClr val="bg1"/>
                 </a:solidFill>
@@ -6996,7 +6984,7 @@
               <a:t>mul</a:t>
             </a:r>
             <a:r>
-              <a:rPr lang="en-US" altLang="zh-CN" sz="1000" dirty="0" smtClean="0">
+              <a:rPr lang="en-US" altLang="zh-CN" sz="1000" dirty="0">
                 <a:solidFill>
                   <a:schemeClr val="bg1"/>
                 </a:solidFill>
@@ -7004,7 +6992,7 @@
               <a:t>(</a:t>
             </a:r>
             <a:r>
-              <a:rPr lang="en-US" altLang="zh-CN" sz="1000" dirty="0" err="1" smtClean="0">
+              <a:rPr lang="en-US" altLang="zh-CN" sz="1000" dirty="0" err="1">
                 <a:solidFill>
                   <a:schemeClr val="bg1"/>
                 </a:solidFill>
@@ -7012,7 +7000,7 @@
               <a:t>Og</a:t>
             </a:r>
             <a:r>
-              <a:rPr lang="en-US" altLang="zh-CN" sz="1000" dirty="0" smtClean="0">
+              <a:rPr lang="en-US" altLang="zh-CN" sz="1000" dirty="0">
                 <a:solidFill>
                   <a:schemeClr val="bg1"/>
                 </a:solidFill>
@@ -7022,7 +7010,7 @@
           </a:p>
           <a:p>
             <a:r>
-              <a:rPr lang="en-US" altLang="zh-CN" sz="1000" dirty="0" smtClean="0">
+              <a:rPr lang="en-US" altLang="zh-CN" sz="1000" dirty="0">
                 <a:solidFill>
                   <a:schemeClr val="bg1"/>
                 </a:solidFill>
@@ -7030,7 +7018,7 @@
               <a:t>                 A[j + k] = add(x, y), A[j + k + mid] = </a:t>
             </a:r>
             <a:r>
-              <a:rPr lang="en-US" altLang="zh-CN" sz="1000" dirty="0" err="1" smtClean="0">
+              <a:rPr lang="en-US" altLang="zh-CN" sz="1000" dirty="0" err="1">
                 <a:solidFill>
                   <a:schemeClr val="bg1"/>
                 </a:solidFill>
@@ -7038,7 +7026,7 @@
               <a:t>dec</a:t>
             </a:r>
             <a:r>
-              <a:rPr lang="en-US" altLang="zh-CN" sz="1000" dirty="0" smtClean="0">
+              <a:rPr lang="en-US" altLang="zh-CN" sz="1000" dirty="0">
                 <a:solidFill>
                   <a:schemeClr val="bg1"/>
                 </a:solidFill>
@@ -7048,7 +7036,7 @@
           </a:p>
           <a:p>
             <a:r>
-              <a:rPr lang="en-US" altLang="zh-CN" sz="1000" dirty="0" smtClean="0">
+              <a:rPr lang="en-US" altLang="zh-CN" sz="1000" dirty="0">
                 <a:solidFill>
                   <a:schemeClr val="bg1"/>
                 </a:solidFill>
@@ -7058,7 +7046,7 @@
           </a:p>
           <a:p>
             <a:r>
-              <a:rPr lang="en-US" altLang="zh-CN" sz="1000" dirty="0" smtClean="0">
+              <a:rPr lang="en-US" altLang="zh-CN" sz="1000" dirty="0">
                 <a:solidFill>
                   <a:schemeClr val="bg1"/>
                 </a:solidFill>
@@ -7068,7 +7056,7 @@
           </a:p>
           <a:p>
             <a:r>
-              <a:rPr lang="en-US" altLang="zh-CN" sz="1000" dirty="0" smtClean="0">
+              <a:rPr lang="en-US" altLang="zh-CN" sz="1000" dirty="0">
                 <a:solidFill>
                   <a:schemeClr val="bg1"/>
                 </a:solidFill>
@@ -7078,7 +7066,7 @@
           </a:p>
           <a:p>
             <a:r>
-              <a:rPr lang="en-US" altLang="zh-CN" sz="1000" dirty="0" smtClean="0">
+              <a:rPr lang="en-US" altLang="zh-CN" sz="1000" dirty="0">
                 <a:solidFill>
                   <a:schemeClr val="bg1"/>
                 </a:solidFill>
@@ -7088,7 +7076,7 @@
           </a:p>
           <a:p>
             <a:r>
-              <a:rPr lang="en-US" altLang="zh-CN" sz="1000" dirty="0" smtClean="0">
+              <a:rPr lang="en-US" altLang="zh-CN" sz="1000" dirty="0">
                 <a:solidFill>
                   <a:schemeClr val="bg1"/>
                 </a:solidFill>
@@ -7098,7 +7086,7 @@
           </a:p>
           <a:p>
             <a:r>
-              <a:rPr lang="en-US" altLang="zh-CN" sz="1000" dirty="0" smtClean="0">
+              <a:rPr lang="en-US" altLang="zh-CN" sz="1000" dirty="0">
                 <a:solidFill>
                   <a:schemeClr val="bg1"/>
                 </a:solidFill>
@@ -7106,7 +7094,7 @@
               <a:t>    	for(</a:t>
             </a:r>
             <a:r>
-              <a:rPr lang="en-US" altLang="zh-CN" sz="1000" dirty="0" err="1" smtClean="0">
+              <a:rPr lang="en-US" altLang="zh-CN" sz="1000" dirty="0" err="1">
                 <a:solidFill>
                   <a:schemeClr val="bg1"/>
                 </a:solidFill>
@@ -7114,7 +7102,7 @@
               <a:t>int</a:t>
             </a:r>
             <a:r>
-              <a:rPr lang="en-US" altLang="zh-CN" sz="1000" dirty="0" smtClean="0">
+              <a:rPr lang="en-US" altLang="zh-CN" sz="1000" dirty="0">
                 <a:solidFill>
                   <a:schemeClr val="bg1"/>
                 </a:solidFill>
@@ -7122,7 +7110,7 @@
               <a:t> </a:t>
             </a:r>
             <a:r>
-              <a:rPr lang="en-US" altLang="zh-CN" sz="1000" dirty="0" err="1" smtClean="0">
+              <a:rPr lang="en-US" altLang="zh-CN" sz="1000" dirty="0" err="1">
                 <a:solidFill>
                   <a:schemeClr val="bg1"/>
                 </a:solidFill>
@@ -7130,7 +7118,7 @@
               <a:t>i</a:t>
             </a:r>
             <a:r>
-              <a:rPr lang="en-US" altLang="zh-CN" sz="1000" dirty="0" smtClean="0">
+              <a:rPr lang="en-US" altLang="zh-CN" sz="1000" dirty="0">
                 <a:solidFill>
                   <a:schemeClr val="bg1"/>
                 </a:solidFill>
@@ -7138,7 +7126,7 @@
               <a:t> = 0, inv = </a:t>
             </a:r>
             <a:r>
-              <a:rPr lang="en-US" altLang="zh-CN" sz="1000" dirty="0" err="1" smtClean="0">
+              <a:rPr lang="en-US" altLang="zh-CN" sz="1000" dirty="0" err="1">
                 <a:solidFill>
                   <a:schemeClr val="bg1"/>
                 </a:solidFill>
@@ -7146,7 +7134,7 @@
               <a:t>fastpow</a:t>
             </a:r>
             <a:r>
-              <a:rPr lang="en-US" altLang="zh-CN" sz="1000" dirty="0" smtClean="0">
+              <a:rPr lang="en-US" altLang="zh-CN" sz="1000" dirty="0">
                 <a:solidFill>
                   <a:schemeClr val="bg1"/>
                 </a:solidFill>
@@ -7154,7 +7142,7 @@
               <a:t>(</a:t>
             </a:r>
             <a:r>
-              <a:rPr lang="en-US" altLang="zh-CN" sz="1000" dirty="0" err="1" smtClean="0">
+              <a:rPr lang="en-US" altLang="zh-CN" sz="1000" dirty="0" err="1">
                 <a:solidFill>
                   <a:schemeClr val="bg1"/>
                 </a:solidFill>
@@ -7162,7 +7150,7 @@
               <a:t>len</a:t>
             </a:r>
             <a:r>
-              <a:rPr lang="en-US" altLang="zh-CN" sz="1000" dirty="0" smtClean="0">
+              <a:rPr lang="en-US" altLang="zh-CN" sz="1000" dirty="0">
                 <a:solidFill>
                   <a:schemeClr val="bg1"/>
                 </a:solidFill>
@@ -7170,7 +7158,7 @@
               <a:t> , P - 2); </a:t>
             </a:r>
             <a:r>
-              <a:rPr lang="en-US" altLang="zh-CN" sz="1000" dirty="0" err="1" smtClean="0">
+              <a:rPr lang="en-US" altLang="zh-CN" sz="1000" dirty="0" err="1">
                 <a:solidFill>
                   <a:schemeClr val="bg1"/>
                 </a:solidFill>
@@ -7178,7 +7166,7 @@
               <a:t>i</a:t>
             </a:r>
             <a:r>
-              <a:rPr lang="en-US" altLang="zh-CN" sz="1000" dirty="0" smtClean="0">
+              <a:rPr lang="en-US" altLang="zh-CN" sz="1000" dirty="0">
                 <a:solidFill>
                   <a:schemeClr val="bg1"/>
                 </a:solidFill>
@@ -7186,7 +7174,7 @@
               <a:t> &lt; limit; </a:t>
             </a:r>
             <a:r>
-              <a:rPr lang="en-US" altLang="zh-CN" sz="1000" dirty="0" err="1" smtClean="0">
+              <a:rPr lang="en-US" altLang="zh-CN" sz="1000" dirty="0" err="1">
                 <a:solidFill>
                   <a:schemeClr val="bg1"/>
                 </a:solidFill>
@@ -7194,7 +7182,7 @@
               <a:t>i</a:t>
             </a:r>
             <a:r>
-              <a:rPr lang="en-US" altLang="zh-CN" sz="1000" dirty="0" smtClean="0">
+              <a:rPr lang="en-US" altLang="zh-CN" sz="1000" dirty="0">
                 <a:solidFill>
                   <a:schemeClr val="bg1"/>
                 </a:solidFill>
@@ -7204,7 +7192,7 @@
           </a:p>
           <a:p>
             <a:r>
-              <a:rPr lang="en-US" altLang="zh-CN" sz="1000" dirty="0" smtClean="0">
+              <a:rPr lang="en-US" altLang="zh-CN" sz="1000" dirty="0">
                 <a:solidFill>
                   <a:schemeClr val="bg1"/>
                 </a:solidFill>
@@ -7212,7 +7200,7 @@
               <a:t>    		A[</a:t>
             </a:r>
             <a:r>
-              <a:rPr lang="en-US" altLang="zh-CN" sz="1000" dirty="0" err="1" smtClean="0">
+              <a:rPr lang="en-US" altLang="zh-CN" sz="1000" dirty="0" err="1">
                 <a:solidFill>
                   <a:schemeClr val="bg1"/>
                 </a:solidFill>
@@ -7220,7 +7208,7 @@
               <a:t>i</a:t>
             </a:r>
             <a:r>
-              <a:rPr lang="en-US" altLang="zh-CN" sz="1000" dirty="0" smtClean="0">
+              <a:rPr lang="en-US" altLang="zh-CN" sz="1000" dirty="0">
                 <a:solidFill>
                   <a:schemeClr val="bg1"/>
                 </a:solidFill>
@@ -7228,7 +7216,7 @@
               <a:t>] = 1ll * A[</a:t>
             </a:r>
             <a:r>
-              <a:rPr lang="en-US" altLang="zh-CN" sz="1000" dirty="0" err="1" smtClean="0">
+              <a:rPr lang="en-US" altLang="zh-CN" sz="1000" dirty="0" err="1">
                 <a:solidFill>
                   <a:schemeClr val="bg1"/>
                 </a:solidFill>
@@ -7236,7 +7224,7 @@
               <a:t>i</a:t>
             </a:r>
             <a:r>
-              <a:rPr lang="en-US" altLang="zh-CN" sz="1000" dirty="0" smtClean="0">
+              <a:rPr lang="en-US" altLang="zh-CN" sz="1000" dirty="0">
                 <a:solidFill>
                   <a:schemeClr val="bg1"/>
                 </a:solidFill>
@@ -7246,7 +7234,7 @@
           </a:p>
           <a:p>
             <a:r>
-              <a:rPr lang="en-US" altLang="zh-CN" sz="1000" dirty="0" smtClean="0">
+              <a:rPr lang="en-US" altLang="zh-CN" sz="1000" dirty="0">
                 <a:solidFill>
                   <a:schemeClr val="bg1"/>
                 </a:solidFill>
@@ -7256,7 +7244,7 @@
           </a:p>
           <a:p>
             <a:r>
-              <a:rPr lang="en-US" altLang="zh-CN" sz="1000" dirty="0" smtClean="0">
+              <a:rPr lang="en-US" altLang="zh-CN" sz="1000" dirty="0">
                 <a:solidFill>
                   <a:schemeClr val="bg1"/>
                 </a:solidFill>
@@ -7266,7 +7254,7 @@
           </a:p>
           <a:p>
             <a:r>
-              <a:rPr lang="en-US" altLang="zh-CN" sz="1000" dirty="0" smtClean="0">
+              <a:rPr lang="en-US" altLang="zh-CN" sz="1000" dirty="0">
                 <a:solidFill>
                   <a:schemeClr val="bg1"/>
                 </a:solidFill>
@@ -7274,7 +7262,7 @@
               <a:t>void Inv(</a:t>
             </a:r>
             <a:r>
-              <a:rPr lang="en-US" altLang="zh-CN" sz="1000" dirty="0" err="1" smtClean="0">
+              <a:rPr lang="en-US" altLang="zh-CN" sz="1000" dirty="0" err="1">
                 <a:solidFill>
                   <a:schemeClr val="bg1"/>
                 </a:solidFill>
@@ -7282,7 +7270,7 @@
               <a:t>int</a:t>
             </a:r>
             <a:r>
-              <a:rPr lang="en-US" altLang="zh-CN" sz="1000" dirty="0" smtClean="0">
+              <a:rPr lang="en-US" altLang="zh-CN" sz="1000" dirty="0">
                 <a:solidFill>
                   <a:schemeClr val="bg1"/>
                 </a:solidFill>
@@ -7290,7 +7278,7 @@
               <a:t> *a, </a:t>
             </a:r>
             <a:r>
-              <a:rPr lang="en-US" altLang="zh-CN" sz="1000" dirty="0" err="1" smtClean="0">
+              <a:rPr lang="en-US" altLang="zh-CN" sz="1000" dirty="0" err="1">
                 <a:solidFill>
                   <a:schemeClr val="bg1"/>
                 </a:solidFill>
@@ -7298,7 +7286,7 @@
               <a:t>int</a:t>
             </a:r>
             <a:r>
-              <a:rPr lang="en-US" altLang="zh-CN" sz="1000" dirty="0" smtClean="0">
+              <a:rPr lang="en-US" altLang="zh-CN" sz="1000" dirty="0">
                 <a:solidFill>
                   <a:schemeClr val="bg1"/>
                 </a:solidFill>
@@ -7306,7 +7294,7 @@
               <a:t> *b, </a:t>
             </a:r>
             <a:r>
-              <a:rPr lang="en-US" altLang="zh-CN" sz="1000" dirty="0" err="1" smtClean="0">
+              <a:rPr lang="en-US" altLang="zh-CN" sz="1000" dirty="0" err="1">
                 <a:solidFill>
                   <a:schemeClr val="bg1"/>
                 </a:solidFill>
@@ -7314,7 +7302,7 @@
               <a:t>int</a:t>
             </a:r>
             <a:r>
-              <a:rPr lang="en-US" altLang="zh-CN" sz="1000" dirty="0" smtClean="0">
+              <a:rPr lang="en-US" altLang="zh-CN" sz="1000" dirty="0">
                 <a:solidFill>
                   <a:schemeClr val="bg1"/>
                 </a:solidFill>
@@ -7322,7 +7310,7 @@
               <a:t> </a:t>
             </a:r>
             <a:r>
-              <a:rPr lang="en-US" altLang="zh-CN" sz="1000" dirty="0" err="1" smtClean="0">
+              <a:rPr lang="en-US" altLang="zh-CN" sz="1000" dirty="0" err="1">
                 <a:solidFill>
                   <a:schemeClr val="bg1"/>
                 </a:solidFill>
@@ -7330,7 +7318,7 @@
               <a:t>len</a:t>
             </a:r>
             <a:r>
-              <a:rPr lang="en-US" altLang="zh-CN" sz="1000" dirty="0" smtClean="0">
+              <a:rPr lang="en-US" altLang="zh-CN" sz="1000" dirty="0">
                 <a:solidFill>
                   <a:schemeClr val="bg1"/>
                 </a:solidFill>
@@ -7338,7 +7326,7 @@
               <a:t>) {// a</a:t>
             </a:r>
             <a:r>
-              <a:rPr lang="zh-CN" altLang="en-US" sz="1000" dirty="0" smtClean="0">
+              <a:rPr lang="zh-CN" altLang="en-US" sz="1000" dirty="0">
                 <a:solidFill>
                   <a:schemeClr val="bg1"/>
                 </a:solidFill>
@@ -7346,7 +7334,7 @@
               <a:t>要求的多项式 </a:t>
             </a:r>
             <a:r>
-              <a:rPr lang="en-US" altLang="zh-CN" sz="1000" dirty="0" smtClean="0">
+              <a:rPr lang="en-US" altLang="zh-CN" sz="1000" dirty="0">
                 <a:solidFill>
                   <a:schemeClr val="bg1"/>
                 </a:solidFill>
@@ -7354,7 +7342,7 @@
               <a:t>b</a:t>
             </a:r>
             <a:r>
-              <a:rPr lang="zh-CN" altLang="en-US" sz="1000" dirty="0" smtClean="0">
+              <a:rPr lang="zh-CN" altLang="en-US" sz="1000" dirty="0">
                 <a:solidFill>
                   <a:schemeClr val="bg1"/>
                 </a:solidFill>
@@ -7362,7 +7350,7 @@
               <a:t>逆元 </a:t>
             </a:r>
             <a:r>
-              <a:rPr lang="en-US" altLang="zh-CN" sz="1000" dirty="0" err="1" smtClean="0">
+              <a:rPr lang="en-US" altLang="zh-CN" sz="1000" dirty="0" err="1">
                 <a:solidFill>
                   <a:schemeClr val="bg1"/>
                 </a:solidFill>
@@ -7370,7 +7358,7 @@
               <a:t>len</a:t>
             </a:r>
             <a:r>
-              <a:rPr lang="zh-CN" altLang="en-US" sz="1000" dirty="0" smtClean="0">
+              <a:rPr lang="zh-CN" altLang="en-US" sz="1000" dirty="0">
                 <a:solidFill>
                   <a:schemeClr val="bg1"/>
                 </a:solidFill>
@@ -7380,7 +7368,7 @@
           </a:p>
           <a:p>
             <a:r>
-              <a:rPr lang="zh-CN" altLang="en-US" sz="1000" dirty="0" smtClean="0">
+              <a:rPr lang="zh-CN" altLang="en-US" sz="1000" dirty="0">
                 <a:solidFill>
                   <a:schemeClr val="bg1"/>
                 </a:solidFill>
@@ -7388,7 +7376,7 @@
               <a:t>    </a:t>
             </a:r>
             <a:r>
-              <a:rPr lang="en-US" altLang="zh-CN" sz="1000" dirty="0" smtClean="0">
+              <a:rPr lang="en-US" altLang="zh-CN" sz="1000" dirty="0">
                 <a:solidFill>
                   <a:schemeClr val="bg1"/>
                 </a:solidFill>
@@ -7396,7 +7384,7 @@
               <a:t>if(</a:t>
             </a:r>
             <a:r>
-              <a:rPr lang="en-US" altLang="zh-CN" sz="1000" dirty="0" err="1" smtClean="0">
+              <a:rPr lang="en-US" altLang="zh-CN" sz="1000" dirty="0" err="1">
                 <a:solidFill>
                   <a:schemeClr val="bg1"/>
                 </a:solidFill>
@@ -7404,7 +7392,7 @@
               <a:t>len</a:t>
             </a:r>
             <a:r>
-              <a:rPr lang="en-US" altLang="zh-CN" sz="1000" dirty="0" smtClean="0">
+              <a:rPr lang="en-US" altLang="zh-CN" sz="1000" dirty="0">
                 <a:solidFill>
                   <a:schemeClr val="bg1"/>
                 </a:solidFill>
@@ -7414,7 +7402,7 @@
           </a:p>
           <a:p>
             <a:r>
-              <a:rPr lang="en-US" altLang="zh-CN" sz="1000" dirty="0" smtClean="0">
+              <a:rPr lang="en-US" altLang="zh-CN" sz="1000" dirty="0">
                 <a:solidFill>
                   <a:schemeClr val="bg1"/>
                 </a:solidFill>
@@ -7422,7 +7410,7 @@
               <a:t>        b[0] = </a:t>
             </a:r>
             <a:r>
-              <a:rPr lang="en-US" altLang="zh-CN" sz="1000" dirty="0" err="1" smtClean="0">
+              <a:rPr lang="en-US" altLang="zh-CN" sz="1000" dirty="0" err="1">
                 <a:solidFill>
                   <a:schemeClr val="bg1"/>
                 </a:solidFill>
@@ -7430,7 +7418,7 @@
               <a:t>fastpow</a:t>
             </a:r>
             <a:r>
-              <a:rPr lang="en-US" altLang="zh-CN" sz="1000" dirty="0" smtClean="0">
+              <a:rPr lang="en-US" altLang="zh-CN" sz="1000" dirty="0">
                 <a:solidFill>
                   <a:schemeClr val="bg1"/>
                 </a:solidFill>
@@ -7440,7 +7428,7 @@
           </a:p>
           <a:p>
             <a:r>
-              <a:rPr lang="en-US" altLang="zh-CN" sz="1000" dirty="0" smtClean="0">
+              <a:rPr lang="en-US" altLang="zh-CN" sz="1000" dirty="0">
                 <a:solidFill>
                   <a:schemeClr val="bg1"/>
                 </a:solidFill>
@@ -7450,7 +7438,7 @@
           </a:p>
           <a:p>
             <a:r>
-              <a:rPr lang="en-US" altLang="zh-CN" sz="1000" dirty="0" smtClean="0">
+              <a:rPr lang="en-US" altLang="zh-CN" sz="1000" dirty="0">
                 <a:solidFill>
                   <a:schemeClr val="bg1"/>
                 </a:solidFill>
@@ -7460,7 +7448,7 @@
           </a:p>
           <a:p>
             <a:r>
-              <a:rPr lang="en-US" altLang="zh-CN" sz="1000" dirty="0" smtClean="0">
+              <a:rPr lang="en-US" altLang="zh-CN" sz="1000" dirty="0">
                 <a:solidFill>
                   <a:schemeClr val="bg1"/>
                 </a:solidFill>
@@ -7468,7 +7456,7 @@
               <a:t>    Inv(a, b, </a:t>
             </a:r>
             <a:r>
-              <a:rPr lang="en-US" altLang="zh-CN" sz="1000" dirty="0" err="1" smtClean="0">
+              <a:rPr lang="en-US" altLang="zh-CN" sz="1000" dirty="0" err="1">
                 <a:solidFill>
                   <a:schemeClr val="bg1"/>
                 </a:solidFill>
@@ -7476,7 +7464,7 @@
               <a:t>len</a:t>
             </a:r>
             <a:r>
-              <a:rPr lang="en-US" altLang="zh-CN" sz="1000" dirty="0" smtClean="0">
+              <a:rPr lang="en-US" altLang="zh-CN" sz="1000" dirty="0">
                 <a:solidFill>
                   <a:schemeClr val="bg1"/>
                 </a:solidFill>
@@ -7486,7 +7474,7 @@
           </a:p>
           <a:p>
             <a:r>
-              <a:rPr lang="en-US" altLang="zh-CN" sz="1000" dirty="0" smtClean="0">
+              <a:rPr lang="en-US" altLang="zh-CN" sz="1000" dirty="0">
                 <a:solidFill>
                   <a:schemeClr val="bg1"/>
                 </a:solidFill>
@@ -7494,7 +7482,7 @@
               <a:t>    for(</a:t>
             </a:r>
             <a:r>
-              <a:rPr lang="en-US" altLang="zh-CN" sz="1000" dirty="0" err="1" smtClean="0">
+              <a:rPr lang="en-US" altLang="zh-CN" sz="1000" dirty="0" err="1">
                 <a:solidFill>
                   <a:schemeClr val="bg1"/>
                 </a:solidFill>
@@ -7502,7 +7490,7 @@
               <a:t>rg</a:t>
             </a:r>
             <a:r>
-              <a:rPr lang="en-US" altLang="zh-CN" sz="1000" dirty="0" smtClean="0">
+              <a:rPr lang="en-US" altLang="zh-CN" sz="1000" dirty="0">
                 <a:solidFill>
                   <a:schemeClr val="bg1"/>
                 </a:solidFill>
@@ -7510,7 +7498,7 @@
               <a:t> </a:t>
             </a:r>
             <a:r>
-              <a:rPr lang="en-US" altLang="zh-CN" sz="1000" dirty="0" err="1" smtClean="0">
+              <a:rPr lang="en-US" altLang="zh-CN" sz="1000" dirty="0" err="1">
                 <a:solidFill>
                   <a:schemeClr val="bg1"/>
                 </a:solidFill>
@@ -7518,7 +7506,7 @@
               <a:t>int</a:t>
             </a:r>
             <a:r>
-              <a:rPr lang="en-US" altLang="zh-CN" sz="1000" dirty="0" smtClean="0">
+              <a:rPr lang="en-US" altLang="zh-CN" sz="1000" dirty="0">
                 <a:solidFill>
                   <a:schemeClr val="bg1"/>
                 </a:solidFill>
@@ -7526,7 +7514,7 @@
               <a:t> </a:t>
             </a:r>
             <a:r>
-              <a:rPr lang="en-US" altLang="zh-CN" sz="1000" dirty="0" err="1" smtClean="0">
+              <a:rPr lang="en-US" altLang="zh-CN" sz="1000" dirty="0" err="1">
                 <a:solidFill>
                   <a:schemeClr val="bg1"/>
                 </a:solidFill>
@@ -7534,7 +7522,7 @@
               <a:t>i</a:t>
             </a:r>
             <a:r>
-              <a:rPr lang="en-US" altLang="zh-CN" sz="1000" dirty="0" smtClean="0">
+              <a:rPr lang="en-US" altLang="zh-CN" sz="1000" dirty="0">
                 <a:solidFill>
                   <a:schemeClr val="bg1"/>
                 </a:solidFill>
@@ -7542,7 +7530,7 @@
               <a:t> = 0; </a:t>
             </a:r>
             <a:r>
-              <a:rPr lang="en-US" altLang="zh-CN" sz="1000" dirty="0" err="1" smtClean="0">
+              <a:rPr lang="en-US" altLang="zh-CN" sz="1000" dirty="0" err="1">
                 <a:solidFill>
                   <a:schemeClr val="bg1"/>
                 </a:solidFill>
@@ -7550,7 +7538,7 @@
               <a:t>i</a:t>
             </a:r>
             <a:r>
-              <a:rPr lang="en-US" altLang="zh-CN" sz="1000" dirty="0" smtClean="0">
+              <a:rPr lang="en-US" altLang="zh-CN" sz="1000" dirty="0">
                 <a:solidFill>
                   <a:schemeClr val="bg1"/>
                 </a:solidFill>
@@ -7558,7 +7546,7 @@
               <a:t> &lt; </a:t>
             </a:r>
             <a:r>
-              <a:rPr lang="en-US" altLang="zh-CN" sz="1000" dirty="0" err="1" smtClean="0">
+              <a:rPr lang="en-US" altLang="zh-CN" sz="1000" dirty="0" err="1">
                 <a:solidFill>
                   <a:schemeClr val="bg1"/>
                 </a:solidFill>
@@ -7566,7 +7554,7 @@
               <a:t>len</a:t>
             </a:r>
             <a:r>
-              <a:rPr lang="en-US" altLang="zh-CN" sz="1000" dirty="0" smtClean="0">
+              <a:rPr lang="en-US" altLang="zh-CN" sz="1000" dirty="0">
                 <a:solidFill>
                   <a:schemeClr val="bg1"/>
                 </a:solidFill>
@@ -7574,7 +7562,7 @@
               <a:t>; </a:t>
             </a:r>
             <a:r>
-              <a:rPr lang="en-US" altLang="zh-CN" sz="1000" dirty="0" err="1" smtClean="0">
+              <a:rPr lang="en-US" altLang="zh-CN" sz="1000" dirty="0" err="1">
                 <a:solidFill>
                   <a:schemeClr val="bg1"/>
                 </a:solidFill>
@@ -7582,7 +7570,7 @@
               <a:t>i</a:t>
             </a:r>
             <a:r>
-              <a:rPr lang="en-US" altLang="zh-CN" sz="1000" dirty="0" smtClean="0">
+              <a:rPr lang="en-US" altLang="zh-CN" sz="1000" dirty="0">
                 <a:solidFill>
                   <a:schemeClr val="bg1"/>
                 </a:solidFill>
@@ -7590,7 +7578,7 @@
               <a:t>++) A[</a:t>
             </a:r>
             <a:r>
-              <a:rPr lang="en-US" altLang="zh-CN" sz="1000" dirty="0" err="1" smtClean="0">
+              <a:rPr lang="en-US" altLang="zh-CN" sz="1000" dirty="0" err="1">
                 <a:solidFill>
                   <a:schemeClr val="bg1"/>
                 </a:solidFill>
@@ -7598,7 +7586,7 @@
               <a:t>i</a:t>
             </a:r>
             <a:r>
-              <a:rPr lang="en-US" altLang="zh-CN" sz="1000" dirty="0" smtClean="0">
+              <a:rPr lang="en-US" altLang="zh-CN" sz="1000" dirty="0">
                 <a:solidFill>
                   <a:schemeClr val="bg1"/>
                 </a:solidFill>
@@ -7606,7 +7594,7 @@
               <a:t>] = a[</a:t>
             </a:r>
             <a:r>
-              <a:rPr lang="en-US" altLang="zh-CN" sz="1000" dirty="0" err="1" smtClean="0">
+              <a:rPr lang="en-US" altLang="zh-CN" sz="1000" dirty="0" err="1">
                 <a:solidFill>
                   <a:schemeClr val="bg1"/>
                 </a:solidFill>
@@ -7614,7 +7602,7 @@
               <a:t>i</a:t>
             </a:r>
             <a:r>
-              <a:rPr lang="en-US" altLang="zh-CN" sz="1000" dirty="0" smtClean="0">
+              <a:rPr lang="en-US" altLang="zh-CN" sz="1000" dirty="0">
                 <a:solidFill>
                   <a:schemeClr val="bg1"/>
                 </a:solidFill>
@@ -7622,7 +7610,7 @@
               <a:t>], B[</a:t>
             </a:r>
             <a:r>
-              <a:rPr lang="en-US" altLang="zh-CN" sz="1000" dirty="0" err="1" smtClean="0">
+              <a:rPr lang="en-US" altLang="zh-CN" sz="1000" dirty="0" err="1">
                 <a:solidFill>
                   <a:schemeClr val="bg1"/>
                 </a:solidFill>
@@ -7630,7 +7618,7 @@
               <a:t>i</a:t>
             </a:r>
             <a:r>
-              <a:rPr lang="en-US" altLang="zh-CN" sz="1000" dirty="0" smtClean="0">
+              <a:rPr lang="en-US" altLang="zh-CN" sz="1000" dirty="0">
                 <a:solidFill>
                   <a:schemeClr val="bg1"/>
                 </a:solidFill>
@@ -7638,7 +7626,7 @@
               <a:t>] = b[</a:t>
             </a:r>
             <a:r>
-              <a:rPr lang="en-US" altLang="zh-CN" sz="1000" dirty="0" err="1" smtClean="0">
+              <a:rPr lang="en-US" altLang="zh-CN" sz="1000" dirty="0" err="1">
                 <a:solidFill>
                   <a:schemeClr val="bg1"/>
                 </a:solidFill>
@@ -7646,7 +7634,7 @@
               <a:t>i</a:t>
             </a:r>
             <a:r>
-              <a:rPr lang="en-US" altLang="zh-CN" sz="1000" dirty="0" smtClean="0">
+              <a:rPr lang="en-US" altLang="zh-CN" sz="1000" dirty="0">
                 <a:solidFill>
                   <a:schemeClr val="bg1"/>
                 </a:solidFill>
@@ -7656,7 +7644,7 @@
           </a:p>
           <a:p>
             <a:r>
-              <a:rPr lang="en-US" altLang="zh-CN" sz="1000" dirty="0" smtClean="0">
+              <a:rPr lang="en-US" altLang="zh-CN" sz="1000" dirty="0">
                 <a:solidFill>
                   <a:schemeClr val="bg1"/>
                 </a:solidFill>
@@ -7664,7 +7652,7 @@
               <a:t>    NTT(A, 1, </a:t>
             </a:r>
             <a:r>
-              <a:rPr lang="en-US" altLang="zh-CN" sz="1000" dirty="0" err="1" smtClean="0">
+              <a:rPr lang="en-US" altLang="zh-CN" sz="1000" dirty="0" err="1">
                 <a:solidFill>
                   <a:schemeClr val="bg1"/>
                 </a:solidFill>
@@ -7672,7 +7660,7 @@
               <a:t>len</a:t>
             </a:r>
             <a:r>
-              <a:rPr lang="en-US" altLang="zh-CN" sz="1000" dirty="0" smtClean="0">
+              <a:rPr lang="en-US" altLang="zh-CN" sz="1000" dirty="0">
                 <a:solidFill>
                   <a:schemeClr val="bg1"/>
                 </a:solidFill>
@@ -7680,7 +7668,7 @@
               <a:t> &lt;&lt; 1); NTT(B, 1, </a:t>
             </a:r>
             <a:r>
-              <a:rPr lang="en-US" altLang="zh-CN" sz="1000" dirty="0" err="1" smtClean="0">
+              <a:rPr lang="en-US" altLang="zh-CN" sz="1000" dirty="0" err="1">
                 <a:solidFill>
                   <a:schemeClr val="bg1"/>
                 </a:solidFill>
@@ -7688,7 +7676,7 @@
               <a:t>len</a:t>
             </a:r>
             <a:r>
-              <a:rPr lang="en-US" altLang="zh-CN" sz="1000" dirty="0" smtClean="0">
+              <a:rPr lang="en-US" altLang="zh-CN" sz="1000" dirty="0">
                 <a:solidFill>
                   <a:schemeClr val="bg1"/>
                 </a:solidFill>
@@ -7698,7 +7686,7 @@
           </a:p>
           <a:p>
             <a:r>
-              <a:rPr lang="en-US" altLang="zh-CN" sz="1000" dirty="0" smtClean="0">
+              <a:rPr lang="en-US" altLang="zh-CN" sz="1000" dirty="0">
                 <a:solidFill>
                   <a:schemeClr val="bg1"/>
                 </a:solidFill>
@@ -7706,7 +7694,7 @@
               <a:t>    for(</a:t>
             </a:r>
             <a:r>
-              <a:rPr lang="en-US" altLang="zh-CN" sz="1000" dirty="0" err="1" smtClean="0">
+              <a:rPr lang="en-US" altLang="zh-CN" sz="1000" dirty="0" err="1">
                 <a:solidFill>
                   <a:schemeClr val="bg1"/>
                 </a:solidFill>
@@ -7714,7 +7702,7 @@
               <a:t>rg</a:t>
             </a:r>
             <a:r>
-              <a:rPr lang="en-US" altLang="zh-CN" sz="1000" dirty="0" smtClean="0">
+              <a:rPr lang="en-US" altLang="zh-CN" sz="1000" dirty="0">
                 <a:solidFill>
                   <a:schemeClr val="bg1"/>
                 </a:solidFill>
@@ -7722,7 +7710,7 @@
               <a:t> </a:t>
             </a:r>
             <a:r>
-              <a:rPr lang="en-US" altLang="zh-CN" sz="1000" dirty="0" err="1" smtClean="0">
+              <a:rPr lang="en-US" altLang="zh-CN" sz="1000" dirty="0" err="1">
                 <a:solidFill>
                   <a:schemeClr val="bg1"/>
                 </a:solidFill>
@@ -7730,7 +7718,7 @@
               <a:t>int</a:t>
             </a:r>
             <a:r>
-              <a:rPr lang="en-US" altLang="zh-CN" sz="1000" dirty="0" smtClean="0">
+              <a:rPr lang="en-US" altLang="zh-CN" sz="1000" dirty="0">
                 <a:solidFill>
                   <a:schemeClr val="bg1"/>
                 </a:solidFill>
@@ -7738,7 +7726,7 @@
               <a:t> </a:t>
             </a:r>
             <a:r>
-              <a:rPr lang="en-US" altLang="zh-CN" sz="1000" dirty="0" err="1" smtClean="0">
+              <a:rPr lang="en-US" altLang="zh-CN" sz="1000" dirty="0" err="1">
                 <a:solidFill>
                   <a:schemeClr val="bg1"/>
                 </a:solidFill>
@@ -7746,7 +7734,7 @@
               <a:t>i</a:t>
             </a:r>
             <a:r>
-              <a:rPr lang="en-US" altLang="zh-CN" sz="1000" dirty="0" smtClean="0">
+              <a:rPr lang="en-US" altLang="zh-CN" sz="1000" dirty="0">
                 <a:solidFill>
                   <a:schemeClr val="bg1"/>
                 </a:solidFill>
@@ -7754,7 +7742,7 @@
               <a:t> = 0; </a:t>
             </a:r>
             <a:r>
-              <a:rPr lang="en-US" altLang="zh-CN" sz="1000" dirty="0" err="1" smtClean="0">
+              <a:rPr lang="en-US" altLang="zh-CN" sz="1000" dirty="0" err="1">
                 <a:solidFill>
                   <a:schemeClr val="bg1"/>
                 </a:solidFill>
@@ -7762,7 +7750,7 @@
               <a:t>i</a:t>
             </a:r>
             <a:r>
-              <a:rPr lang="en-US" altLang="zh-CN" sz="1000" dirty="0" smtClean="0">
+              <a:rPr lang="en-US" altLang="zh-CN" sz="1000" dirty="0">
                 <a:solidFill>
                   <a:schemeClr val="bg1"/>
                 </a:solidFill>
@@ -7770,7 +7758,7 @@
               <a:t> &lt; (</a:t>
             </a:r>
             <a:r>
-              <a:rPr lang="en-US" altLang="zh-CN" sz="1000" dirty="0" err="1" smtClean="0">
+              <a:rPr lang="en-US" altLang="zh-CN" sz="1000" dirty="0" err="1">
                 <a:solidFill>
                   <a:schemeClr val="bg1"/>
                 </a:solidFill>
@@ -7778,7 +7766,7 @@
               <a:t>len</a:t>
             </a:r>
             <a:r>
-              <a:rPr lang="en-US" altLang="zh-CN" sz="1000" dirty="0" smtClean="0">
+              <a:rPr lang="en-US" altLang="zh-CN" sz="1000" dirty="0">
                 <a:solidFill>
                   <a:schemeClr val="bg1"/>
                 </a:solidFill>
@@ -7786,7 +7774,7 @@
               <a:t> &lt;&lt; 1); </a:t>
             </a:r>
             <a:r>
-              <a:rPr lang="en-US" altLang="zh-CN" sz="1000" dirty="0" err="1" smtClean="0">
+              <a:rPr lang="en-US" altLang="zh-CN" sz="1000" dirty="0" err="1">
                 <a:solidFill>
                   <a:schemeClr val="bg1"/>
                 </a:solidFill>
@@ -7794,7 +7782,7 @@
               <a:t>i</a:t>
             </a:r>
             <a:r>
-              <a:rPr lang="en-US" altLang="zh-CN" sz="1000" dirty="0" smtClean="0">
+              <a:rPr lang="en-US" altLang="zh-CN" sz="1000" dirty="0">
                 <a:solidFill>
                   <a:schemeClr val="bg1"/>
                 </a:solidFill>
@@ -7802,7 +7790,7 @@
               <a:t>++) A[</a:t>
             </a:r>
             <a:r>
-              <a:rPr lang="en-US" altLang="zh-CN" sz="1000" dirty="0" err="1" smtClean="0">
+              <a:rPr lang="en-US" altLang="zh-CN" sz="1000" dirty="0" err="1">
                 <a:solidFill>
                   <a:schemeClr val="bg1"/>
                 </a:solidFill>
@@ -7810,7 +7798,7 @@
               <a:t>i</a:t>
             </a:r>
             <a:r>
-              <a:rPr lang="en-US" altLang="zh-CN" sz="1000" dirty="0" smtClean="0">
+              <a:rPr lang="en-US" altLang="zh-CN" sz="1000" dirty="0">
                 <a:solidFill>
                   <a:schemeClr val="bg1"/>
                 </a:solidFill>
@@ -7818,7 +7806,7 @@
               <a:t>] = </a:t>
             </a:r>
             <a:r>
-              <a:rPr lang="en-US" altLang="zh-CN" sz="1000" dirty="0" err="1" smtClean="0">
+              <a:rPr lang="en-US" altLang="zh-CN" sz="1000" dirty="0" err="1">
                 <a:solidFill>
                   <a:schemeClr val="bg1"/>
                 </a:solidFill>
@@ -7826,7 +7814,7 @@
               <a:t>mul</a:t>
             </a:r>
             <a:r>
-              <a:rPr lang="en-US" altLang="zh-CN" sz="1000" dirty="0" smtClean="0">
+              <a:rPr lang="en-US" altLang="zh-CN" sz="1000" dirty="0">
                 <a:solidFill>
                   <a:schemeClr val="bg1"/>
                 </a:solidFill>
@@ -7834,7 +7822,7 @@
               <a:t>(</a:t>
             </a:r>
             <a:r>
-              <a:rPr lang="en-US" altLang="zh-CN" sz="1000" dirty="0" err="1" smtClean="0">
+              <a:rPr lang="en-US" altLang="zh-CN" sz="1000" dirty="0" err="1">
                 <a:solidFill>
                   <a:schemeClr val="bg1"/>
                 </a:solidFill>
@@ -7842,7 +7830,7 @@
               <a:t>mul</a:t>
             </a:r>
             <a:r>
-              <a:rPr lang="en-US" altLang="zh-CN" sz="1000" dirty="0" smtClean="0">
+              <a:rPr lang="en-US" altLang="zh-CN" sz="1000" dirty="0">
                 <a:solidFill>
                   <a:schemeClr val="bg1"/>
                 </a:solidFill>
@@ -7850,7 +7838,7 @@
               <a:t>(A[</a:t>
             </a:r>
             <a:r>
-              <a:rPr lang="en-US" altLang="zh-CN" sz="1000" dirty="0" err="1" smtClean="0">
+              <a:rPr lang="en-US" altLang="zh-CN" sz="1000" dirty="0" err="1">
                 <a:solidFill>
                   <a:schemeClr val="bg1"/>
                 </a:solidFill>
@@ -7858,7 +7846,7 @@
               <a:t>i</a:t>
             </a:r>
             <a:r>
-              <a:rPr lang="en-US" altLang="zh-CN" sz="1000" dirty="0" smtClean="0">
+              <a:rPr lang="en-US" altLang="zh-CN" sz="1000" dirty="0">
                 <a:solidFill>
                   <a:schemeClr val="bg1"/>
                 </a:solidFill>
@@ -7866,7 +7854,7 @@
               <a:t>], B[</a:t>
             </a:r>
             <a:r>
-              <a:rPr lang="en-US" altLang="zh-CN" sz="1000" dirty="0" err="1" smtClean="0">
+              <a:rPr lang="en-US" altLang="zh-CN" sz="1000" dirty="0" err="1">
                 <a:solidFill>
                   <a:schemeClr val="bg1"/>
                 </a:solidFill>
@@ -7874,7 +7862,7 @@
               <a:t>i</a:t>
             </a:r>
             <a:r>
-              <a:rPr lang="en-US" altLang="zh-CN" sz="1000" dirty="0" smtClean="0">
+              <a:rPr lang="en-US" altLang="zh-CN" sz="1000" dirty="0">
                 <a:solidFill>
                   <a:schemeClr val="bg1"/>
                 </a:solidFill>
@@ -7882,7 +7870,7 @@
               <a:t>]), B[</a:t>
             </a:r>
             <a:r>
-              <a:rPr lang="en-US" altLang="zh-CN" sz="1000" dirty="0" err="1" smtClean="0">
+              <a:rPr lang="en-US" altLang="zh-CN" sz="1000" dirty="0" err="1">
                 <a:solidFill>
                   <a:schemeClr val="bg1"/>
                 </a:solidFill>
@@ -7890,7 +7878,7 @@
               <a:t>i</a:t>
             </a:r>
             <a:r>
-              <a:rPr lang="en-US" altLang="zh-CN" sz="1000" dirty="0" smtClean="0">
+              <a:rPr lang="en-US" altLang="zh-CN" sz="1000" dirty="0">
                 <a:solidFill>
                   <a:schemeClr val="bg1"/>
                 </a:solidFill>
@@ -7900,7 +7888,7 @@
           </a:p>
           <a:p>
             <a:r>
-              <a:rPr lang="en-US" altLang="zh-CN" sz="1000" dirty="0" smtClean="0">
+              <a:rPr lang="en-US" altLang="zh-CN" sz="1000" dirty="0">
                 <a:solidFill>
                   <a:schemeClr val="bg1"/>
                 </a:solidFill>
@@ -7908,7 +7896,7 @@
               <a:t>    NTT(A, -1, </a:t>
             </a:r>
             <a:r>
-              <a:rPr lang="en-US" altLang="zh-CN" sz="1000" dirty="0" err="1" smtClean="0">
+              <a:rPr lang="en-US" altLang="zh-CN" sz="1000" dirty="0" err="1">
                 <a:solidFill>
                   <a:schemeClr val="bg1"/>
                 </a:solidFill>
@@ -7916,7 +7904,7 @@
               <a:t>len</a:t>
             </a:r>
             <a:r>
-              <a:rPr lang="en-US" altLang="zh-CN" sz="1000" dirty="0" smtClean="0">
+              <a:rPr lang="en-US" altLang="zh-CN" sz="1000" dirty="0">
                 <a:solidFill>
                   <a:schemeClr val="bg1"/>
                 </a:solidFill>
@@ -7926,7 +7914,7 @@
           </a:p>
           <a:p>
             <a:r>
-              <a:rPr lang="en-US" altLang="zh-CN" sz="1000" dirty="0" smtClean="0">
+              <a:rPr lang="en-US" altLang="zh-CN" sz="1000" dirty="0">
                 <a:solidFill>
                   <a:schemeClr val="bg1"/>
                 </a:solidFill>
@@ -7934,7 +7922,7 @@
               <a:t>    for(</a:t>
             </a:r>
             <a:r>
-              <a:rPr lang="en-US" altLang="zh-CN" sz="1000" dirty="0" err="1" smtClean="0">
+              <a:rPr lang="en-US" altLang="zh-CN" sz="1000" dirty="0" err="1">
                 <a:solidFill>
                   <a:schemeClr val="bg1"/>
                 </a:solidFill>
@@ -7942,7 +7930,7 @@
               <a:t>rg</a:t>
             </a:r>
             <a:r>
-              <a:rPr lang="en-US" altLang="zh-CN" sz="1000" dirty="0" smtClean="0">
+              <a:rPr lang="en-US" altLang="zh-CN" sz="1000" dirty="0">
                 <a:solidFill>
                   <a:schemeClr val="bg1"/>
                 </a:solidFill>
@@ -7950,7 +7938,7 @@
               <a:t> </a:t>
             </a:r>
             <a:r>
-              <a:rPr lang="en-US" altLang="zh-CN" sz="1000" dirty="0" err="1" smtClean="0">
+              <a:rPr lang="en-US" altLang="zh-CN" sz="1000" dirty="0" err="1">
                 <a:solidFill>
                   <a:schemeClr val="bg1"/>
                 </a:solidFill>
@@ -7958,7 +7946,7 @@
               <a:t>int</a:t>
             </a:r>
             <a:r>
-              <a:rPr lang="en-US" altLang="zh-CN" sz="1000" dirty="0" smtClean="0">
+              <a:rPr lang="en-US" altLang="zh-CN" sz="1000" dirty="0">
                 <a:solidFill>
                   <a:schemeClr val="bg1"/>
                 </a:solidFill>
@@ -7966,7 +7954,7 @@
               <a:t> </a:t>
             </a:r>
             <a:r>
-              <a:rPr lang="en-US" altLang="zh-CN" sz="1000" dirty="0" err="1" smtClean="0">
+              <a:rPr lang="en-US" altLang="zh-CN" sz="1000" dirty="0" err="1">
                 <a:solidFill>
                   <a:schemeClr val="bg1"/>
                 </a:solidFill>
@@ -7974,7 +7962,7 @@
               <a:t>i</a:t>
             </a:r>
             <a:r>
-              <a:rPr lang="en-US" altLang="zh-CN" sz="1000" dirty="0" smtClean="0">
+              <a:rPr lang="en-US" altLang="zh-CN" sz="1000" dirty="0">
                 <a:solidFill>
                   <a:schemeClr val="bg1"/>
                 </a:solidFill>
@@ -7982,7 +7970,7 @@
               <a:t> = 0; </a:t>
             </a:r>
             <a:r>
-              <a:rPr lang="en-US" altLang="zh-CN" sz="1000" dirty="0" err="1" smtClean="0">
+              <a:rPr lang="en-US" altLang="zh-CN" sz="1000" dirty="0" err="1">
                 <a:solidFill>
                   <a:schemeClr val="bg1"/>
                 </a:solidFill>
@@ -7990,7 +7978,7 @@
               <a:t>i</a:t>
             </a:r>
             <a:r>
-              <a:rPr lang="en-US" altLang="zh-CN" sz="1000" dirty="0" smtClean="0">
+              <a:rPr lang="en-US" altLang="zh-CN" sz="1000" dirty="0">
                 <a:solidFill>
                   <a:schemeClr val="bg1"/>
                 </a:solidFill>
@@ -7998,7 +7986,7 @@
               <a:t> &lt; </a:t>
             </a:r>
             <a:r>
-              <a:rPr lang="en-US" altLang="zh-CN" sz="1000" dirty="0" err="1" smtClean="0">
+              <a:rPr lang="en-US" altLang="zh-CN" sz="1000" dirty="0" err="1">
                 <a:solidFill>
                   <a:schemeClr val="bg1"/>
                 </a:solidFill>
@@ -8006,7 +7994,7 @@
               <a:t>len</a:t>
             </a:r>
             <a:r>
-              <a:rPr lang="en-US" altLang="zh-CN" sz="1000" dirty="0" smtClean="0">
+              <a:rPr lang="en-US" altLang="zh-CN" sz="1000" dirty="0">
                 <a:solidFill>
                   <a:schemeClr val="bg1"/>
                 </a:solidFill>
@@ -8014,7 +8002,7 @@
               <a:t>; </a:t>
             </a:r>
             <a:r>
-              <a:rPr lang="en-US" altLang="zh-CN" sz="1000" dirty="0" err="1" smtClean="0">
+              <a:rPr lang="en-US" altLang="zh-CN" sz="1000" dirty="0" err="1">
                 <a:solidFill>
                   <a:schemeClr val="bg1"/>
                 </a:solidFill>
@@ -8022,7 +8010,7 @@
               <a:t>i</a:t>
             </a:r>
             <a:r>
-              <a:rPr lang="en-US" altLang="zh-CN" sz="1000" dirty="0" smtClean="0">
+              <a:rPr lang="en-US" altLang="zh-CN" sz="1000" dirty="0">
                 <a:solidFill>
                   <a:schemeClr val="bg1"/>
                 </a:solidFill>
@@ -8030,7 +8018,7 @@
               <a:t>++) b[</a:t>
             </a:r>
             <a:r>
-              <a:rPr lang="en-US" altLang="zh-CN" sz="1000" dirty="0" err="1" smtClean="0">
+              <a:rPr lang="en-US" altLang="zh-CN" sz="1000" dirty="0" err="1">
                 <a:solidFill>
                   <a:schemeClr val="bg1"/>
                 </a:solidFill>
@@ -8038,7 +8026,7 @@
               <a:t>i</a:t>
             </a:r>
             <a:r>
-              <a:rPr lang="en-US" altLang="zh-CN" sz="1000" dirty="0" smtClean="0">
+              <a:rPr lang="en-US" altLang="zh-CN" sz="1000" dirty="0">
                 <a:solidFill>
                   <a:schemeClr val="bg1"/>
                 </a:solidFill>
@@ -8046,7 +8034,7 @@
               <a:t>] = (1ll * (b[</a:t>
             </a:r>
             <a:r>
-              <a:rPr lang="en-US" altLang="zh-CN" sz="1000" dirty="0" err="1" smtClean="0">
+              <a:rPr lang="en-US" altLang="zh-CN" sz="1000" dirty="0" err="1">
                 <a:solidFill>
                   <a:schemeClr val="bg1"/>
                 </a:solidFill>
@@ -8054,7 +8042,7 @@
               <a:t>i</a:t>
             </a:r>
             <a:r>
-              <a:rPr lang="en-US" altLang="zh-CN" sz="1000" dirty="0" smtClean="0">
+              <a:rPr lang="en-US" altLang="zh-CN" sz="1000" dirty="0">
                 <a:solidFill>
                   <a:schemeClr val="bg1"/>
                 </a:solidFill>
@@ -8062,7 +8050,7 @@
               <a:t>] &lt;&lt; 1) % P + P - A[</a:t>
             </a:r>
             <a:r>
-              <a:rPr lang="en-US" altLang="zh-CN" sz="1000" dirty="0" err="1" smtClean="0">
+              <a:rPr lang="en-US" altLang="zh-CN" sz="1000" dirty="0" err="1">
                 <a:solidFill>
                   <a:schemeClr val="bg1"/>
                 </a:solidFill>
@@ -8070,7 +8058,7 @@
               <a:t>i</a:t>
             </a:r>
             <a:r>
-              <a:rPr lang="en-US" altLang="zh-CN" sz="1000" dirty="0" smtClean="0">
+              <a:rPr lang="en-US" altLang="zh-CN" sz="1000" dirty="0">
                 <a:solidFill>
                   <a:schemeClr val="bg1"/>
                 </a:solidFill>
@@ -8080,7 +8068,7 @@
           </a:p>
           <a:p>
             <a:r>
-              <a:rPr lang="en-US" altLang="zh-CN" sz="1000" dirty="0" smtClean="0">
+              <a:rPr lang="en-US" altLang="zh-CN" sz="1000" dirty="0">
                 <a:solidFill>
                   <a:schemeClr val="bg1"/>
                 </a:solidFill>
@@ -8090,7 +8078,7 @@
           </a:p>
           <a:p>
             <a:r>
-              <a:rPr lang="en-US" altLang="zh-CN" sz="1000" dirty="0" smtClean="0">
+              <a:rPr lang="en-US" altLang="zh-CN" sz="1000" dirty="0">
                 <a:solidFill>
                   <a:schemeClr val="bg1"/>
                 </a:solidFill>
@@ -8098,7 +8086,7 @@
               <a:t>void </a:t>
             </a:r>
             <a:r>
-              <a:rPr lang="en-US" altLang="zh-CN" sz="1000" dirty="0" err="1" smtClean="0">
+              <a:rPr lang="en-US" altLang="zh-CN" sz="1000" dirty="0" err="1">
                 <a:solidFill>
                   <a:schemeClr val="bg1"/>
                 </a:solidFill>
@@ -8106,7 +8094,7 @@
               <a:t>Mul</a:t>
             </a:r>
             <a:r>
-              <a:rPr lang="en-US" altLang="zh-CN" sz="1000" dirty="0" smtClean="0">
+              <a:rPr lang="en-US" altLang="zh-CN" sz="1000" dirty="0">
                 <a:solidFill>
                   <a:schemeClr val="bg1"/>
                 </a:solidFill>
@@ -8114,7 +8102,7 @@
               <a:t>(</a:t>
             </a:r>
             <a:r>
-              <a:rPr lang="en-US" altLang="zh-CN" sz="1000" dirty="0" err="1" smtClean="0">
+              <a:rPr lang="en-US" altLang="zh-CN" sz="1000" dirty="0" err="1">
                 <a:solidFill>
                   <a:schemeClr val="bg1"/>
                 </a:solidFill>
@@ -8122,7 +8110,7 @@
               <a:t>int</a:t>
             </a:r>
             <a:r>
-              <a:rPr lang="en-US" altLang="zh-CN" sz="1000" dirty="0" smtClean="0">
+              <a:rPr lang="en-US" altLang="zh-CN" sz="1000" dirty="0">
                 <a:solidFill>
                   <a:schemeClr val="bg1"/>
                 </a:solidFill>
@@ -8130,7 +8118,7 @@
               <a:t> *a, </a:t>
             </a:r>
             <a:r>
-              <a:rPr lang="en-US" altLang="zh-CN" sz="1000" dirty="0" err="1" smtClean="0">
+              <a:rPr lang="en-US" altLang="zh-CN" sz="1000" dirty="0" err="1">
                 <a:solidFill>
                   <a:schemeClr val="bg1"/>
                 </a:solidFill>
@@ -8138,7 +8126,7 @@
               <a:t>int</a:t>
             </a:r>
             <a:r>
-              <a:rPr lang="en-US" altLang="zh-CN" sz="1000" dirty="0" smtClean="0">
+              <a:rPr lang="en-US" altLang="zh-CN" sz="1000" dirty="0">
                 <a:solidFill>
                   <a:schemeClr val="bg1"/>
                 </a:solidFill>
@@ -8146,7 +8134,7 @@
               <a:t> *b, </a:t>
             </a:r>
             <a:r>
-              <a:rPr lang="en-US" altLang="zh-CN" sz="1000" dirty="0" err="1" smtClean="0">
+              <a:rPr lang="en-US" altLang="zh-CN" sz="1000" dirty="0" err="1">
                 <a:solidFill>
                   <a:schemeClr val="bg1"/>
                 </a:solidFill>
@@ -8154,7 +8142,7 @@
               <a:t>int</a:t>
             </a:r>
             <a:r>
-              <a:rPr lang="en-US" altLang="zh-CN" sz="1000" dirty="0" smtClean="0">
+              <a:rPr lang="en-US" altLang="zh-CN" sz="1000" dirty="0">
                 <a:solidFill>
                   <a:schemeClr val="bg1"/>
                 </a:solidFill>
@@ -8162,7 +8150,7 @@
               <a:t> *c, </a:t>
             </a:r>
             <a:r>
-              <a:rPr lang="en-US" altLang="zh-CN" sz="1000" dirty="0" err="1" smtClean="0">
+              <a:rPr lang="en-US" altLang="zh-CN" sz="1000" dirty="0" err="1">
                 <a:solidFill>
                   <a:schemeClr val="bg1"/>
                 </a:solidFill>
@@ -8170,7 +8158,7 @@
               <a:t>int</a:t>
             </a:r>
             <a:r>
-              <a:rPr lang="en-US" altLang="zh-CN" sz="1000" dirty="0" smtClean="0">
+              <a:rPr lang="en-US" altLang="zh-CN" sz="1000" dirty="0">
                 <a:solidFill>
                   <a:schemeClr val="bg1"/>
                 </a:solidFill>
@@ -8180,7 +8168,7 @@
           </a:p>
           <a:p>
             <a:r>
-              <a:rPr lang="en-US" altLang="zh-CN" sz="1000" dirty="0" smtClean="0">
+              <a:rPr lang="en-US" altLang="zh-CN" sz="1000" dirty="0">
                 <a:solidFill>
                   <a:schemeClr val="bg1"/>
                 </a:solidFill>
@@ -8188,7 +8176,7 @@
               <a:t>    </a:t>
             </a:r>
             <a:r>
-              <a:rPr lang="en-US" altLang="zh-CN" sz="1000" dirty="0" err="1" smtClean="0">
+              <a:rPr lang="en-US" altLang="zh-CN" sz="1000" dirty="0" err="1">
                 <a:solidFill>
                   <a:schemeClr val="bg1"/>
                 </a:solidFill>
@@ -8196,7 +8184,7 @@
               <a:t>int</a:t>
             </a:r>
             <a:r>
-              <a:rPr lang="en-US" altLang="zh-CN" sz="1000" dirty="0" smtClean="0">
+              <a:rPr lang="en-US" altLang="zh-CN" sz="1000" dirty="0">
                 <a:solidFill>
                   <a:schemeClr val="bg1"/>
                 </a:solidFill>
@@ -8204,7 +8192,7 @@
               <a:t> </a:t>
             </a:r>
             <a:r>
-              <a:rPr lang="en-US" altLang="zh-CN" sz="1000" dirty="0" err="1" smtClean="0">
+              <a:rPr lang="en-US" altLang="zh-CN" sz="1000" dirty="0" err="1">
                 <a:solidFill>
                   <a:schemeClr val="bg1"/>
                 </a:solidFill>
@@ -8212,7 +8200,7 @@
               <a:t>len</a:t>
             </a:r>
             <a:r>
-              <a:rPr lang="en-US" altLang="zh-CN" sz="1000" dirty="0" smtClean="0">
+              <a:rPr lang="en-US" altLang="zh-CN" sz="1000" dirty="0">
                 <a:solidFill>
                   <a:schemeClr val="bg1"/>
                 </a:solidFill>
@@ -8222,7 +8210,7 @@
           </a:p>
           <a:p>
             <a:r>
-              <a:rPr lang="en-US" altLang="zh-CN" sz="1000" dirty="0" smtClean="0">
+              <a:rPr lang="en-US" altLang="zh-CN" sz="1000" dirty="0">
                 <a:solidFill>
                   <a:schemeClr val="bg1"/>
                 </a:solidFill>
@@ -8230,7 +8218,7 @@
               <a:t>    for(</a:t>
             </a:r>
             <a:r>
-              <a:rPr lang="en-US" altLang="zh-CN" sz="1000" dirty="0" err="1" smtClean="0">
+              <a:rPr lang="en-US" altLang="zh-CN" sz="1000" dirty="0" err="1">
                 <a:solidFill>
                   <a:schemeClr val="bg1"/>
                 </a:solidFill>
@@ -8238,7 +8226,7 @@
               <a:t>len</a:t>
             </a:r>
             <a:r>
-              <a:rPr lang="en-US" altLang="zh-CN" sz="1000" dirty="0" smtClean="0">
+              <a:rPr lang="en-US" altLang="zh-CN" sz="1000" dirty="0">
                 <a:solidFill>
                   <a:schemeClr val="bg1"/>
                 </a:solidFill>
@@ -8246,7 +8234,7 @@
               <a:t> = 1; </a:t>
             </a:r>
             <a:r>
-              <a:rPr lang="en-US" altLang="zh-CN" sz="1000" dirty="0" err="1" smtClean="0">
+              <a:rPr lang="en-US" altLang="zh-CN" sz="1000" dirty="0" err="1">
                 <a:solidFill>
                   <a:schemeClr val="bg1"/>
                 </a:solidFill>
@@ -8254,7 +8242,7 @@
               <a:t>len</a:t>
             </a:r>
             <a:r>
-              <a:rPr lang="en-US" altLang="zh-CN" sz="1000" dirty="0" smtClean="0">
+              <a:rPr lang="en-US" altLang="zh-CN" sz="1000" dirty="0">
                 <a:solidFill>
                   <a:schemeClr val="bg1"/>
                 </a:solidFill>
@@ -8262,7 +8250,7 @@
               <a:t> &lt; N; </a:t>
             </a:r>
             <a:r>
-              <a:rPr lang="en-US" altLang="zh-CN" sz="1000" dirty="0" err="1" smtClean="0">
+              <a:rPr lang="en-US" altLang="zh-CN" sz="1000" dirty="0" err="1">
                 <a:solidFill>
                   <a:schemeClr val="bg1"/>
                 </a:solidFill>
@@ -8270,7 +8258,7 @@
               <a:t>len</a:t>
             </a:r>
             <a:r>
-              <a:rPr lang="en-US" altLang="zh-CN" sz="1000" dirty="0" smtClean="0">
+              <a:rPr lang="en-US" altLang="zh-CN" sz="1000" dirty="0">
                 <a:solidFill>
                   <a:schemeClr val="bg1"/>
                 </a:solidFill>
@@ -8280,7 +8268,7 @@
           </a:p>
           <a:p>
             <a:r>
-              <a:rPr lang="en-US" altLang="zh-CN" sz="1000" dirty="0" smtClean="0">
+              <a:rPr lang="en-US" altLang="zh-CN" sz="1000" dirty="0">
                 <a:solidFill>
                   <a:schemeClr val="bg1"/>
                 </a:solidFill>
@@ -8288,7 +8276,7 @@
               <a:t>    NTT(a, 1, </a:t>
             </a:r>
             <a:r>
-              <a:rPr lang="en-US" altLang="zh-CN" sz="1000" dirty="0" err="1" smtClean="0">
+              <a:rPr lang="en-US" altLang="zh-CN" sz="1000" dirty="0" err="1">
                 <a:solidFill>
                   <a:schemeClr val="bg1"/>
                 </a:solidFill>
@@ -8296,7 +8284,7 @@
               <a:t>len</a:t>
             </a:r>
             <a:r>
-              <a:rPr lang="en-US" altLang="zh-CN" sz="1000" dirty="0" smtClean="0">
+              <a:rPr lang="en-US" altLang="zh-CN" sz="1000" dirty="0">
                 <a:solidFill>
                   <a:schemeClr val="bg1"/>
                 </a:solidFill>
@@ -8304,7 +8292,7 @@
               <a:t>); NTT(b, 1, </a:t>
             </a:r>
             <a:r>
-              <a:rPr lang="en-US" altLang="zh-CN" sz="1000" dirty="0" err="1" smtClean="0">
+              <a:rPr lang="en-US" altLang="zh-CN" sz="1000" dirty="0" err="1">
                 <a:solidFill>
                   <a:schemeClr val="bg1"/>
                 </a:solidFill>
@@ -8312,7 +8300,7 @@
               <a:t>len</a:t>
             </a:r>
             <a:r>
-              <a:rPr lang="en-US" altLang="zh-CN" sz="1000" dirty="0" smtClean="0">
+              <a:rPr lang="en-US" altLang="zh-CN" sz="1000" dirty="0">
                 <a:solidFill>
                   <a:schemeClr val="bg1"/>
                 </a:solidFill>
@@ -8322,7 +8310,7 @@
           </a:p>
           <a:p>
             <a:r>
-              <a:rPr lang="en-US" altLang="zh-CN" sz="1000" dirty="0" smtClean="0">
+              <a:rPr lang="en-US" altLang="zh-CN" sz="1000" dirty="0">
                 <a:solidFill>
                   <a:schemeClr val="bg1"/>
                 </a:solidFill>
@@ -8330,7 +8318,7 @@
               <a:t>    for(</a:t>
             </a:r>
             <a:r>
-              <a:rPr lang="en-US" altLang="zh-CN" sz="1000" dirty="0" err="1" smtClean="0">
+              <a:rPr lang="en-US" altLang="zh-CN" sz="1000" dirty="0" err="1">
                 <a:solidFill>
                   <a:schemeClr val="bg1"/>
                 </a:solidFill>
@@ -8338,7 +8326,7 @@
               <a:t>int</a:t>
             </a:r>
             <a:r>
-              <a:rPr lang="en-US" altLang="zh-CN" sz="1000" dirty="0" smtClean="0">
+              <a:rPr lang="en-US" altLang="zh-CN" sz="1000" dirty="0">
                 <a:solidFill>
                   <a:schemeClr val="bg1"/>
                 </a:solidFill>
@@ -8346,7 +8334,7 @@
               <a:t> </a:t>
             </a:r>
             <a:r>
-              <a:rPr lang="en-US" altLang="zh-CN" sz="1000" dirty="0" err="1" smtClean="0">
+              <a:rPr lang="en-US" altLang="zh-CN" sz="1000" dirty="0" err="1">
                 <a:solidFill>
                   <a:schemeClr val="bg1"/>
                 </a:solidFill>
@@ -8354,7 +8342,7 @@
               <a:t>i</a:t>
             </a:r>
             <a:r>
-              <a:rPr lang="en-US" altLang="zh-CN" sz="1000" dirty="0" smtClean="0">
+              <a:rPr lang="en-US" altLang="zh-CN" sz="1000" dirty="0">
                 <a:solidFill>
                   <a:schemeClr val="bg1"/>
                 </a:solidFill>
@@ -8362,7 +8350,7 @@
               <a:t> = 0; </a:t>
             </a:r>
             <a:r>
-              <a:rPr lang="en-US" altLang="zh-CN" sz="1000" dirty="0" err="1" smtClean="0">
+              <a:rPr lang="en-US" altLang="zh-CN" sz="1000" dirty="0" err="1">
                 <a:solidFill>
                   <a:schemeClr val="bg1"/>
                 </a:solidFill>
@@ -8370,7 +8358,7 @@
               <a:t>i</a:t>
             </a:r>
             <a:r>
-              <a:rPr lang="en-US" altLang="zh-CN" sz="1000" dirty="0" smtClean="0">
+              <a:rPr lang="en-US" altLang="zh-CN" sz="1000" dirty="0">
                 <a:solidFill>
                   <a:schemeClr val="bg1"/>
                 </a:solidFill>
@@ -8378,7 +8366,7 @@
               <a:t> &lt; </a:t>
             </a:r>
             <a:r>
-              <a:rPr lang="en-US" altLang="zh-CN" sz="1000" dirty="0" err="1" smtClean="0">
+              <a:rPr lang="en-US" altLang="zh-CN" sz="1000" dirty="0" err="1">
                 <a:solidFill>
                   <a:schemeClr val="bg1"/>
                 </a:solidFill>
@@ -8386,7 +8374,7 @@
               <a:t>len</a:t>
             </a:r>
             <a:r>
-              <a:rPr lang="en-US" altLang="zh-CN" sz="1000" dirty="0" smtClean="0">
+              <a:rPr lang="en-US" altLang="zh-CN" sz="1000" dirty="0">
                 <a:solidFill>
                   <a:schemeClr val="bg1"/>
                 </a:solidFill>
@@ -8394,7 +8382,7 @@
               <a:t>; </a:t>
             </a:r>
             <a:r>
-              <a:rPr lang="en-US" altLang="zh-CN" sz="1000" dirty="0" err="1" smtClean="0">
+              <a:rPr lang="en-US" altLang="zh-CN" sz="1000" dirty="0" err="1">
                 <a:solidFill>
                   <a:schemeClr val="bg1"/>
                 </a:solidFill>
@@ -8402,7 +8390,7 @@
               <a:t>i</a:t>
             </a:r>
             <a:r>
-              <a:rPr lang="en-US" altLang="zh-CN" sz="1000" dirty="0" smtClean="0">
+              <a:rPr lang="en-US" altLang="zh-CN" sz="1000" dirty="0">
                 <a:solidFill>
                   <a:schemeClr val="bg1"/>
                 </a:solidFill>
@@ -8410,7 +8398,7 @@
               <a:t>++) c[</a:t>
             </a:r>
             <a:r>
-              <a:rPr lang="en-US" altLang="zh-CN" sz="1000" dirty="0" err="1" smtClean="0">
+              <a:rPr lang="en-US" altLang="zh-CN" sz="1000" dirty="0" err="1">
                 <a:solidFill>
                   <a:schemeClr val="bg1"/>
                 </a:solidFill>
@@ -8418,7 +8406,7 @@
               <a:t>i</a:t>
             </a:r>
             <a:r>
-              <a:rPr lang="en-US" altLang="zh-CN" sz="1000" dirty="0" smtClean="0">
+              <a:rPr lang="en-US" altLang="zh-CN" sz="1000" dirty="0">
                 <a:solidFill>
                   <a:schemeClr val="bg1"/>
                 </a:solidFill>
@@ -8426,7 +8414,7 @@
               <a:t>] = 1ll * a[</a:t>
             </a:r>
             <a:r>
-              <a:rPr lang="en-US" altLang="zh-CN" sz="1000" dirty="0" err="1" smtClean="0">
+              <a:rPr lang="en-US" altLang="zh-CN" sz="1000" dirty="0" err="1">
                 <a:solidFill>
                   <a:schemeClr val="bg1"/>
                 </a:solidFill>
@@ -8434,7 +8422,7 @@
               <a:t>i</a:t>
             </a:r>
             <a:r>
-              <a:rPr lang="en-US" altLang="zh-CN" sz="1000" dirty="0" smtClean="0">
+              <a:rPr lang="en-US" altLang="zh-CN" sz="1000" dirty="0">
                 <a:solidFill>
                   <a:schemeClr val="bg1"/>
                 </a:solidFill>
@@ -8442,7 +8430,7 @@
               <a:t>] * b[</a:t>
             </a:r>
             <a:r>
-              <a:rPr lang="en-US" altLang="zh-CN" sz="1000" dirty="0" err="1" smtClean="0">
+              <a:rPr lang="en-US" altLang="zh-CN" sz="1000" dirty="0" err="1">
                 <a:solidFill>
                   <a:schemeClr val="bg1"/>
                 </a:solidFill>
@@ -8450,7 +8438,7 @@
               <a:t>i</a:t>
             </a:r>
             <a:r>
-              <a:rPr lang="en-US" altLang="zh-CN" sz="1000" dirty="0" smtClean="0">
+              <a:rPr lang="en-US" altLang="zh-CN" sz="1000" dirty="0">
                 <a:solidFill>
                   <a:schemeClr val="bg1"/>
                 </a:solidFill>
@@ -8460,7 +8448,7 @@
           </a:p>
           <a:p>
             <a:r>
-              <a:rPr lang="en-US" altLang="zh-CN" sz="1000" dirty="0" smtClean="0">
+              <a:rPr lang="en-US" altLang="zh-CN" sz="1000" dirty="0">
                 <a:solidFill>
                   <a:schemeClr val="bg1"/>
                 </a:solidFill>
@@ -8468,7 +8456,7 @@
               <a:t>    NTT(c, -1, </a:t>
             </a:r>
             <a:r>
-              <a:rPr lang="en-US" altLang="zh-CN" sz="1000" dirty="0" err="1" smtClean="0">
+              <a:rPr lang="en-US" altLang="zh-CN" sz="1000" dirty="0" err="1">
                 <a:solidFill>
                   <a:schemeClr val="bg1"/>
                 </a:solidFill>
@@ -8476,7 +8464,7 @@
               <a:t>len</a:t>
             </a:r>
             <a:r>
-              <a:rPr lang="en-US" altLang="zh-CN" sz="1000" dirty="0" smtClean="0">
+              <a:rPr lang="en-US" altLang="zh-CN" sz="1000" dirty="0">
                 <a:solidFill>
                   <a:schemeClr val="bg1"/>
                 </a:solidFill>
@@ -8486,7 +8474,7 @@
           </a:p>
           <a:p>
             <a:r>
-              <a:rPr lang="en-US" altLang="zh-CN" sz="1000" dirty="0" smtClean="0">
+              <a:rPr lang="en-US" altLang="zh-CN" sz="1000" dirty="0">
                 <a:solidFill>
                   <a:schemeClr val="bg1"/>
                 </a:solidFill>
@@ -8496,7 +8484,7 @@
           </a:p>
           <a:p>
             <a:r>
-              <a:rPr lang="en-US" altLang="zh-CN" sz="1000" dirty="0" err="1" smtClean="0">
+              <a:rPr lang="en-US" altLang="zh-CN" sz="1000" dirty="0" err="1">
                 <a:solidFill>
                   <a:schemeClr val="bg1"/>
                 </a:solidFill>
@@ -8504,7 +8492,7 @@
               <a:t>int</a:t>
             </a:r>
             <a:r>
-              <a:rPr lang="en-US" altLang="zh-CN" sz="1000" dirty="0" smtClean="0">
+              <a:rPr lang="en-US" altLang="zh-CN" sz="1000" dirty="0">
                 <a:solidFill>
                   <a:schemeClr val="bg1"/>
                 </a:solidFill>
@@ -8514,7 +8502,7 @@
           </a:p>
           <a:p>
             <a:r>
-              <a:rPr lang="en-US" altLang="zh-CN" sz="1000" dirty="0" smtClean="0">
+              <a:rPr lang="en-US" altLang="zh-CN" sz="1000" dirty="0">
                 <a:solidFill>
                   <a:schemeClr val="bg1"/>
                 </a:solidFill>
@@ -8522,7 +8510,7 @@
               <a:t>    #</a:t>
             </a:r>
             <a:r>
-              <a:rPr lang="en-US" altLang="zh-CN" sz="1000" dirty="0" err="1" smtClean="0">
+              <a:rPr lang="en-US" altLang="zh-CN" sz="1000" dirty="0" err="1">
                 <a:solidFill>
                   <a:schemeClr val="bg1"/>
                 </a:solidFill>
@@ -8530,7 +8518,7 @@
               <a:t>ifdef</a:t>
             </a:r>
             <a:r>
-              <a:rPr lang="en-US" altLang="zh-CN" sz="1000" dirty="0" smtClean="0">
+              <a:rPr lang="en-US" altLang="zh-CN" sz="1000" dirty="0">
                 <a:solidFill>
                   <a:schemeClr val="bg1"/>
                 </a:solidFill>
@@ -8540,7 +8528,7 @@
           </a:p>
           <a:p>
             <a:r>
-              <a:rPr lang="en-US" altLang="zh-CN" sz="1000" dirty="0" smtClean="0">
+              <a:rPr lang="en-US" altLang="zh-CN" sz="1000" dirty="0">
                 <a:solidFill>
                   <a:schemeClr val="bg1"/>
                 </a:solidFill>
@@ -8548,7 +8536,7 @@
               <a:t>    </a:t>
             </a:r>
             <a:r>
-              <a:rPr lang="en-US" altLang="zh-CN" sz="1000" dirty="0" err="1" smtClean="0">
+              <a:rPr lang="en-US" altLang="zh-CN" sz="1000" dirty="0" err="1">
                 <a:solidFill>
                   <a:schemeClr val="bg1"/>
                 </a:solidFill>
@@ -8556,7 +8544,7 @@
               <a:t>freopen</a:t>
             </a:r>
             <a:r>
-              <a:rPr lang="en-US" altLang="zh-CN" sz="1000" dirty="0" smtClean="0">
+              <a:rPr lang="en-US" altLang="zh-CN" sz="1000" dirty="0">
                 <a:solidFill>
                   <a:schemeClr val="bg1"/>
                 </a:solidFill>
@@ -8564,7 +8552,7 @@
               <a:t>("</a:t>
             </a:r>
             <a:r>
-              <a:rPr lang="en-US" altLang="zh-CN" sz="1000" dirty="0" err="1" smtClean="0">
+              <a:rPr lang="en-US" altLang="zh-CN" sz="1000" dirty="0" err="1">
                 <a:solidFill>
                   <a:schemeClr val="bg1"/>
                 </a:solidFill>
@@ -8572,7 +8560,7 @@
               <a:t>a.in","r",stdin</a:t>
             </a:r>
             <a:r>
-              <a:rPr lang="en-US" altLang="zh-CN" sz="1000" dirty="0" smtClean="0">
+              <a:rPr lang="en-US" altLang="zh-CN" sz="1000" dirty="0">
                 <a:solidFill>
                   <a:schemeClr val="bg1"/>
                 </a:solidFill>
@@ -8582,7 +8570,7 @@
           </a:p>
           <a:p>
             <a:r>
-              <a:rPr lang="en-US" altLang="zh-CN" sz="1000" dirty="0" smtClean="0">
+              <a:rPr lang="en-US" altLang="zh-CN" sz="1000" dirty="0">
                 <a:solidFill>
                   <a:schemeClr val="bg1"/>
                 </a:solidFill>
@@ -8590,7 +8578,7 @@
               <a:t>    #</a:t>
             </a:r>
             <a:r>
-              <a:rPr lang="en-US" altLang="zh-CN" sz="1000" dirty="0" err="1" smtClean="0">
+              <a:rPr lang="en-US" altLang="zh-CN" sz="1000" dirty="0" err="1">
                 <a:solidFill>
                   <a:schemeClr val="bg1"/>
                 </a:solidFill>
@@ -8598,7 +8586,7 @@
               <a:t>endif</a:t>
             </a:r>
             <a:r>
-              <a:rPr lang="en-US" altLang="zh-CN" sz="1000" dirty="0" smtClean="0">
+              <a:rPr lang="en-US" altLang="zh-CN" sz="1000" dirty="0">
                 <a:solidFill>
                   <a:schemeClr val="bg1"/>
                 </a:solidFill>
@@ -8608,7 +8596,7 @@
           </a:p>
           <a:p>
             <a:r>
-              <a:rPr lang="en-US" altLang="zh-CN" sz="1000" dirty="0" smtClean="0">
+              <a:rPr lang="en-US" altLang="zh-CN" sz="1000" dirty="0">
                 <a:solidFill>
                   <a:schemeClr val="bg1"/>
                 </a:solidFill>
@@ -8616,7 +8604,7 @@
               <a:t>   	</a:t>
             </a:r>
             <a:r>
-              <a:rPr lang="en-US" altLang="zh-CN" sz="1000" dirty="0" err="1" smtClean="0">
+              <a:rPr lang="en-US" altLang="zh-CN" sz="1000" dirty="0" err="1">
                 <a:solidFill>
                   <a:schemeClr val="bg1"/>
                 </a:solidFill>
@@ -8624,7 +8612,7 @@
               <a:t>int</a:t>
             </a:r>
             <a:r>
-              <a:rPr lang="en-US" altLang="zh-CN" sz="1000" dirty="0" smtClean="0">
+              <a:rPr lang="en-US" altLang="zh-CN" sz="1000" dirty="0">
                 <a:solidFill>
                   <a:schemeClr val="bg1"/>
                 </a:solidFill>
@@ -8634,7 +8622,7 @@
           </a:p>
           <a:p>
             <a:r>
-              <a:rPr lang="en-US" altLang="zh-CN" sz="1000" dirty="0" smtClean="0">
+              <a:rPr lang="en-US" altLang="zh-CN" sz="1000" dirty="0">
                 <a:solidFill>
                   <a:schemeClr val="bg1"/>
                 </a:solidFill>
@@ -8642,7 +8630,7 @@
               <a:t>   	for(</a:t>
             </a:r>
             <a:r>
-              <a:rPr lang="en-US" altLang="zh-CN" sz="1000" dirty="0" err="1" smtClean="0">
+              <a:rPr lang="en-US" altLang="zh-CN" sz="1000" dirty="0" err="1">
                 <a:solidFill>
                   <a:schemeClr val="bg1"/>
                 </a:solidFill>
@@ -8650,7 +8638,7 @@
               <a:t>int</a:t>
             </a:r>
             <a:r>
-              <a:rPr lang="en-US" altLang="zh-CN" sz="1000" dirty="0" smtClean="0">
+              <a:rPr lang="en-US" altLang="zh-CN" sz="1000" dirty="0">
                 <a:solidFill>
                   <a:schemeClr val="bg1"/>
                 </a:solidFill>
@@ -8658,7 +8646,7 @@
               <a:t> </a:t>
             </a:r>
             <a:r>
-              <a:rPr lang="en-US" altLang="zh-CN" sz="1000" dirty="0" err="1" smtClean="0">
+              <a:rPr lang="en-US" altLang="zh-CN" sz="1000" dirty="0" err="1">
                 <a:solidFill>
                   <a:schemeClr val="bg1"/>
                 </a:solidFill>
@@ -8666,7 +8654,7 @@
               <a:t>i</a:t>
             </a:r>
             <a:r>
-              <a:rPr lang="en-US" altLang="zh-CN" sz="1000" dirty="0" smtClean="0">
+              <a:rPr lang="en-US" altLang="zh-CN" sz="1000" dirty="0">
                 <a:solidFill>
                   <a:schemeClr val="bg1"/>
                 </a:solidFill>
@@ -8674,7 +8662,7 @@
               <a:t> = 0; </a:t>
             </a:r>
             <a:r>
-              <a:rPr lang="en-US" altLang="zh-CN" sz="1000" dirty="0" err="1" smtClean="0">
+              <a:rPr lang="en-US" altLang="zh-CN" sz="1000" dirty="0" err="1">
                 <a:solidFill>
                   <a:schemeClr val="bg1"/>
                 </a:solidFill>
@@ -8682,7 +8670,7 @@
               <a:t>i</a:t>
             </a:r>
             <a:r>
-              <a:rPr lang="en-US" altLang="zh-CN" sz="1000" dirty="0" smtClean="0">
+              <a:rPr lang="en-US" altLang="zh-CN" sz="1000" dirty="0">
                 <a:solidFill>
                   <a:schemeClr val="bg1"/>
                 </a:solidFill>
@@ -8690,7 +8678,7 @@
               <a:t> &lt;= N; </a:t>
             </a:r>
             <a:r>
-              <a:rPr lang="en-US" altLang="zh-CN" sz="1000" dirty="0" err="1" smtClean="0">
+              <a:rPr lang="en-US" altLang="zh-CN" sz="1000" dirty="0" err="1">
                 <a:solidFill>
                   <a:schemeClr val="bg1"/>
                 </a:solidFill>
@@ -8698,7 +8686,7 @@
               <a:t>i</a:t>
             </a:r>
             <a:r>
-              <a:rPr lang="en-US" altLang="zh-CN" sz="1000" dirty="0" smtClean="0">
+              <a:rPr lang="en-US" altLang="zh-CN" sz="1000" dirty="0">
                 <a:solidFill>
                   <a:schemeClr val="bg1"/>
                 </a:solidFill>
@@ -8706,7 +8694,7 @@
               <a:t>++) F[</a:t>
             </a:r>
             <a:r>
-              <a:rPr lang="en-US" altLang="zh-CN" sz="1000" dirty="0" err="1" smtClean="0">
+              <a:rPr lang="en-US" altLang="zh-CN" sz="1000" dirty="0" err="1">
                 <a:solidFill>
                   <a:schemeClr val="bg1"/>
                 </a:solidFill>
@@ -8714,7 +8702,7 @@
               <a:t>i</a:t>
             </a:r>
             <a:r>
-              <a:rPr lang="en-US" altLang="zh-CN" sz="1000" dirty="0" smtClean="0">
+              <a:rPr lang="en-US" altLang="zh-CN" sz="1000" dirty="0">
                 <a:solidFill>
                   <a:schemeClr val="bg1"/>
                 </a:solidFill>
@@ -8724,7 +8712,7 @@
           </a:p>
           <a:p>
             <a:r>
-              <a:rPr lang="en-US" altLang="zh-CN" sz="1000" dirty="0" smtClean="0">
+              <a:rPr lang="en-US" altLang="zh-CN" sz="1000" dirty="0">
                 <a:solidFill>
                   <a:schemeClr val="bg1"/>
                 </a:solidFill>
@@ -8732,7 +8720,7 @@
               <a:t>   	for(</a:t>
             </a:r>
             <a:r>
-              <a:rPr lang="en-US" altLang="zh-CN" sz="1000" dirty="0" err="1" smtClean="0">
+              <a:rPr lang="en-US" altLang="zh-CN" sz="1000" dirty="0" err="1">
                 <a:solidFill>
                   <a:schemeClr val="bg1"/>
                 </a:solidFill>
@@ -8740,7 +8728,7 @@
               <a:t>int</a:t>
             </a:r>
             <a:r>
-              <a:rPr lang="en-US" altLang="zh-CN" sz="1000" dirty="0" smtClean="0">
+              <a:rPr lang="en-US" altLang="zh-CN" sz="1000" dirty="0">
                 <a:solidFill>
                   <a:schemeClr val="bg1"/>
                 </a:solidFill>
@@ -8748,7 +8736,7 @@
               <a:t> </a:t>
             </a:r>
             <a:r>
-              <a:rPr lang="en-US" altLang="zh-CN" sz="1000" dirty="0" err="1" smtClean="0">
+              <a:rPr lang="en-US" altLang="zh-CN" sz="1000" dirty="0" err="1">
                 <a:solidFill>
                   <a:schemeClr val="bg1"/>
                 </a:solidFill>
@@ -8756,7 +8744,7 @@
               <a:t>i</a:t>
             </a:r>
             <a:r>
-              <a:rPr lang="en-US" altLang="zh-CN" sz="1000" dirty="0" smtClean="0">
+              <a:rPr lang="en-US" altLang="zh-CN" sz="1000" dirty="0">
                 <a:solidFill>
                   <a:schemeClr val="bg1"/>
                 </a:solidFill>
@@ -8764,7 +8752,7 @@
               <a:t> = 0; </a:t>
             </a:r>
             <a:r>
-              <a:rPr lang="en-US" altLang="zh-CN" sz="1000" dirty="0" err="1" smtClean="0">
+              <a:rPr lang="en-US" altLang="zh-CN" sz="1000" dirty="0" err="1">
                 <a:solidFill>
                   <a:schemeClr val="bg1"/>
                 </a:solidFill>
@@ -8772,7 +8760,7 @@
               <a:t>i</a:t>
             </a:r>
             <a:r>
-              <a:rPr lang="en-US" altLang="zh-CN" sz="1000" dirty="0" smtClean="0">
+              <a:rPr lang="en-US" altLang="zh-CN" sz="1000" dirty="0">
                 <a:solidFill>
                   <a:schemeClr val="bg1"/>
                 </a:solidFill>
@@ -8780,7 +8768,7 @@
               <a:t> &lt;= M; </a:t>
             </a:r>
             <a:r>
-              <a:rPr lang="en-US" altLang="zh-CN" sz="1000" dirty="0" err="1" smtClean="0">
+              <a:rPr lang="en-US" altLang="zh-CN" sz="1000" dirty="0" err="1">
                 <a:solidFill>
                   <a:schemeClr val="bg1"/>
                 </a:solidFill>
@@ -8788,7 +8776,7 @@
               <a:t>i</a:t>
             </a:r>
             <a:r>
-              <a:rPr lang="en-US" altLang="zh-CN" sz="1000" dirty="0" smtClean="0">
+              <a:rPr lang="en-US" altLang="zh-CN" sz="1000" dirty="0">
                 <a:solidFill>
                   <a:schemeClr val="bg1"/>
                 </a:solidFill>
@@ -8796,7 +8784,7 @@
               <a:t>++) G[</a:t>
             </a:r>
             <a:r>
-              <a:rPr lang="en-US" altLang="zh-CN" sz="1000" dirty="0" err="1" smtClean="0">
+              <a:rPr lang="en-US" altLang="zh-CN" sz="1000" dirty="0" err="1">
                 <a:solidFill>
                   <a:schemeClr val="bg1"/>
                 </a:solidFill>
@@ -8804,7 +8792,7 @@
               <a:t>i</a:t>
             </a:r>
             <a:r>
-              <a:rPr lang="en-US" altLang="zh-CN" sz="1000" dirty="0" smtClean="0">
+              <a:rPr lang="en-US" altLang="zh-CN" sz="1000" dirty="0">
                 <a:solidFill>
                   <a:schemeClr val="bg1"/>
                 </a:solidFill>
@@ -8814,7 +8802,7 @@
           </a:p>
           <a:p>
             <a:r>
-              <a:rPr lang="en-US" altLang="zh-CN" sz="1000" dirty="0" smtClean="0">
+              <a:rPr lang="en-US" altLang="zh-CN" sz="1000" dirty="0">
                 <a:solidFill>
                   <a:schemeClr val="bg1"/>
                 </a:solidFill>
@@ -8824,7 +8812,7 @@
           </a:p>
           <a:p>
             <a:r>
-              <a:rPr lang="en-US" altLang="zh-CN" sz="1000" dirty="0" smtClean="0">
+              <a:rPr lang="en-US" altLang="zh-CN" sz="1000" dirty="0">
                 <a:solidFill>
                   <a:schemeClr val="bg1"/>
                 </a:solidFill>
@@ -8832,7 +8820,7 @@
               <a:t>   	</a:t>
             </a:r>
             <a:r>
-              <a:rPr lang="en-US" altLang="zh-CN" sz="1000" dirty="0" err="1" smtClean="0">
+              <a:rPr lang="en-US" altLang="zh-CN" sz="1000" dirty="0" err="1">
                 <a:solidFill>
                   <a:schemeClr val="bg1"/>
                 </a:solidFill>
@@ -8840,7 +8828,7 @@
               <a:t>Mul</a:t>
             </a:r>
             <a:r>
-              <a:rPr lang="en-US" altLang="zh-CN" sz="1000" dirty="0" smtClean="0">
+              <a:rPr lang="en-US" altLang="zh-CN" sz="1000" dirty="0">
                 <a:solidFill>
                   <a:schemeClr val="bg1"/>
                 </a:solidFill>
@@ -8850,7 +8838,7 @@
           </a:p>
           <a:p>
             <a:r>
-              <a:rPr lang="en-US" altLang="zh-CN" sz="1000" dirty="0" smtClean="0">
+              <a:rPr lang="en-US" altLang="zh-CN" sz="1000" dirty="0">
                 <a:solidFill>
                   <a:schemeClr val="bg1"/>
                 </a:solidFill>
@@ -8858,7 +8846,7 @@
               <a:t>   	for(</a:t>
             </a:r>
             <a:r>
-              <a:rPr lang="en-US" altLang="zh-CN" sz="1000" dirty="0" err="1" smtClean="0">
+              <a:rPr lang="en-US" altLang="zh-CN" sz="1000" dirty="0" err="1">
                 <a:solidFill>
                   <a:schemeClr val="bg1"/>
                 </a:solidFill>
@@ -8866,7 +8854,7 @@
               <a:t>int</a:t>
             </a:r>
             <a:r>
-              <a:rPr lang="en-US" altLang="zh-CN" sz="1000" dirty="0" smtClean="0">
+              <a:rPr lang="en-US" altLang="zh-CN" sz="1000" dirty="0">
                 <a:solidFill>
                   <a:schemeClr val="bg1"/>
                 </a:solidFill>
@@ -8874,7 +8862,7 @@
               <a:t> </a:t>
             </a:r>
             <a:r>
-              <a:rPr lang="en-US" altLang="zh-CN" sz="1000" dirty="0" err="1" smtClean="0">
+              <a:rPr lang="en-US" altLang="zh-CN" sz="1000" dirty="0" err="1">
                 <a:solidFill>
                   <a:schemeClr val="bg1"/>
                 </a:solidFill>
@@ -8882,7 +8870,7 @@
               <a:t>i</a:t>
             </a:r>
             <a:r>
-              <a:rPr lang="en-US" altLang="zh-CN" sz="1000" dirty="0" smtClean="0">
+              <a:rPr lang="en-US" altLang="zh-CN" sz="1000" dirty="0">
                 <a:solidFill>
                   <a:schemeClr val="bg1"/>
                 </a:solidFill>
@@ -8890,7 +8878,7 @@
               <a:t> = 0; </a:t>
             </a:r>
             <a:r>
-              <a:rPr lang="en-US" altLang="zh-CN" sz="1000" dirty="0" err="1" smtClean="0">
+              <a:rPr lang="en-US" altLang="zh-CN" sz="1000" dirty="0" err="1">
                 <a:solidFill>
                   <a:schemeClr val="bg1"/>
                 </a:solidFill>
@@ -8898,7 +8886,7 @@
               <a:t>i</a:t>
             </a:r>
             <a:r>
-              <a:rPr lang="en-US" altLang="zh-CN" sz="1000" dirty="0" smtClean="0">
+              <a:rPr lang="en-US" altLang="zh-CN" sz="1000" dirty="0">
                 <a:solidFill>
                   <a:schemeClr val="bg1"/>
                 </a:solidFill>
@@ -8906,7 +8894,7 @@
               <a:t> &lt;= N + M; </a:t>
             </a:r>
             <a:r>
-              <a:rPr lang="en-US" altLang="zh-CN" sz="1000" dirty="0" err="1" smtClean="0">
+              <a:rPr lang="en-US" altLang="zh-CN" sz="1000" dirty="0" err="1">
                 <a:solidFill>
                   <a:schemeClr val="bg1"/>
                 </a:solidFill>
@@ -8914,7 +8902,7 @@
               <a:t>i</a:t>
             </a:r>
             <a:r>
-              <a:rPr lang="en-US" altLang="zh-CN" sz="1000" dirty="0" smtClean="0">
+              <a:rPr lang="en-US" altLang="zh-CN" sz="1000" dirty="0">
                 <a:solidFill>
                   <a:schemeClr val="bg1"/>
                 </a:solidFill>
@@ -8922,7 +8910,7 @@
               <a:t>++) print(R[</a:t>
             </a:r>
             <a:r>
-              <a:rPr lang="en-US" altLang="zh-CN" sz="1000" dirty="0" err="1" smtClean="0">
+              <a:rPr lang="en-US" altLang="zh-CN" sz="1000" dirty="0" err="1">
                 <a:solidFill>
                   <a:schemeClr val="bg1"/>
                 </a:solidFill>
@@ -8930,7 +8918,7 @@
               <a:t>i</a:t>
             </a:r>
             <a:r>
-              <a:rPr lang="en-US" altLang="zh-CN" sz="1000" dirty="0" smtClean="0">
+              <a:rPr lang="en-US" altLang="zh-CN" sz="1000" dirty="0">
                 <a:solidFill>
                   <a:schemeClr val="bg1"/>
                 </a:solidFill>
@@ -8940,7 +8928,7 @@
           </a:p>
           <a:p>
             <a:r>
-              <a:rPr lang="en-US" altLang="zh-CN" sz="1000" dirty="0" smtClean="0">
+              <a:rPr lang="en-US" altLang="zh-CN" sz="1000" dirty="0">
                 <a:solidFill>
                   <a:schemeClr val="bg1"/>
                 </a:solidFill>
@@ -8948,7 +8936,7 @@
               <a:t>    </a:t>
             </a:r>
             <a:r>
-              <a:rPr lang="en-US" altLang="zh-CN" sz="1000" dirty="0" err="1" smtClean="0">
+              <a:rPr lang="en-US" altLang="zh-CN" sz="1000" dirty="0" err="1">
                 <a:solidFill>
                   <a:schemeClr val="bg1"/>
                 </a:solidFill>
@@ -8956,7 +8944,7 @@
               <a:t>fwrite</a:t>
             </a:r>
             <a:r>
-              <a:rPr lang="en-US" altLang="zh-CN" sz="1000" dirty="0" smtClean="0">
+              <a:rPr lang="en-US" altLang="zh-CN" sz="1000" dirty="0">
                 <a:solidFill>
                   <a:schemeClr val="bg1"/>
                 </a:solidFill>
@@ -8964,7 +8952,7 @@
               <a:t>(</a:t>
             </a:r>
             <a:r>
-              <a:rPr lang="en-US" altLang="zh-CN" sz="1000" dirty="0" err="1" smtClean="0">
+              <a:rPr lang="en-US" altLang="zh-CN" sz="1000" dirty="0" err="1">
                 <a:solidFill>
                   <a:schemeClr val="bg1"/>
                 </a:solidFill>
@@ -8972,7 +8960,7 @@
               <a:t>obuf</a:t>
             </a:r>
             <a:r>
-              <a:rPr lang="en-US" altLang="zh-CN" sz="1000" dirty="0" smtClean="0">
+              <a:rPr lang="en-US" altLang="zh-CN" sz="1000" dirty="0">
                 <a:solidFill>
                   <a:schemeClr val="bg1"/>
                 </a:solidFill>
@@ -8980,7 +8968,7 @@
               <a:t>, O-</a:t>
             </a:r>
             <a:r>
-              <a:rPr lang="en-US" altLang="zh-CN" sz="1000" dirty="0" err="1" smtClean="0">
+              <a:rPr lang="en-US" altLang="zh-CN" sz="1000" dirty="0" err="1">
                 <a:solidFill>
                   <a:schemeClr val="bg1"/>
                 </a:solidFill>
@@ -8988,7 +8976,7 @@
               <a:t>obuf</a:t>
             </a:r>
             <a:r>
-              <a:rPr lang="en-US" altLang="zh-CN" sz="1000" dirty="0" smtClean="0">
+              <a:rPr lang="en-US" altLang="zh-CN" sz="1000" dirty="0">
                 <a:solidFill>
                   <a:schemeClr val="bg1"/>
                 </a:solidFill>
@@ -8996,7 +8984,7 @@
               <a:t>, 1 , </a:t>
             </a:r>
             <a:r>
-              <a:rPr lang="en-US" altLang="zh-CN" sz="1000" dirty="0" err="1" smtClean="0">
+              <a:rPr lang="en-US" altLang="zh-CN" sz="1000" dirty="0" err="1">
                 <a:solidFill>
                   <a:schemeClr val="bg1"/>
                 </a:solidFill>
@@ -9004,7 +8992,7 @@
               <a:t>stdout</a:t>
             </a:r>
             <a:r>
-              <a:rPr lang="en-US" altLang="zh-CN" sz="1000" dirty="0" smtClean="0">
+              <a:rPr lang="en-US" altLang="zh-CN" sz="1000" dirty="0">
                 <a:solidFill>
                   <a:schemeClr val="bg1"/>
                 </a:solidFill>
@@ -9014,7 +9002,7 @@
           </a:p>
           <a:p>
             <a:r>
-              <a:rPr lang="en-US" altLang="zh-CN" sz="1000" dirty="0" smtClean="0">
+              <a:rPr lang="en-US" altLang="zh-CN" sz="1000" dirty="0">
                 <a:solidFill>
                   <a:schemeClr val="bg1"/>
                 </a:solidFill>
@@ -9024,7 +9012,7 @@
           </a:p>
           <a:p>
             <a:r>
-              <a:rPr lang="en-US" altLang="zh-CN" sz="1000" dirty="0" smtClean="0">
+              <a:rPr lang="en-US" altLang="zh-CN" sz="1000" dirty="0">
                 <a:solidFill>
                   <a:schemeClr val="bg1"/>
                 </a:solidFill>
@@ -9044,13 +9032,6 @@
   <p:clrMapOvr>
     <a:masterClrMapping/>
   </p:clrMapOvr>
-  <p:timing>
-    <p:tnLst>
-      <p:par>
-        <p:cTn id="1" dur="indefinite" restart="never" nodeType="tmRoot"/>
-      </p:par>
-    </p:tnLst>
-  </p:timing>
 </p:sld>
 </file>
 
@@ -9087,11 +9068,11 @@
           <a:lstStyle/>
           <a:p>
             <a:r>
-              <a:rPr lang="zh-CN" altLang="en-US" dirty="0" smtClean="0"/>
+              <a:rPr lang="zh-CN" altLang="en-US" dirty="0"/>
               <a:t>任意模数</a:t>
             </a:r>
             <a:r>
-              <a:rPr lang="en-US" altLang="zh-CN" dirty="0" smtClean="0"/>
+              <a:rPr lang="en-US" altLang="zh-CN" dirty="0"/>
               <a:t>NTT</a:t>
             </a:r>
             <a:endParaRPr lang="zh-CN" altLang="en-US" dirty="0"/>
@@ -9124,10 +9105,10 @@
               <a:buNone/>
             </a:pPr>
             <a:r>
-              <a:rPr lang="zh-CN" altLang="en-US" sz="1400" dirty="0" smtClean="0"/>
+              <a:rPr lang="zh-CN" altLang="en-US" sz="1400" dirty="0"/>
               <a:t>直接中国剩余定理合并即可</a:t>
             </a:r>
-            <a:endParaRPr lang="en-US" altLang="zh-CN" sz="1400" dirty="0" smtClean="0"/>
+            <a:endParaRPr lang="en-US" altLang="zh-CN" sz="1400" dirty="0"/>
           </a:p>
           <a:p>
             <a:pPr>
@@ -9175,13 +9156,6 @@
   <p:clrMapOvr>
     <a:masterClrMapping/>
   </p:clrMapOvr>
-  <p:timing>
-    <p:tnLst>
-      <p:par>
-        <p:cTn id="1" dur="indefinite" restart="never" nodeType="tmRoot"/>
-      </p:par>
-    </p:tnLst>
-  </p:timing>
 </p:sld>
 </file>
 
@@ -9218,10 +9192,9 @@
           <a:lstStyle/>
           <a:p>
             <a:r>
-              <a:rPr lang="zh-CN" altLang="en-US" dirty="0" smtClean="0"/>
+              <a:rPr lang="zh-CN" altLang="en-US" dirty="0"/>
               <a:t>代码实现</a:t>
             </a:r>
-            <a:endParaRPr lang="zh-CN" altLang="en-US" dirty="0"/>
           </a:p>
         </p:txBody>
       </p:sp>
@@ -10842,13 +10815,6 @@
   <p:clrMapOvr>
     <a:masterClrMapping/>
   </p:clrMapOvr>
-  <p:timing>
-    <p:tnLst>
-      <p:par>
-        <p:cTn id="1" dur="indefinite" restart="never" nodeType="tmRoot"/>
-      </p:par>
-    </p:tnLst>
-  </p:timing>
 </p:sld>
 </file>
 
@@ -10930,13 +10896,6 @@
   <p:clrMapOvr>
     <a:masterClrMapping/>
   </p:clrMapOvr>
-  <p:timing>
-    <p:tnLst>
-      <p:par>
-        <p:cTn id="1" dur="indefinite" restart="never" nodeType="tmRoot"/>
-      </p:par>
-    </p:tnLst>
-  </p:timing>
 </p:sld>
 </file>
 
@@ -11018,13 +10977,6 @@
   <p:clrMapOvr>
     <a:masterClrMapping/>
   </p:clrMapOvr>
-  <p:timing>
-    <p:tnLst>
-      <p:par>
-        <p:cTn id="1" dur="indefinite" restart="never" nodeType="tmRoot"/>
-      </p:par>
-    </p:tnLst>
-  </p:timing>
 </p:sld>
 </file>
 
@@ -11078,10 +11030,9 @@
           <a:lstStyle/>
           <a:p>
             <a:r>
-              <a:rPr lang="zh-CN" altLang="en-US" sz="9600" dirty="0" smtClean="0"/>
+              <a:rPr lang="zh-CN" altLang="en-US" sz="9600" dirty="0"/>
               <a:t>前方高能</a:t>
             </a:r>
-            <a:endParaRPr lang="zh-CN" altLang="en-US" sz="9600" dirty="0"/>
           </a:p>
         </p:txBody>
       </p:sp>
@@ -11095,13 +11046,6 @@
   <p:clrMapOvr>
     <a:masterClrMapping/>
   </p:clrMapOvr>
-  <p:timing>
-    <p:tnLst>
-      <p:par>
-        <p:cTn id="1" dur="indefinite" restart="never" nodeType="tmRoot"/>
-      </p:par>
-    </p:tnLst>
-  </p:timing>
 </p:sld>
 </file>
 
@@ -11138,10 +11082,9 @@
           <a:lstStyle/>
           <a:p>
             <a:r>
-              <a:rPr lang="zh-CN" altLang="en-US" dirty="0" smtClean="0"/>
+              <a:rPr lang="zh-CN" altLang="en-US" dirty="0"/>
               <a:t>导数</a:t>
             </a:r>
-            <a:endParaRPr lang="zh-CN" altLang="en-US" dirty="0"/>
           </a:p>
         </p:txBody>
       </p:sp>
@@ -11166,17 +11109,17 @@
           <a:lstStyle/>
           <a:p>
             <a:r>
-              <a:rPr lang="zh-CN" altLang="en-US" dirty="0" smtClean="0"/>
+              <a:rPr lang="zh-CN" altLang="en-US" dirty="0"/>
               <a:t>一阶导数：斜率</a:t>
             </a:r>
-            <a:endParaRPr lang="en-US" altLang="zh-CN" dirty="0" smtClean="0"/>
-          </a:p>
-          <a:p>
-            <a:r>
-              <a:rPr lang="zh-CN" altLang="en-US" dirty="0" smtClean="0"/>
+            <a:endParaRPr lang="en-US" altLang="zh-CN" dirty="0"/>
+          </a:p>
+          <a:p>
+            <a:r>
+              <a:rPr lang="zh-CN" altLang="en-US" dirty="0"/>
               <a:t>二阶导数：凹凸性</a:t>
             </a:r>
-            <a:endParaRPr lang="en-US" altLang="zh-CN" dirty="0" smtClean="0"/>
+            <a:endParaRPr lang="en-US" altLang="zh-CN" dirty="0"/>
           </a:p>
           <a:p>
             <a:pPr marL="0" indent="0">
@@ -11237,13 +11180,6 @@
   <p:clrMapOvr>
     <a:masterClrMapping/>
   </p:clrMapOvr>
-  <p:timing>
-    <p:tnLst>
-      <p:par>
-        <p:cTn id="1" dur="indefinite" restart="never" nodeType="tmRoot"/>
-      </p:par>
-    </p:tnLst>
-  </p:timing>
 </p:sld>
 </file>
 
@@ -11410,13 +11346,6 @@
   <p:clrMapOvr>
     <a:masterClrMapping/>
   </p:clrMapOvr>
-  <p:timing>
-    <p:tnLst>
-      <p:par>
-        <p:cTn id="1" dur="indefinite" restart="never" nodeType="tmRoot"/>
-      </p:par>
-    </p:tnLst>
-  </p:timing>
 </p:sld>
 </file>
 
@@ -11454,13 +11383,8 @@
           <a:p>
             <a:r>
               <a:rPr lang="zh-CN" altLang="en-US" dirty="0"/>
-              <a:t>泰</a:t>
-            </a:r>
-            <a:r>
-              <a:rPr lang="zh-CN" altLang="en-US" dirty="0" smtClean="0"/>
-              <a:t>勒展开</a:t>
-            </a:r>
-            <a:endParaRPr lang="zh-CN" altLang="en-US" dirty="0"/>
+              <a:t>泰勒展开</a:t>
+            </a:r>
           </a:p>
         </p:txBody>
       </p:sp>
@@ -11567,13 +11491,6 @@
   <p:clrMapOvr>
     <a:masterClrMapping/>
   </p:clrMapOvr>
-  <p:timing>
-    <p:tnLst>
-      <p:par>
-        <p:cTn id="1" dur="indefinite" restart="never" nodeType="tmRoot"/>
-      </p:par>
-    </p:tnLst>
-  </p:timing>
 </p:sld>
 </file>
 
@@ -11746,7 +11663,7 @@
           <a:graphicData uri="http://schemas.openxmlformats.org/presentationml/2006/ole">
             <mc:AlternateContent xmlns:mc="http://schemas.openxmlformats.org/markup-compatibility/2006">
               <mc:Choice xmlns:v="urn:schemas-microsoft-com:vml" Requires="v">
-                <p:oleObj spid="_x0000_s1032" r:id="rId4" imgW="914400" imgH="215640" progId="Equation.3">
+                <p:oleObj spid="_x0000_s1033" r:id="rId4" imgW="914400" imgH="215640" progId="Equation.3">
                   <p:embed/>
                 </p:oleObj>
               </mc:Choice>
@@ -12900,12 +12817,6 @@
           </a:bodyPr>
           <a:lstStyle/>
           <a:p>
-            <a:r>
-              <a:rPr lang="zh-CN" altLang="en-US" dirty="0">
-                <a:hlinkClick r:id="rId2"/>
-              </a:rPr>
-              <a:t/>
-            </a:r>
             <a:br>
               <a:rPr lang="zh-CN" altLang="en-US" dirty="0">
                 <a:hlinkClick r:id="rId2"/>
@@ -12916,10 +12827,6 @@
                 <a:hlinkClick r:id="rId2"/>
               </a:rPr>
               <a:t>多项式牛顿迭代法</a:t>
-            </a:r>
-            <a:r>
-              <a:rPr lang="zh-CN" altLang="en-US" dirty="0"/>
-              <a:t/>
             </a:r>
             <a:br>
               <a:rPr lang="zh-CN" altLang="en-US" dirty="0"/>
@@ -13012,13 +12919,6 @@
   <p:clrMapOvr>
     <a:masterClrMapping/>
   </p:clrMapOvr>
-  <p:timing>
-    <p:tnLst>
-      <p:par>
-        <p:cTn id="1" dur="indefinite" restart="never" nodeType="tmRoot"/>
-      </p:par>
-    </p:tnLst>
-  </p:timing>
 </p:sld>
 </file>
 
@@ -13061,10 +12961,6 @@
                 <a:hlinkClick r:id="rId2"/>
               </a:rPr>
               <a:t>多项式开根</a:t>
-            </a:r>
-            <a:r>
-              <a:rPr lang="zh-CN" altLang="en-US" dirty="0"/>
-              <a:t/>
             </a:r>
             <a:br>
               <a:rPr lang="zh-CN" altLang="en-US" dirty="0"/>
@@ -13109,13 +13005,6 @@
   <p:clrMapOvr>
     <a:masterClrMapping/>
   </p:clrMapOvr>
-  <p:timing>
-    <p:tnLst>
-      <p:par>
-        <p:cTn id="1" dur="indefinite" restart="never" nodeType="tmRoot"/>
-      </p:par>
-    </p:tnLst>
-  </p:timing>
 </p:sld>
 </file>
 
@@ -13155,16 +13044,10 @@
               <a:rPr lang="zh-CN" altLang="en-US" dirty="0">
                 <a:hlinkClick r:id="rId2"/>
               </a:rPr>
-              <a:t>多项式对数与</a:t>
-            </a:r>
-            <a:r>
-              <a:rPr lang="zh-CN" altLang="en-US" dirty="0" smtClean="0">
-                <a:hlinkClick r:id="rId2"/>
-              </a:rPr>
-              <a:t>多项式</a:t>
-            </a:r>
-            <a:r>
-              <a:rPr lang="en-US" altLang="zh-CN" dirty="0" err="1" smtClean="0">
+              <a:t>多项式对数与多项式</a:t>
+            </a:r>
+            <a:r>
+              <a:rPr lang="en-US" altLang="zh-CN" dirty="0" err="1">
                 <a:hlinkClick r:id="rId2"/>
               </a:rPr>
               <a:t>exp</a:t>
@@ -13233,13 +13116,6 @@
   <p:clrMapOvr>
     <a:masterClrMapping/>
   </p:clrMapOvr>
-  <p:timing>
-    <p:tnLst>
-      <p:par>
-        <p:cTn id="1" dur="indefinite" restart="never" nodeType="tmRoot"/>
-      </p:par>
-    </p:tnLst>
-  </p:timing>
 </p:sld>
 </file>
 
@@ -13281,13 +13157,7 @@
               <a:rPr lang="zh-CN" altLang="en-US" dirty="0">
                 <a:hlinkClick r:id="rId2"/>
               </a:rPr>
-              <a:t>多项式</a:t>
-            </a:r>
-            <a:r>
-              <a:rPr lang="zh-CN" altLang="en-US" dirty="0" smtClean="0">
-                <a:hlinkClick r:id="rId2"/>
-              </a:rPr>
-              <a:t>幂函数</a:t>
+              <a:t>多项式幂函数</a:t>
             </a:r>
             <a:endParaRPr lang="zh-CN" altLang="en-US" dirty="0"/>
           </a:p>
@@ -13329,13 +13199,6 @@
   <p:clrMapOvr>
     <a:masterClrMapping/>
   </p:clrMapOvr>
-  <p:timing>
-    <p:tnLst>
-      <p:par>
-        <p:cTn id="1" dur="indefinite" restart="never" nodeType="tmRoot"/>
-      </p:par>
-    </p:tnLst>
-  </p:timing>
 </p:sld>
 </file>
 
@@ -13415,13 +13278,6 @@
   <p:clrMapOvr>
     <a:masterClrMapping/>
   </p:clrMapOvr>
-  <p:timing>
-    <p:tnLst>
-      <p:par>
-        <p:cTn id="1" dur="indefinite" restart="never" nodeType="tmRoot"/>
-      </p:par>
-    </p:tnLst>
-  </p:timing>
 </p:sld>
 </file>
 
@@ -13503,13 +13359,6 @@
   <p:clrMapOvr>
     <a:masterClrMapping/>
   </p:clrMapOvr>
-  <p:timing>
-    <p:tnLst>
-      <p:par>
-        <p:cTn id="1" dur="indefinite" restart="never" nodeType="tmRoot"/>
-      </p:par>
-    </p:tnLst>
-  </p:timing>
 </p:sld>
 </file>
 
@@ -13585,13 +13434,6 @@
   <p:clrMapOvr>
     <a:masterClrMapping/>
   </p:clrMapOvr>
-  <p:timing>
-    <p:tnLst>
-      <p:par>
-        <p:cTn id="1" dur="indefinite" restart="never" nodeType="tmRoot"/>
-      </p:par>
-    </p:tnLst>
-  </p:timing>
 </p:sld>
 </file>
 
@@ -13648,13 +13490,6 @@
   <p:clrMapOvr>
     <a:masterClrMapping/>
   </p:clrMapOvr>
-  <p:timing>
-    <p:tnLst>
-      <p:par>
-        <p:cTn id="1" dur="indefinite" restart="never" nodeType="tmRoot"/>
-      </p:par>
-    </p:tnLst>
-  </p:timing>
 </p:sld>
 </file>
 
@@ -14000,7 +13835,7 @@
           <a:lstStyle/>
           <a:p>
             <a:r>
-              <a:rPr lang="zh-CN" altLang="en-US" smtClean="0"/>
+              <a:rPr lang="zh-CN" altLang="en-US"/>
               <a:t>谢谢聆听</a:t>
             </a:r>
           </a:p>
@@ -14031,7 +13866,7 @@
               <a:defRPr/>
             </a:pPr>
             <a:r>
-              <a:rPr lang="en-US" altLang="zh-CN" smtClean="0"/>
+              <a:rPr lang="en-US" altLang="zh-CN"/>
               <a:t>THANK YOU FOR YOUR ATTENTION</a:t>
             </a:r>
           </a:p>
@@ -14075,13 +13910,6 @@
   <p:clrMapOvr>
     <a:masterClrMapping/>
   </p:clrMapOvr>
-  <p:timing>
-    <p:tnLst>
-      <p:par>
-        <p:cTn id="1" dur="indefinite" restart="never" nodeType="tmRoot"/>
-      </p:par>
-    </p:tnLst>
-  </p:timing>
 </p:sld>
 </file>
 
@@ -16328,11 +16156,11 @@
           <a:lstStyle/>
           <a:p>
             <a:r>
-              <a:rPr lang="zh-CN" altLang="en-US" dirty="0" smtClean="0"/>
+              <a:rPr lang="zh-CN" altLang="en-US" dirty="0"/>
               <a:t>快速傅里叶变换</a:t>
             </a:r>
             <a:r>
-              <a:rPr lang="en-US" altLang="zh-CN" dirty="0" smtClean="0"/>
+              <a:rPr lang="en-US" altLang="zh-CN" dirty="0"/>
               <a:t>(DFT)</a:t>
             </a:r>
             <a:endParaRPr lang="zh-CN" altLang="en-US" dirty="0"/>
@@ -16560,7 +16388,7 @@
           <a:graphicData uri="http://schemas.openxmlformats.org/presentationml/2006/ole">
             <mc:AlternateContent xmlns:mc="http://schemas.openxmlformats.org/markup-compatibility/2006">
               <mc:Choice xmlns:v="urn:schemas-microsoft-com:vml" Requires="v">
-                <p:oleObj spid="_x0000_s16392" name="公式" r:id="rId8" imgW="114120" imgH="215640" progId="Equation.3">
+                <p:oleObj spid="_x0000_s16393" name="公式" r:id="rId8" imgW="114120" imgH="215640" progId="Equation.3">
                   <p:embed/>
                 </p:oleObj>
               </mc:Choice>
@@ -16622,13 +16450,6 @@
   <p:clrMapOvr>
     <a:masterClrMapping/>
   </p:clrMapOvr>
-  <p:timing>
-    <p:tnLst>
-      <p:par>
-        <p:cTn id="1" dur="indefinite" restart="never" nodeType="tmRoot"/>
-      </p:par>
-    </p:tnLst>
-  </p:timing>
 </p:sld>
 </file>
 
@@ -16665,11 +16486,11 @@
           <a:lstStyle/>
           <a:p>
             <a:r>
-              <a:rPr lang="zh-CN" altLang="en-US" dirty="0" smtClean="0"/>
+              <a:rPr lang="zh-CN" altLang="en-US" dirty="0"/>
               <a:t>快速傅里叶变换</a:t>
             </a:r>
             <a:r>
-              <a:rPr lang="en-US" altLang="zh-CN" dirty="0" smtClean="0"/>
+              <a:rPr lang="en-US" altLang="zh-CN" dirty="0"/>
               <a:t>(DFT)</a:t>
             </a:r>
             <a:endParaRPr lang="zh-CN" altLang="en-US" dirty="0"/>
@@ -16734,7 +16555,7 @@
           <a:lstStyle/>
           <a:p>
             <a:r>
-              <a:rPr lang="zh-CN" altLang="en-US" dirty="0" smtClean="0">
+              <a:rPr lang="zh-CN" altLang="en-US" dirty="0">
                 <a:solidFill>
                   <a:schemeClr val="bg1"/>
                 </a:solidFill>
@@ -16742,7 +16563,7 @@
               <a:t>不难发现</a:t>
             </a:r>
             <a:r>
-              <a:rPr lang="en-US" altLang="zh-CN" dirty="0" smtClean="0">
+              <a:rPr lang="en-US" altLang="zh-CN" dirty="0">
                 <a:solidFill>
                   <a:schemeClr val="bg1"/>
                 </a:solidFill>
@@ -16750,7 +16571,7 @@
               <a:t>A1</a:t>
             </a:r>
             <a:r>
-              <a:rPr lang="zh-CN" altLang="en-US" dirty="0" smtClean="0">
+              <a:rPr lang="zh-CN" altLang="en-US" dirty="0">
                 <a:solidFill>
                   <a:schemeClr val="bg1"/>
                 </a:solidFill>
@@ -16758,7 +16579,7 @@
               <a:t>与</a:t>
             </a:r>
             <a:r>
-              <a:rPr lang="en-US" altLang="zh-CN" dirty="0" smtClean="0">
+              <a:rPr lang="en-US" altLang="zh-CN" dirty="0">
                 <a:solidFill>
                   <a:schemeClr val="bg1"/>
                 </a:solidFill>
@@ -16766,14 +16587,14 @@
               <a:t>A2</a:t>
             </a:r>
             <a:r>
-              <a:rPr lang="zh-CN" altLang="en-US" dirty="0" smtClean="0">
+              <a:rPr lang="zh-CN" altLang="en-US" dirty="0">
                 <a:solidFill>
                   <a:schemeClr val="bg1"/>
                 </a:solidFill>
               </a:rPr>
               <a:t>只有常数项不同</a:t>
             </a:r>
-            <a:endParaRPr lang="en-US" altLang="zh-CN" dirty="0" smtClean="0">
+            <a:endParaRPr lang="en-US" altLang="zh-CN" dirty="0">
               <a:solidFill>
                 <a:schemeClr val="bg1"/>
               </a:solidFill>
@@ -16781,7 +16602,7 @@
           </a:p>
           <a:p>
             <a:r>
-              <a:rPr lang="zh-CN" altLang="en-US" dirty="0" smtClean="0">
+              <a:rPr lang="zh-CN" altLang="en-US" dirty="0">
                 <a:solidFill>
                   <a:schemeClr val="bg1"/>
                 </a:solidFill>
@@ -17122,11 +16943,11 @@
           <a:lstStyle/>
           <a:p>
             <a:r>
-              <a:rPr lang="zh-CN" altLang="en-US" dirty="0" smtClean="0"/>
+              <a:rPr lang="zh-CN" altLang="en-US" dirty="0"/>
               <a:t>快速傅里叶逆变换</a:t>
             </a:r>
             <a:r>
-              <a:rPr lang="en-US" altLang="zh-CN" dirty="0" smtClean="0"/>
+              <a:rPr lang="en-US" altLang="zh-CN" dirty="0"/>
               <a:t>(IDFT)</a:t>
             </a:r>
             <a:endParaRPr lang="zh-CN" altLang="en-US" dirty="0"/>
@@ -17191,7 +17012,7 @@
           <a:lstStyle/>
           <a:p>
             <a:r>
-              <a:rPr lang="zh-CN" altLang="en-US" dirty="0" smtClean="0">
+              <a:rPr lang="zh-CN" altLang="en-US" dirty="0">
                 <a:solidFill>
                   <a:schemeClr val="bg1"/>
                 </a:solidFill>
@@ -17199,7 +17020,7 @@
               <a:t>将       带入后对所有点值除以</a:t>
             </a:r>
             <a:r>
-              <a:rPr lang="en-US" altLang="zh-CN" dirty="0" smtClean="0">
+              <a:rPr lang="en-US" altLang="zh-CN" dirty="0">
                 <a:solidFill>
                   <a:schemeClr val="bg1"/>
                 </a:solidFill>
@@ -17207,18 +17028,13 @@
               <a:t>N</a:t>
             </a:r>
             <a:r>
-              <a:rPr lang="zh-CN" altLang="en-US" dirty="0" smtClean="0">
+              <a:rPr lang="zh-CN" altLang="en-US" dirty="0">
                 <a:solidFill>
                   <a:schemeClr val="bg1"/>
                 </a:solidFill>
               </a:rPr>
               <a:t>即可</a:t>
             </a:r>
-            <a:endParaRPr lang="zh-CN" altLang="en-US" dirty="0">
-              <a:solidFill>
-                <a:schemeClr val="bg1"/>
-              </a:solidFill>
-            </a:endParaRPr>
           </a:p>
         </p:txBody>
       </p:sp>
@@ -17227,13 +17043,6 @@
   <p:clrMapOvr>
     <a:masterClrMapping/>
   </p:clrMapOvr>
-  <p:timing>
-    <p:tnLst>
-      <p:par>
-        <p:cTn id="1" dur="indefinite" restart="never" nodeType="tmRoot"/>
-      </p:par>
-    </p:tnLst>
-  </p:timing>
 </p:sld>
 </file>
 
@@ -17270,10 +17079,9 @@
           <a:lstStyle/>
           <a:p>
             <a:r>
-              <a:rPr lang="zh-CN" altLang="en-US" dirty="0" smtClean="0"/>
+              <a:rPr lang="zh-CN" altLang="en-US" dirty="0"/>
               <a:t>代码实现</a:t>
             </a:r>
-            <a:endParaRPr lang="zh-CN" altLang="en-US" dirty="0"/>
           </a:p>
         </p:txBody>
       </p:sp>
@@ -17303,7 +17111,7 @@
               <a:buNone/>
             </a:pPr>
             <a:r>
-              <a:rPr lang="en-US" altLang="zh-CN" dirty="0" smtClean="0"/>
+              <a:rPr lang="en-US" altLang="zh-CN" dirty="0"/>
               <a:t>// luogu-judger-enable-o2</a:t>
             </a:r>
           </a:p>
@@ -17312,7 +17120,7 @@
               <a:buNone/>
             </a:pPr>
             <a:r>
-              <a:rPr lang="en-US" altLang="zh-CN" dirty="0" smtClean="0"/>
+              <a:rPr lang="en-US" altLang="zh-CN" dirty="0"/>
               <a:t>// luogu-judger-enable-o2</a:t>
             </a:r>
           </a:p>
@@ -17321,15 +17129,15 @@
               <a:buNone/>
             </a:pPr>
             <a:r>
-              <a:rPr lang="en-US" altLang="zh-CN" dirty="0" smtClean="0"/>
+              <a:rPr lang="en-US" altLang="zh-CN" dirty="0"/>
               <a:t>#include&lt;</a:t>
             </a:r>
             <a:r>
-              <a:rPr lang="en-US" altLang="zh-CN" dirty="0" err="1" smtClean="0"/>
+              <a:rPr lang="en-US" altLang="zh-CN" dirty="0" err="1"/>
               <a:t>cstdio</a:t>
             </a:r>
             <a:r>
-              <a:rPr lang="en-US" altLang="zh-CN" dirty="0" smtClean="0"/>
+              <a:rPr lang="en-US" altLang="zh-CN" dirty="0"/>
               <a:t>&gt;</a:t>
             </a:r>
           </a:p>
@@ -17338,7 +17146,7 @@
               <a:buNone/>
             </a:pPr>
             <a:r>
-              <a:rPr lang="en-US" altLang="zh-CN" dirty="0" smtClean="0"/>
+              <a:rPr lang="en-US" altLang="zh-CN" dirty="0"/>
               <a:t>#include&lt;algorithm&gt;</a:t>
             </a:r>
           </a:p>
@@ -17347,15 +17155,15 @@
               <a:buNone/>
             </a:pPr>
             <a:r>
-              <a:rPr lang="en-US" altLang="zh-CN" dirty="0" smtClean="0"/>
+              <a:rPr lang="en-US" altLang="zh-CN" dirty="0"/>
               <a:t>#include&lt;</a:t>
             </a:r>
             <a:r>
-              <a:rPr lang="en-US" altLang="zh-CN" dirty="0" err="1" smtClean="0"/>
+              <a:rPr lang="en-US" altLang="zh-CN" dirty="0" err="1"/>
               <a:t>cmath</a:t>
             </a:r>
             <a:r>
-              <a:rPr lang="en-US" altLang="zh-CN" dirty="0" smtClean="0"/>
+              <a:rPr lang="en-US" altLang="zh-CN" dirty="0"/>
               <a:t>&gt;</a:t>
             </a:r>
           </a:p>
@@ -17364,15 +17172,15 @@
               <a:buNone/>
             </a:pPr>
             <a:r>
-              <a:rPr lang="en-US" altLang="zh-CN" dirty="0" smtClean="0"/>
+              <a:rPr lang="en-US" altLang="zh-CN" dirty="0"/>
               <a:t>#define Pi </a:t>
             </a:r>
             <a:r>
-              <a:rPr lang="en-US" altLang="zh-CN" dirty="0" err="1" smtClean="0"/>
+              <a:rPr lang="en-US" altLang="zh-CN" dirty="0" err="1"/>
               <a:t>acos</a:t>
             </a:r>
             <a:r>
-              <a:rPr lang="en-US" altLang="zh-CN" dirty="0" smtClean="0"/>
+              <a:rPr lang="en-US" altLang="zh-CN" dirty="0"/>
               <a:t>(-1)</a:t>
             </a:r>
           </a:p>
@@ -17381,47 +17189,47 @@
               <a:buNone/>
             </a:pPr>
             <a:r>
-              <a:rPr lang="en-US" altLang="zh-CN" dirty="0" smtClean="0"/>
+              <a:rPr lang="en-US" altLang="zh-CN" dirty="0"/>
               <a:t>#define </a:t>
             </a:r>
             <a:r>
-              <a:rPr lang="en-US" altLang="zh-CN" dirty="0" err="1" smtClean="0"/>
+              <a:rPr lang="en-US" altLang="zh-CN" dirty="0" err="1"/>
               <a:t>getchar</a:t>
             </a:r>
             <a:r>
-              <a:rPr lang="en-US" altLang="zh-CN" dirty="0" smtClean="0"/>
+              <a:rPr lang="en-US" altLang="zh-CN" dirty="0"/>
               <a:t>() (p1 == p2 &amp;&amp; (p2 = (p1 = </a:t>
             </a:r>
             <a:r>
-              <a:rPr lang="en-US" altLang="zh-CN" dirty="0" err="1" smtClean="0"/>
+              <a:rPr lang="en-US" altLang="zh-CN" dirty="0" err="1"/>
               <a:t>buf</a:t>
             </a:r>
             <a:r>
-              <a:rPr lang="en-US" altLang="zh-CN" dirty="0" smtClean="0"/>
+              <a:rPr lang="en-US" altLang="zh-CN" dirty="0"/>
               <a:t>) + </a:t>
             </a:r>
             <a:r>
-              <a:rPr lang="en-US" altLang="zh-CN" dirty="0" err="1" smtClean="0"/>
+              <a:rPr lang="en-US" altLang="zh-CN" dirty="0" err="1"/>
               <a:t>fread</a:t>
             </a:r>
             <a:r>
-              <a:rPr lang="en-US" altLang="zh-CN" dirty="0" smtClean="0"/>
+              <a:rPr lang="en-US" altLang="zh-CN" dirty="0"/>
               <a:t>(</a:t>
             </a:r>
             <a:r>
-              <a:rPr lang="en-US" altLang="zh-CN" dirty="0" err="1" smtClean="0"/>
+              <a:rPr lang="en-US" altLang="zh-CN" dirty="0" err="1"/>
               <a:t>buf</a:t>
             </a:r>
             <a:r>
-              <a:rPr lang="en-US" altLang="zh-CN" dirty="0" smtClean="0"/>
+              <a:rPr lang="en-US" altLang="zh-CN" dirty="0"/>
               <a:t>, 1, 1 &lt;&lt; 21, </a:t>
             </a:r>
             <a:r>
-              <a:rPr lang="en-US" altLang="zh-CN" dirty="0" err="1" smtClean="0"/>
+              <a:rPr lang="en-US" altLang="zh-CN" dirty="0" err="1"/>
               <a:t>stdin</a:t>
             </a:r>
             <a:r>
-              <a:rPr lang="en-US" altLang="zh-CN" dirty="0" smtClean="0"/>
+              <a:rPr lang="en-US" altLang="zh-CN" dirty="0"/>
               <a:t>), p1 == p2) ? EOF : *p1++)</a:t>
             </a:r>
           </a:p>
@@ -17430,7 +17238,7 @@
               <a:buNone/>
             </a:pPr>
             <a:r>
-              <a:rPr lang="en-US" altLang="zh-CN" dirty="0" smtClean="0"/>
+              <a:rPr lang="en-US" altLang="zh-CN" dirty="0"/>
               <a:t>using namespace std;</a:t>
             </a:r>
           </a:p>
@@ -17439,15 +17247,15 @@
               <a:buNone/>
             </a:pPr>
             <a:r>
-              <a:rPr lang="en-US" altLang="zh-CN" dirty="0" smtClean="0"/>
+              <a:rPr lang="en-US" altLang="zh-CN" dirty="0"/>
               <a:t>const </a:t>
             </a:r>
             <a:r>
-              <a:rPr lang="en-US" altLang="zh-CN" dirty="0" err="1" smtClean="0"/>
+              <a:rPr lang="en-US" altLang="zh-CN" dirty="0" err="1"/>
               <a:t>int</a:t>
             </a:r>
             <a:r>
-              <a:rPr lang="en-US" altLang="zh-CN" dirty="0" smtClean="0"/>
+              <a:rPr lang="en-US" altLang="zh-CN" dirty="0"/>
               <a:t> MAXN = 4 * 1e6 + 10;</a:t>
             </a:r>
           </a:p>
@@ -17456,31 +17264,31 @@
               <a:buNone/>
             </a:pPr>
             <a:r>
-              <a:rPr lang="en-US" altLang="zh-CN" dirty="0" smtClean="0"/>
+              <a:rPr lang="en-US" altLang="zh-CN" dirty="0"/>
               <a:t>char </a:t>
             </a:r>
             <a:r>
-              <a:rPr lang="en-US" altLang="zh-CN" dirty="0" err="1" smtClean="0"/>
+              <a:rPr lang="en-US" altLang="zh-CN" dirty="0" err="1"/>
               <a:t>buf</a:t>
             </a:r>
             <a:r>
-              <a:rPr lang="en-US" altLang="zh-CN" dirty="0" smtClean="0"/>
+              <a:rPr lang="en-US" altLang="zh-CN" dirty="0"/>
               <a:t>[1 &lt;&lt; 21], *p1 = </a:t>
             </a:r>
             <a:r>
-              <a:rPr lang="en-US" altLang="zh-CN" dirty="0" err="1" smtClean="0"/>
+              <a:rPr lang="en-US" altLang="zh-CN" dirty="0" err="1"/>
               <a:t>buf</a:t>
             </a:r>
             <a:r>
-              <a:rPr lang="en-US" altLang="zh-CN" dirty="0" smtClean="0"/>
+              <a:rPr lang="en-US" altLang="zh-CN" dirty="0"/>
               <a:t>, *p2 = </a:t>
             </a:r>
             <a:r>
-              <a:rPr lang="en-US" altLang="zh-CN" dirty="0" err="1" smtClean="0"/>
+              <a:rPr lang="en-US" altLang="zh-CN" dirty="0" err="1"/>
               <a:t>buf</a:t>
             </a:r>
             <a:r>
-              <a:rPr lang="en-US" altLang="zh-CN" dirty="0" smtClean="0"/>
+              <a:rPr lang="en-US" altLang="zh-CN" dirty="0"/>
               <a:t>;</a:t>
             </a:r>
           </a:p>
@@ -17489,23 +17297,23 @@
               <a:buNone/>
             </a:pPr>
             <a:r>
-              <a:rPr lang="en-US" altLang="zh-CN" dirty="0" smtClean="0"/>
+              <a:rPr lang="en-US" altLang="zh-CN" dirty="0"/>
               <a:t>char </a:t>
             </a:r>
             <a:r>
-              <a:rPr lang="en-US" altLang="zh-CN" dirty="0" err="1" smtClean="0"/>
+              <a:rPr lang="en-US" altLang="zh-CN" dirty="0" err="1"/>
               <a:t>obuf</a:t>
             </a:r>
             <a:r>
-              <a:rPr lang="en-US" altLang="zh-CN" dirty="0" smtClean="0"/>
+              <a:rPr lang="en-US" altLang="zh-CN" dirty="0"/>
               <a:t>[1&lt;&lt;24], *O=</a:t>
             </a:r>
             <a:r>
-              <a:rPr lang="en-US" altLang="zh-CN" dirty="0" err="1" smtClean="0"/>
+              <a:rPr lang="en-US" altLang="zh-CN" dirty="0" err="1"/>
               <a:t>obuf</a:t>
             </a:r>
             <a:r>
-              <a:rPr lang="en-US" altLang="zh-CN" dirty="0" smtClean="0"/>
+              <a:rPr lang="en-US" altLang="zh-CN" dirty="0"/>
               <a:t>;</a:t>
             </a:r>
           </a:p>
@@ -17514,15 +17322,15 @@
               <a:buNone/>
             </a:pPr>
             <a:r>
-              <a:rPr lang="en-US" altLang="zh-CN" dirty="0" smtClean="0"/>
+              <a:rPr lang="en-US" altLang="zh-CN" dirty="0"/>
               <a:t>void print(</a:t>
             </a:r>
             <a:r>
-              <a:rPr lang="en-US" altLang="zh-CN" dirty="0" err="1" smtClean="0"/>
+              <a:rPr lang="en-US" altLang="zh-CN" dirty="0" err="1"/>
               <a:t>int</a:t>
             </a:r>
             <a:r>
-              <a:rPr lang="en-US" altLang="zh-CN" dirty="0" smtClean="0"/>
+              <a:rPr lang="en-US" altLang="zh-CN" dirty="0"/>
               <a:t> x) {</a:t>
             </a:r>
           </a:p>
@@ -17531,7 +17339,7 @@
               <a:buNone/>
             </a:pPr>
             <a:r>
-              <a:rPr lang="en-US" altLang="zh-CN" dirty="0" smtClean="0"/>
+              <a:rPr lang="en-US" altLang="zh-CN" dirty="0"/>
               <a:t>    if(x &gt; 9) print(x / 10);</a:t>
             </a:r>
           </a:p>
@@ -17540,7 +17348,7 @@
               <a:buNone/>
             </a:pPr>
             <a:r>
-              <a:rPr lang="en-US" altLang="zh-CN" dirty="0" smtClean="0"/>
+              <a:rPr lang="en-US" altLang="zh-CN" dirty="0"/>
               <a:t>    *O++ = x % 10 + '0';</a:t>
             </a:r>
           </a:p>
@@ -17549,7 +17357,7 @@
               <a:buNone/>
             </a:pPr>
             <a:r>
-              <a:rPr lang="en-US" altLang="zh-CN" dirty="0" smtClean="0"/>
+              <a:rPr lang="en-US" altLang="zh-CN" dirty="0"/>
               <a:t>}</a:t>
             </a:r>
           </a:p>
@@ -17558,15 +17366,15 @@
               <a:buNone/>
             </a:pPr>
             <a:r>
-              <a:rPr lang="en-US" altLang="zh-CN" dirty="0" smtClean="0"/>
+              <a:rPr lang="en-US" altLang="zh-CN" dirty="0"/>
               <a:t>inline </a:t>
             </a:r>
             <a:r>
-              <a:rPr lang="en-US" altLang="zh-CN" dirty="0" err="1" smtClean="0"/>
+              <a:rPr lang="en-US" altLang="zh-CN" dirty="0" err="1"/>
               <a:t>int</a:t>
             </a:r>
             <a:r>
-              <a:rPr lang="en-US" altLang="zh-CN" dirty="0" smtClean="0"/>
+              <a:rPr lang="en-US" altLang="zh-CN" dirty="0"/>
               <a:t> read() { </a:t>
             </a:r>
           </a:p>
@@ -17575,23 +17383,23 @@
               <a:buNone/>
             </a:pPr>
             <a:r>
-              <a:rPr lang="en-US" altLang="zh-CN" dirty="0" smtClean="0"/>
+              <a:rPr lang="en-US" altLang="zh-CN" dirty="0"/>
               <a:t>    char c = </a:t>
             </a:r>
             <a:r>
-              <a:rPr lang="en-US" altLang="zh-CN" dirty="0" err="1" smtClean="0"/>
+              <a:rPr lang="en-US" altLang="zh-CN" dirty="0" err="1"/>
               <a:t>getchar</a:t>
             </a:r>
             <a:r>
-              <a:rPr lang="en-US" altLang="zh-CN" dirty="0" smtClean="0"/>
+              <a:rPr lang="en-US" altLang="zh-CN" dirty="0"/>
               <a:t>(); </a:t>
             </a:r>
             <a:r>
-              <a:rPr lang="en-US" altLang="zh-CN" dirty="0" err="1" smtClean="0"/>
+              <a:rPr lang="en-US" altLang="zh-CN" dirty="0" err="1"/>
               <a:t>int</a:t>
             </a:r>
             <a:r>
-              <a:rPr lang="en-US" altLang="zh-CN" dirty="0" smtClean="0"/>
+              <a:rPr lang="en-US" altLang="zh-CN" dirty="0"/>
               <a:t> x = 0, f = 1;</a:t>
             </a:r>
           </a:p>
@@ -17600,15 +17408,15 @@
               <a:buNone/>
             </a:pPr>
             <a:r>
-              <a:rPr lang="en-US" altLang="zh-CN" dirty="0" smtClean="0"/>
+              <a:rPr lang="en-US" altLang="zh-CN" dirty="0"/>
               <a:t>    while(c &lt; '0' || c &gt; '9') {if(c == '-') f = -1; c = </a:t>
             </a:r>
             <a:r>
-              <a:rPr lang="en-US" altLang="zh-CN" dirty="0" err="1" smtClean="0"/>
+              <a:rPr lang="en-US" altLang="zh-CN" dirty="0" err="1"/>
               <a:t>getchar</a:t>
             </a:r>
             <a:r>
-              <a:rPr lang="en-US" altLang="zh-CN" dirty="0" smtClean="0"/>
+              <a:rPr lang="en-US" altLang="zh-CN" dirty="0"/>
               <a:t>();}</a:t>
             </a:r>
           </a:p>
@@ -17617,15 +17425,15 @@
               <a:buNone/>
             </a:pPr>
             <a:r>
-              <a:rPr lang="en-US" altLang="zh-CN" dirty="0" smtClean="0"/>
+              <a:rPr lang="en-US" altLang="zh-CN" dirty="0"/>
               <a:t>    while(c &gt;= '0' &amp;&amp; c &lt;= '9') x = x * 10 + c - '0', c = </a:t>
             </a:r>
             <a:r>
-              <a:rPr lang="en-US" altLang="zh-CN" dirty="0" err="1" smtClean="0"/>
+              <a:rPr lang="en-US" altLang="zh-CN" dirty="0" err="1"/>
               <a:t>getchar</a:t>
             </a:r>
             <a:r>
-              <a:rPr lang="en-US" altLang="zh-CN" dirty="0" smtClean="0"/>
+              <a:rPr lang="en-US" altLang="zh-CN" dirty="0"/>
               <a:t>();</a:t>
             </a:r>
           </a:p>
@@ -17634,7 +17442,7 @@
               <a:buNone/>
             </a:pPr>
             <a:r>
-              <a:rPr lang="en-US" altLang="zh-CN" dirty="0" smtClean="0"/>
+              <a:rPr lang="en-US" altLang="zh-CN" dirty="0"/>
               <a:t>    return x * f;</a:t>
             </a:r>
           </a:p>
@@ -17643,7 +17451,7 @@
               <a:buNone/>
             </a:pPr>
             <a:r>
-              <a:rPr lang="en-US" altLang="zh-CN" dirty="0" smtClean="0"/>
+              <a:rPr lang="en-US" altLang="zh-CN" dirty="0"/>
               <a:t>}</a:t>
             </a:r>
           </a:p>
@@ -17652,11 +17460,11 @@
               <a:buNone/>
             </a:pPr>
             <a:r>
-              <a:rPr lang="en-US" altLang="zh-CN" dirty="0" err="1" smtClean="0"/>
+              <a:rPr lang="en-US" altLang="zh-CN" dirty="0" err="1"/>
               <a:t>int</a:t>
             </a:r>
             <a:r>
-              <a:rPr lang="en-US" altLang="zh-CN" dirty="0" smtClean="0"/>
+              <a:rPr lang="en-US" altLang="zh-CN" dirty="0"/>
               <a:t> N, M, limit = 1, L;</a:t>
             </a:r>
           </a:p>
@@ -17665,11 +17473,11 @@
               <a:buNone/>
             </a:pPr>
             <a:r>
-              <a:rPr lang="en-US" altLang="zh-CN" dirty="0" err="1" smtClean="0"/>
+              <a:rPr lang="en-US" altLang="zh-CN" dirty="0" err="1"/>
               <a:t>struct</a:t>
             </a:r>
             <a:r>
-              <a:rPr lang="en-US" altLang="zh-CN" dirty="0" smtClean="0"/>
+              <a:rPr lang="en-US" altLang="zh-CN" dirty="0"/>
               <a:t> complex {</a:t>
             </a:r>
           </a:p>
@@ -17678,7 +17486,7 @@
               <a:buNone/>
             </a:pPr>
             <a:r>
-              <a:rPr lang="en-US" altLang="zh-CN" dirty="0" smtClean="0"/>
+              <a:rPr lang="en-US" altLang="zh-CN" dirty="0"/>
               <a:t>    double x, y;</a:t>
             </a:r>
           </a:p>
@@ -17687,23 +17495,23 @@
               <a:buNone/>
             </a:pPr>
             <a:r>
-              <a:rPr lang="en-US" altLang="zh-CN" dirty="0" smtClean="0"/>
+              <a:rPr lang="en-US" altLang="zh-CN" dirty="0"/>
               <a:t>    complex(double xx = 0, double </a:t>
             </a:r>
             <a:r>
-              <a:rPr lang="en-US" altLang="zh-CN" dirty="0" err="1" smtClean="0"/>
+              <a:rPr lang="en-US" altLang="zh-CN" dirty="0" err="1"/>
               <a:t>yy</a:t>
             </a:r>
             <a:r>
-              <a:rPr lang="en-US" altLang="zh-CN" dirty="0" smtClean="0"/>
+              <a:rPr lang="en-US" altLang="zh-CN" dirty="0"/>
               <a:t> = 0) {x = xx, y = </a:t>
             </a:r>
             <a:r>
-              <a:rPr lang="en-US" altLang="zh-CN" dirty="0" err="1" smtClean="0"/>
+              <a:rPr lang="en-US" altLang="zh-CN" dirty="0" err="1"/>
               <a:t>yy</a:t>
             </a:r>
             <a:r>
-              <a:rPr lang="en-US" altLang="zh-CN" dirty="0" smtClean="0"/>
+              <a:rPr lang="en-US" altLang="zh-CN" dirty="0"/>
               <a:t>;}</a:t>
             </a:r>
           </a:p>
@@ -17712,15 +17520,15 @@
               <a:buNone/>
             </a:pPr>
             <a:r>
-              <a:rPr lang="en-US" altLang="zh-CN" dirty="0" smtClean="0"/>
+              <a:rPr lang="en-US" altLang="zh-CN" dirty="0"/>
               <a:t>    complex operator + (const complex &amp;</a:t>
             </a:r>
             <a:r>
-              <a:rPr lang="en-US" altLang="zh-CN" dirty="0" err="1" smtClean="0"/>
+              <a:rPr lang="en-US" altLang="zh-CN" dirty="0" err="1"/>
               <a:t>rhs</a:t>
             </a:r>
             <a:r>
-              <a:rPr lang="en-US" altLang="zh-CN" dirty="0" smtClean="0"/>
+              <a:rPr lang="en-US" altLang="zh-CN" dirty="0"/>
               <a:t>) {</a:t>
             </a:r>
           </a:p>
@@ -17729,23 +17537,23 @@
               <a:buNone/>
             </a:pPr>
             <a:r>
-              <a:rPr lang="en-US" altLang="zh-CN" dirty="0" smtClean="0"/>
+              <a:rPr lang="en-US" altLang="zh-CN" dirty="0"/>
               <a:t>        return complex(x + </a:t>
             </a:r>
             <a:r>
-              <a:rPr lang="en-US" altLang="zh-CN" dirty="0" err="1" smtClean="0"/>
+              <a:rPr lang="en-US" altLang="zh-CN" dirty="0" err="1"/>
               <a:t>rhs.x</a:t>
             </a:r>
             <a:r>
-              <a:rPr lang="en-US" altLang="zh-CN" dirty="0" smtClean="0"/>
+              <a:rPr lang="en-US" altLang="zh-CN" dirty="0"/>
               <a:t>, y + </a:t>
             </a:r>
             <a:r>
-              <a:rPr lang="en-US" altLang="zh-CN" dirty="0" err="1" smtClean="0"/>
+              <a:rPr lang="en-US" altLang="zh-CN" dirty="0" err="1"/>
               <a:t>rhs.y</a:t>
             </a:r>
             <a:r>
-              <a:rPr lang="en-US" altLang="zh-CN" dirty="0" smtClean="0"/>
+              <a:rPr lang="en-US" altLang="zh-CN" dirty="0"/>
               <a:t>);</a:t>
             </a:r>
           </a:p>
@@ -17754,7 +17562,7 @@
               <a:buNone/>
             </a:pPr>
             <a:r>
-              <a:rPr lang="en-US" altLang="zh-CN" dirty="0" smtClean="0"/>
+              <a:rPr lang="en-US" altLang="zh-CN" dirty="0"/>
               <a:t>    }</a:t>
             </a:r>
           </a:p>
@@ -17763,15 +17571,15 @@
               <a:buNone/>
             </a:pPr>
             <a:r>
-              <a:rPr lang="en-US" altLang="zh-CN" dirty="0" smtClean="0"/>
+              <a:rPr lang="en-US" altLang="zh-CN" dirty="0"/>
               <a:t>    complex operator - (const complex &amp;</a:t>
             </a:r>
             <a:r>
-              <a:rPr lang="en-US" altLang="zh-CN" dirty="0" err="1" smtClean="0"/>
+              <a:rPr lang="en-US" altLang="zh-CN" dirty="0" err="1"/>
               <a:t>rhs</a:t>
             </a:r>
             <a:r>
-              <a:rPr lang="en-US" altLang="zh-CN" dirty="0" smtClean="0"/>
+              <a:rPr lang="en-US" altLang="zh-CN" dirty="0"/>
               <a:t>) {</a:t>
             </a:r>
           </a:p>
@@ -17780,23 +17588,23 @@
               <a:buNone/>
             </a:pPr>
             <a:r>
-              <a:rPr lang="en-US" altLang="zh-CN" dirty="0" smtClean="0"/>
+              <a:rPr lang="en-US" altLang="zh-CN" dirty="0"/>
               <a:t>        return complex(x - </a:t>
             </a:r>
             <a:r>
-              <a:rPr lang="en-US" altLang="zh-CN" dirty="0" err="1" smtClean="0"/>
+              <a:rPr lang="en-US" altLang="zh-CN" dirty="0" err="1"/>
               <a:t>rhs.x</a:t>
             </a:r>
             <a:r>
-              <a:rPr lang="en-US" altLang="zh-CN" dirty="0" smtClean="0"/>
+              <a:rPr lang="en-US" altLang="zh-CN" dirty="0"/>
               <a:t>, y - </a:t>
             </a:r>
             <a:r>
-              <a:rPr lang="en-US" altLang="zh-CN" dirty="0" err="1" smtClean="0"/>
+              <a:rPr lang="en-US" altLang="zh-CN" dirty="0" err="1"/>
               <a:t>rhs.y</a:t>
             </a:r>
             <a:r>
-              <a:rPr lang="en-US" altLang="zh-CN" dirty="0" smtClean="0"/>
+              <a:rPr lang="en-US" altLang="zh-CN" dirty="0"/>
               <a:t>);</a:t>
             </a:r>
           </a:p>
@@ -17805,7 +17613,7 @@
               <a:buNone/>
             </a:pPr>
             <a:r>
-              <a:rPr lang="en-US" altLang="zh-CN" dirty="0" smtClean="0"/>
+              <a:rPr lang="en-US" altLang="zh-CN" dirty="0"/>
               <a:t>    }</a:t>
             </a:r>
           </a:p>
@@ -17814,15 +17622,15 @@
               <a:buNone/>
             </a:pPr>
             <a:r>
-              <a:rPr lang="en-US" altLang="zh-CN" dirty="0" smtClean="0"/>
+              <a:rPr lang="en-US" altLang="zh-CN" dirty="0"/>
               <a:t>    complex operator * (const complex &amp;</a:t>
             </a:r>
             <a:r>
-              <a:rPr lang="en-US" altLang="zh-CN" dirty="0" err="1" smtClean="0"/>
+              <a:rPr lang="en-US" altLang="zh-CN" dirty="0" err="1"/>
               <a:t>rhs</a:t>
             </a:r>
             <a:r>
-              <a:rPr lang="en-US" altLang="zh-CN" dirty="0" smtClean="0"/>
+              <a:rPr lang="en-US" altLang="zh-CN" dirty="0"/>
               <a:t>) {</a:t>
             </a:r>
           </a:p>
@@ -17831,39 +17639,39 @@
               <a:buNone/>
             </a:pPr>
             <a:r>
-              <a:rPr lang="en-US" altLang="zh-CN" dirty="0" smtClean="0"/>
+              <a:rPr lang="en-US" altLang="zh-CN" dirty="0"/>
               <a:t>        return complex(x * </a:t>
             </a:r>
             <a:r>
-              <a:rPr lang="en-US" altLang="zh-CN" dirty="0" err="1" smtClean="0"/>
+              <a:rPr lang="en-US" altLang="zh-CN" dirty="0" err="1"/>
               <a:t>rhs.x</a:t>
             </a:r>
             <a:r>
-              <a:rPr lang="en-US" altLang="zh-CN" dirty="0" smtClean="0"/>
+              <a:rPr lang="en-US" altLang="zh-CN" dirty="0"/>
               <a:t> - y * </a:t>
             </a:r>
             <a:r>
-              <a:rPr lang="en-US" altLang="zh-CN" dirty="0" err="1" smtClean="0"/>
+              <a:rPr lang="en-US" altLang="zh-CN" dirty="0" err="1"/>
               <a:t>rhs.y</a:t>
             </a:r>
             <a:r>
-              <a:rPr lang="en-US" altLang="zh-CN" dirty="0" smtClean="0"/>
+              <a:rPr lang="en-US" altLang="zh-CN" dirty="0"/>
               <a:t>, x * </a:t>
             </a:r>
             <a:r>
-              <a:rPr lang="en-US" altLang="zh-CN" dirty="0" err="1" smtClean="0"/>
+              <a:rPr lang="en-US" altLang="zh-CN" dirty="0" err="1"/>
               <a:t>rhs.y</a:t>
             </a:r>
             <a:r>
-              <a:rPr lang="en-US" altLang="zh-CN" dirty="0" smtClean="0"/>
+              <a:rPr lang="en-US" altLang="zh-CN" dirty="0"/>
               <a:t> + y * </a:t>
             </a:r>
             <a:r>
-              <a:rPr lang="en-US" altLang="zh-CN" dirty="0" err="1" smtClean="0"/>
+              <a:rPr lang="en-US" altLang="zh-CN" dirty="0" err="1"/>
               <a:t>rhs.x</a:t>
             </a:r>
             <a:r>
-              <a:rPr lang="en-US" altLang="zh-CN" dirty="0" smtClean="0"/>
+              <a:rPr lang="en-US" altLang="zh-CN" dirty="0"/>
               <a:t>);</a:t>
             </a:r>
           </a:p>
@@ -17872,7 +17680,7 @@
               <a:buNone/>
             </a:pPr>
             <a:r>
-              <a:rPr lang="en-US" altLang="zh-CN" dirty="0" smtClean="0"/>
+              <a:rPr lang="en-US" altLang="zh-CN" dirty="0"/>
               <a:t>    }</a:t>
             </a:r>
           </a:p>
@@ -17881,7 +17689,7 @@
               <a:buNone/>
             </a:pPr>
             <a:r>
-              <a:rPr lang="en-US" altLang="zh-CN" dirty="0" smtClean="0"/>
+              <a:rPr lang="en-US" altLang="zh-CN" dirty="0"/>
               <a:t>}a[MAXN], b[MAXN];</a:t>
             </a:r>
           </a:p>
@@ -17890,11 +17698,11 @@
               <a:buNone/>
             </a:pPr>
             <a:r>
-              <a:rPr lang="en-US" altLang="zh-CN" dirty="0" err="1" smtClean="0"/>
+              <a:rPr lang="en-US" altLang="zh-CN" dirty="0" err="1"/>
               <a:t>int</a:t>
             </a:r>
             <a:r>
-              <a:rPr lang="en-US" altLang="zh-CN" dirty="0" smtClean="0"/>
+              <a:rPr lang="en-US" altLang="zh-CN" dirty="0"/>
               <a:t> r[MAXN];</a:t>
             </a:r>
           </a:p>
@@ -17903,15 +17711,15 @@
               <a:buNone/>
             </a:pPr>
             <a:r>
-              <a:rPr lang="en-US" altLang="zh-CN" dirty="0" smtClean="0"/>
+              <a:rPr lang="en-US" altLang="zh-CN" dirty="0"/>
               <a:t>void FFT(complex *A, </a:t>
             </a:r>
             <a:r>
-              <a:rPr lang="en-US" altLang="zh-CN" dirty="0" err="1" smtClean="0"/>
+              <a:rPr lang="en-US" altLang="zh-CN" dirty="0" err="1"/>
               <a:t>int</a:t>
             </a:r>
             <a:r>
-              <a:rPr lang="en-US" altLang="zh-CN" dirty="0" smtClean="0"/>
+              <a:rPr lang="en-US" altLang="zh-CN" dirty="0"/>
               <a:t> type) {</a:t>
             </a:r>
           </a:p>
@@ -17920,39 +17728,39 @@
               <a:buNone/>
             </a:pPr>
             <a:r>
-              <a:rPr lang="en-US" altLang="zh-CN" dirty="0" smtClean="0"/>
+              <a:rPr lang="en-US" altLang="zh-CN" dirty="0"/>
               <a:t>    for(</a:t>
             </a:r>
             <a:r>
-              <a:rPr lang="en-US" altLang="zh-CN" dirty="0" err="1" smtClean="0"/>
+              <a:rPr lang="en-US" altLang="zh-CN" dirty="0" err="1"/>
               <a:t>int</a:t>
             </a:r>
             <a:r>
-              <a:rPr lang="en-US" altLang="zh-CN" dirty="0" smtClean="0"/>
+              <a:rPr lang="en-US" altLang="zh-CN" dirty="0"/>
               <a:t> </a:t>
             </a:r>
             <a:r>
-              <a:rPr lang="en-US" altLang="zh-CN" dirty="0" err="1" smtClean="0"/>
+              <a:rPr lang="en-US" altLang="zh-CN" dirty="0" err="1"/>
               <a:t>i</a:t>
             </a:r>
             <a:r>
-              <a:rPr lang="en-US" altLang="zh-CN" dirty="0" smtClean="0"/>
+              <a:rPr lang="en-US" altLang="zh-CN" dirty="0"/>
               <a:t> = 0; </a:t>
             </a:r>
             <a:r>
-              <a:rPr lang="en-US" altLang="zh-CN" dirty="0" err="1" smtClean="0"/>
+              <a:rPr lang="en-US" altLang="zh-CN" dirty="0" err="1"/>
               <a:t>i</a:t>
             </a:r>
             <a:r>
-              <a:rPr lang="en-US" altLang="zh-CN" dirty="0" smtClean="0"/>
+              <a:rPr lang="en-US" altLang="zh-CN" dirty="0"/>
               <a:t> &lt; limit; </a:t>
             </a:r>
             <a:r>
-              <a:rPr lang="en-US" altLang="zh-CN" dirty="0" err="1" smtClean="0"/>
+              <a:rPr lang="en-US" altLang="zh-CN" dirty="0" err="1"/>
               <a:t>i</a:t>
             </a:r>
             <a:r>
-              <a:rPr lang="en-US" altLang="zh-CN" dirty="0" smtClean="0"/>
+              <a:rPr lang="en-US" altLang="zh-CN" dirty="0"/>
               <a:t>++) </a:t>
             </a:r>
           </a:p>
@@ -17961,39 +17769,39 @@
               <a:buNone/>
             </a:pPr>
             <a:r>
-              <a:rPr lang="en-US" altLang="zh-CN" dirty="0" smtClean="0"/>
+              <a:rPr lang="en-US" altLang="zh-CN" dirty="0"/>
               <a:t>        if(</a:t>
             </a:r>
             <a:r>
-              <a:rPr lang="en-US" altLang="zh-CN" dirty="0" err="1" smtClean="0"/>
+              <a:rPr lang="en-US" altLang="zh-CN" dirty="0" err="1"/>
               <a:t>i</a:t>
             </a:r>
             <a:r>
-              <a:rPr lang="en-US" altLang="zh-CN" dirty="0" smtClean="0"/>
+              <a:rPr lang="en-US" altLang="zh-CN" dirty="0"/>
               <a:t> &lt; r[</a:t>
             </a:r>
             <a:r>
-              <a:rPr lang="en-US" altLang="zh-CN" dirty="0" err="1" smtClean="0"/>
+              <a:rPr lang="en-US" altLang="zh-CN" dirty="0" err="1"/>
               <a:t>i</a:t>
             </a:r>
             <a:r>
-              <a:rPr lang="en-US" altLang="zh-CN" dirty="0" smtClean="0"/>
+              <a:rPr lang="en-US" altLang="zh-CN" dirty="0"/>
               <a:t>]) swap(A[</a:t>
             </a:r>
             <a:r>
-              <a:rPr lang="en-US" altLang="zh-CN" dirty="0" err="1" smtClean="0"/>
+              <a:rPr lang="en-US" altLang="zh-CN" dirty="0" err="1"/>
               <a:t>i</a:t>
             </a:r>
             <a:r>
-              <a:rPr lang="en-US" altLang="zh-CN" dirty="0" smtClean="0"/>
+              <a:rPr lang="en-US" altLang="zh-CN" dirty="0"/>
               <a:t>], A[r[</a:t>
             </a:r>
             <a:r>
-              <a:rPr lang="en-US" altLang="zh-CN" dirty="0" err="1" smtClean="0"/>
+              <a:rPr lang="en-US" altLang="zh-CN" dirty="0" err="1"/>
               <a:t>i</a:t>
             </a:r>
             <a:r>
-              <a:rPr lang="en-US" altLang="zh-CN" dirty="0" smtClean="0"/>
+              <a:rPr lang="en-US" altLang="zh-CN" dirty="0"/>
               <a:t>]]);</a:t>
             </a:r>
           </a:p>
@@ -18002,15 +17810,15 @@
               <a:buNone/>
             </a:pPr>
             <a:r>
-              <a:rPr lang="en-US" altLang="zh-CN" dirty="0" smtClean="0"/>
+              <a:rPr lang="en-US" altLang="zh-CN" dirty="0"/>
               <a:t>    for(</a:t>
             </a:r>
             <a:r>
-              <a:rPr lang="en-US" altLang="zh-CN" dirty="0" err="1" smtClean="0"/>
+              <a:rPr lang="en-US" altLang="zh-CN" dirty="0" err="1"/>
               <a:t>int</a:t>
             </a:r>
             <a:r>
-              <a:rPr lang="en-US" altLang="zh-CN" dirty="0" smtClean="0"/>
+              <a:rPr lang="en-US" altLang="zh-CN" dirty="0"/>
               <a:t> mid = 1; mid &lt; limit; mid &lt;&lt;= 1) {</a:t>
             </a:r>
           </a:p>
@@ -18019,23 +17827,23 @@
               <a:buNone/>
             </a:pPr>
             <a:r>
-              <a:rPr lang="en-US" altLang="zh-CN" dirty="0" smtClean="0"/>
+              <a:rPr lang="en-US" altLang="zh-CN" dirty="0"/>
               <a:t>        complex </a:t>
             </a:r>
             <a:r>
-              <a:rPr lang="en-US" altLang="zh-CN" dirty="0" err="1" smtClean="0"/>
+              <a:rPr lang="en-US" altLang="zh-CN" dirty="0" err="1"/>
               <a:t>Wn</a:t>
             </a:r>
             <a:r>
-              <a:rPr lang="en-US" altLang="zh-CN" dirty="0" smtClean="0"/>
+              <a:rPr lang="en-US" altLang="zh-CN" dirty="0"/>
               <a:t> = complex(</a:t>
             </a:r>
             <a:r>
-              <a:rPr lang="en-US" altLang="zh-CN" dirty="0" err="1" smtClean="0"/>
+              <a:rPr lang="en-US" altLang="zh-CN" dirty="0" err="1"/>
               <a:t>cos</a:t>
             </a:r>
             <a:r>
-              <a:rPr lang="en-US" altLang="zh-CN" dirty="0" smtClean="0"/>
+              <a:rPr lang="en-US" altLang="zh-CN" dirty="0"/>
               <a:t>(Pi / mid), type * sin(Pi / mid));</a:t>
             </a:r>
           </a:p>
@@ -18044,15 +17852,15 @@
               <a:buNone/>
             </a:pPr>
             <a:r>
-              <a:rPr lang="en-US" altLang="zh-CN" dirty="0" smtClean="0"/>
+              <a:rPr lang="en-US" altLang="zh-CN" dirty="0"/>
               <a:t>        for(</a:t>
             </a:r>
             <a:r>
-              <a:rPr lang="en-US" altLang="zh-CN" dirty="0" err="1" smtClean="0"/>
+              <a:rPr lang="en-US" altLang="zh-CN" dirty="0" err="1"/>
               <a:t>int</a:t>
             </a:r>
             <a:r>
-              <a:rPr lang="en-US" altLang="zh-CN" dirty="0" smtClean="0"/>
+              <a:rPr lang="en-US" altLang="zh-CN" dirty="0"/>
               <a:t> j = 0; j &lt; limit; j += mid &lt;&lt; 1) {</a:t>
             </a:r>
           </a:p>
@@ -18061,7 +17869,7 @@
               <a:buNone/>
             </a:pPr>
             <a:r>
-              <a:rPr lang="en-US" altLang="zh-CN" dirty="0" smtClean="0"/>
+              <a:rPr lang="en-US" altLang="zh-CN" dirty="0"/>
               <a:t>            complex w = complex(1, 0);</a:t>
             </a:r>
           </a:p>
@@ -18070,23 +17878,23 @@
               <a:buNone/>
             </a:pPr>
             <a:r>
-              <a:rPr lang="en-US" altLang="zh-CN" dirty="0" smtClean="0"/>
+              <a:rPr lang="en-US" altLang="zh-CN" dirty="0"/>
               <a:t>            for(</a:t>
             </a:r>
             <a:r>
-              <a:rPr lang="en-US" altLang="zh-CN" dirty="0" err="1" smtClean="0"/>
+              <a:rPr lang="en-US" altLang="zh-CN" dirty="0" err="1"/>
               <a:t>int</a:t>
             </a:r>
             <a:r>
-              <a:rPr lang="en-US" altLang="zh-CN" dirty="0" smtClean="0"/>
+              <a:rPr lang="en-US" altLang="zh-CN" dirty="0"/>
               <a:t> k = 0; k &lt; mid; k++, w = w * </a:t>
             </a:r>
             <a:r>
-              <a:rPr lang="en-US" altLang="zh-CN" dirty="0" err="1" smtClean="0"/>
+              <a:rPr lang="en-US" altLang="zh-CN" dirty="0" err="1"/>
               <a:t>Wn</a:t>
             </a:r>
             <a:r>
-              <a:rPr lang="en-US" altLang="zh-CN" dirty="0" smtClean="0"/>
+              <a:rPr lang="en-US" altLang="zh-CN" dirty="0"/>
               <a:t>) {</a:t>
             </a:r>
           </a:p>
@@ -18095,7 +17903,7 @@
               <a:buNone/>
             </a:pPr>
             <a:r>
-              <a:rPr lang="en-US" altLang="zh-CN" dirty="0" smtClean="0"/>
+              <a:rPr lang="en-US" altLang="zh-CN" dirty="0"/>
               <a:t>                 complex x = A[j + k], y = w * A[j + k +mid];</a:t>
             </a:r>
           </a:p>
@@ -18104,7 +17912,7 @@
               <a:buNone/>
             </a:pPr>
             <a:r>
-              <a:rPr lang="en-US" altLang="zh-CN" dirty="0" smtClean="0"/>
+              <a:rPr lang="en-US" altLang="zh-CN" dirty="0"/>
               <a:t>                 A[j + k] = x + y,</a:t>
             </a:r>
           </a:p>
@@ -18113,7 +17921,7 @@
               <a:buNone/>
             </a:pPr>
             <a:r>
-              <a:rPr lang="en-US" altLang="zh-CN" dirty="0" smtClean="0"/>
+              <a:rPr lang="en-US" altLang="zh-CN" dirty="0"/>
               <a:t>                 A[j + k + mid] = x - y;</a:t>
             </a:r>
           </a:p>
@@ -18122,7 +17930,7 @@
               <a:buNone/>
             </a:pPr>
             <a:r>
-              <a:rPr lang="en-US" altLang="zh-CN" dirty="0" smtClean="0"/>
+              <a:rPr lang="en-US" altLang="zh-CN" dirty="0"/>
               <a:t>            }</a:t>
             </a:r>
           </a:p>
@@ -18131,7 +17939,7 @@
               <a:buNone/>
             </a:pPr>
             <a:r>
-              <a:rPr lang="en-US" altLang="zh-CN" dirty="0" smtClean="0"/>
+              <a:rPr lang="en-US" altLang="zh-CN" dirty="0"/>
               <a:t>        }</a:t>
             </a:r>
           </a:p>
@@ -18140,7 +17948,7 @@
               <a:buNone/>
             </a:pPr>
             <a:r>
-              <a:rPr lang="en-US" altLang="zh-CN" dirty="0" smtClean="0"/>
+              <a:rPr lang="en-US" altLang="zh-CN" dirty="0"/>
               <a:t>    }</a:t>
             </a:r>
           </a:p>
@@ -18149,7 +17957,7 @@
               <a:buNone/>
             </a:pPr>
             <a:r>
-              <a:rPr lang="en-US" altLang="zh-CN" dirty="0" smtClean="0"/>
+              <a:rPr lang="en-US" altLang="zh-CN" dirty="0"/>
               <a:t>}</a:t>
             </a:r>
           </a:p>
@@ -18158,11 +17966,11 @@
               <a:buNone/>
             </a:pPr>
             <a:r>
-              <a:rPr lang="en-US" altLang="zh-CN" dirty="0" err="1" smtClean="0"/>
+              <a:rPr lang="en-US" altLang="zh-CN" dirty="0" err="1"/>
               <a:t>int</a:t>
             </a:r>
             <a:r>
-              <a:rPr lang="en-US" altLang="zh-CN" dirty="0" smtClean="0"/>
+              <a:rPr lang="en-US" altLang="zh-CN" dirty="0"/>
               <a:t> main() {</a:t>
             </a:r>
           </a:p>
@@ -18171,15 +17979,15 @@
               <a:buNone/>
             </a:pPr>
             <a:r>
-              <a:rPr lang="en-US" altLang="zh-CN" dirty="0" smtClean="0"/>
+              <a:rPr lang="en-US" altLang="zh-CN" dirty="0"/>
               <a:t>    #</a:t>
             </a:r>
             <a:r>
-              <a:rPr lang="en-US" altLang="zh-CN" dirty="0" err="1" smtClean="0"/>
+              <a:rPr lang="en-US" altLang="zh-CN" dirty="0" err="1"/>
               <a:t>ifdef</a:t>
             </a:r>
             <a:r>
-              <a:rPr lang="en-US" altLang="zh-CN" dirty="0" smtClean="0"/>
+              <a:rPr lang="en-US" altLang="zh-CN" dirty="0"/>
               <a:t> WIN32</a:t>
             </a:r>
           </a:p>
@@ -18188,31 +17996,31 @@
               <a:buNone/>
             </a:pPr>
             <a:r>
-              <a:rPr lang="en-US" altLang="zh-CN" dirty="0" smtClean="0"/>
+              <a:rPr lang="en-US" altLang="zh-CN" dirty="0"/>
               <a:t>    </a:t>
             </a:r>
             <a:r>
-              <a:rPr lang="en-US" altLang="zh-CN" dirty="0" err="1" smtClean="0"/>
+              <a:rPr lang="en-US" altLang="zh-CN" dirty="0" err="1"/>
               <a:t>freopen</a:t>
             </a:r>
             <a:r>
-              <a:rPr lang="en-US" altLang="zh-CN" dirty="0" smtClean="0"/>
+              <a:rPr lang="en-US" altLang="zh-CN" dirty="0"/>
               <a:t>("</a:t>
             </a:r>
             <a:r>
-              <a:rPr lang="en-US" altLang="zh-CN" dirty="0" err="1" smtClean="0"/>
+              <a:rPr lang="en-US" altLang="zh-CN" dirty="0" err="1"/>
               <a:t>a.in</a:t>
             </a:r>
             <a:r>
-              <a:rPr lang="en-US" altLang="zh-CN" dirty="0" smtClean="0"/>
+              <a:rPr lang="en-US" altLang="zh-CN" dirty="0"/>
               <a:t>", "r", </a:t>
             </a:r>
             <a:r>
-              <a:rPr lang="en-US" altLang="zh-CN" dirty="0" err="1" smtClean="0"/>
+              <a:rPr lang="en-US" altLang="zh-CN" dirty="0" err="1"/>
               <a:t>stdin</a:t>
             </a:r>
             <a:r>
-              <a:rPr lang="en-US" altLang="zh-CN" dirty="0" smtClean="0"/>
+              <a:rPr lang="en-US" altLang="zh-CN" dirty="0"/>
               <a:t>);</a:t>
             </a:r>
           </a:p>
@@ -18221,21 +18029,21 @@
               <a:buNone/>
             </a:pPr>
             <a:r>
-              <a:rPr lang="en-US" altLang="zh-CN" dirty="0" smtClean="0"/>
+              <a:rPr lang="en-US" altLang="zh-CN" dirty="0"/>
               <a:t>    #</a:t>
             </a:r>
             <a:r>
-              <a:rPr lang="en-US" altLang="zh-CN" dirty="0" err="1" smtClean="0"/>
+              <a:rPr lang="en-US" altLang="zh-CN" dirty="0" err="1"/>
               <a:t>endif</a:t>
             </a:r>
-            <a:endParaRPr lang="en-US" altLang="zh-CN" dirty="0" smtClean="0"/>
+            <a:endParaRPr lang="en-US" altLang="zh-CN" dirty="0"/>
           </a:p>
           <a:p>
             <a:pPr>
               <a:buNone/>
             </a:pPr>
             <a:r>
-              <a:rPr lang="en-US" altLang="zh-CN" dirty="0" smtClean="0"/>
+              <a:rPr lang="en-US" altLang="zh-CN" dirty="0"/>
               <a:t>    N = read(); M = read();</a:t>
             </a:r>
           </a:p>
@@ -18244,47 +18052,47 @@
               <a:buNone/>
             </a:pPr>
             <a:r>
-              <a:rPr lang="en-US" altLang="zh-CN" dirty="0" smtClean="0"/>
+              <a:rPr lang="en-US" altLang="zh-CN" dirty="0"/>
               <a:t>    for(</a:t>
             </a:r>
             <a:r>
-              <a:rPr lang="en-US" altLang="zh-CN" dirty="0" err="1" smtClean="0"/>
+              <a:rPr lang="en-US" altLang="zh-CN" dirty="0" err="1"/>
               <a:t>int</a:t>
             </a:r>
             <a:r>
-              <a:rPr lang="en-US" altLang="zh-CN" dirty="0" smtClean="0"/>
+              <a:rPr lang="en-US" altLang="zh-CN" dirty="0"/>
               <a:t> </a:t>
             </a:r>
             <a:r>
-              <a:rPr lang="en-US" altLang="zh-CN" dirty="0" err="1" smtClean="0"/>
+              <a:rPr lang="en-US" altLang="zh-CN" dirty="0" err="1"/>
               <a:t>i</a:t>
             </a:r>
             <a:r>
-              <a:rPr lang="en-US" altLang="zh-CN" dirty="0" smtClean="0"/>
+              <a:rPr lang="en-US" altLang="zh-CN" dirty="0"/>
               <a:t> = 0; </a:t>
             </a:r>
             <a:r>
-              <a:rPr lang="en-US" altLang="zh-CN" dirty="0" err="1" smtClean="0"/>
+              <a:rPr lang="en-US" altLang="zh-CN" dirty="0" err="1"/>
               <a:t>i</a:t>
             </a:r>
             <a:r>
-              <a:rPr lang="en-US" altLang="zh-CN" dirty="0" smtClean="0"/>
+              <a:rPr lang="en-US" altLang="zh-CN" dirty="0"/>
               <a:t> &lt;= N; </a:t>
             </a:r>
             <a:r>
-              <a:rPr lang="en-US" altLang="zh-CN" dirty="0" err="1" smtClean="0"/>
+              <a:rPr lang="en-US" altLang="zh-CN" dirty="0" err="1"/>
               <a:t>i</a:t>
             </a:r>
             <a:r>
-              <a:rPr lang="en-US" altLang="zh-CN" dirty="0" smtClean="0"/>
+              <a:rPr lang="en-US" altLang="zh-CN" dirty="0"/>
               <a:t>++) a[</a:t>
             </a:r>
             <a:r>
-              <a:rPr lang="en-US" altLang="zh-CN" dirty="0" err="1" smtClean="0"/>
+              <a:rPr lang="en-US" altLang="zh-CN" dirty="0" err="1"/>
               <a:t>i</a:t>
             </a:r>
             <a:r>
-              <a:rPr lang="en-US" altLang="zh-CN" dirty="0" smtClean="0"/>
+              <a:rPr lang="en-US" altLang="zh-CN" dirty="0"/>
               <a:t>].x = read();</a:t>
             </a:r>
           </a:p>
@@ -18293,47 +18101,47 @@
               <a:buNone/>
             </a:pPr>
             <a:r>
-              <a:rPr lang="en-US" altLang="zh-CN" dirty="0" smtClean="0"/>
+              <a:rPr lang="en-US" altLang="zh-CN" dirty="0"/>
               <a:t>    for(</a:t>
             </a:r>
             <a:r>
-              <a:rPr lang="en-US" altLang="zh-CN" dirty="0" err="1" smtClean="0"/>
+              <a:rPr lang="en-US" altLang="zh-CN" dirty="0" err="1"/>
               <a:t>int</a:t>
             </a:r>
             <a:r>
-              <a:rPr lang="en-US" altLang="zh-CN" dirty="0" smtClean="0"/>
+              <a:rPr lang="en-US" altLang="zh-CN" dirty="0"/>
               <a:t> </a:t>
             </a:r>
             <a:r>
-              <a:rPr lang="en-US" altLang="zh-CN" dirty="0" err="1" smtClean="0"/>
+              <a:rPr lang="en-US" altLang="zh-CN" dirty="0" err="1"/>
               <a:t>i</a:t>
             </a:r>
             <a:r>
-              <a:rPr lang="en-US" altLang="zh-CN" dirty="0" smtClean="0"/>
+              <a:rPr lang="en-US" altLang="zh-CN" dirty="0"/>
               <a:t> = 0; </a:t>
             </a:r>
             <a:r>
-              <a:rPr lang="en-US" altLang="zh-CN" dirty="0" err="1" smtClean="0"/>
+              <a:rPr lang="en-US" altLang="zh-CN" dirty="0" err="1"/>
               <a:t>i</a:t>
             </a:r>
             <a:r>
-              <a:rPr lang="en-US" altLang="zh-CN" dirty="0" smtClean="0"/>
+              <a:rPr lang="en-US" altLang="zh-CN" dirty="0"/>
               <a:t> &lt;= M; </a:t>
             </a:r>
             <a:r>
-              <a:rPr lang="en-US" altLang="zh-CN" dirty="0" err="1" smtClean="0"/>
+              <a:rPr lang="en-US" altLang="zh-CN" dirty="0" err="1"/>
               <a:t>i</a:t>
             </a:r>
             <a:r>
-              <a:rPr lang="en-US" altLang="zh-CN" dirty="0" smtClean="0"/>
+              <a:rPr lang="en-US" altLang="zh-CN" dirty="0"/>
               <a:t>++) b[</a:t>
             </a:r>
             <a:r>
-              <a:rPr lang="en-US" altLang="zh-CN" dirty="0" err="1" smtClean="0"/>
+              <a:rPr lang="en-US" altLang="zh-CN" dirty="0" err="1"/>
               <a:t>i</a:t>
             </a:r>
             <a:r>
-              <a:rPr lang="en-US" altLang="zh-CN" dirty="0" smtClean="0"/>
+              <a:rPr lang="en-US" altLang="zh-CN" dirty="0"/>
               <a:t>].x = read();</a:t>
             </a:r>
           </a:p>
@@ -18342,7 +18150,7 @@
               <a:buNone/>
             </a:pPr>
             <a:r>
-              <a:rPr lang="en-US" altLang="zh-CN" dirty="0" smtClean="0"/>
+              <a:rPr lang="en-US" altLang="zh-CN" dirty="0"/>
               <a:t>    while(limit &lt;= N + M) </a:t>
             </a:r>
           </a:p>
@@ -18351,7 +18159,7 @@
               <a:buNone/>
             </a:pPr>
             <a:r>
-              <a:rPr lang="en-US" altLang="zh-CN" dirty="0" smtClean="0"/>
+              <a:rPr lang="en-US" altLang="zh-CN" dirty="0"/>
               <a:t>        limit &lt;&lt;= 1, L++;</a:t>
             </a:r>
           </a:p>
@@ -18360,39 +18168,39 @@
               <a:buNone/>
             </a:pPr>
             <a:r>
-              <a:rPr lang="en-US" altLang="zh-CN" dirty="0" smtClean="0"/>
+              <a:rPr lang="en-US" altLang="zh-CN" dirty="0"/>
               <a:t>    for(</a:t>
             </a:r>
             <a:r>
-              <a:rPr lang="en-US" altLang="zh-CN" dirty="0" err="1" smtClean="0"/>
+              <a:rPr lang="en-US" altLang="zh-CN" dirty="0" err="1"/>
               <a:t>int</a:t>
             </a:r>
             <a:r>
-              <a:rPr lang="en-US" altLang="zh-CN" dirty="0" smtClean="0"/>
+              <a:rPr lang="en-US" altLang="zh-CN" dirty="0"/>
               <a:t> </a:t>
             </a:r>
             <a:r>
-              <a:rPr lang="en-US" altLang="zh-CN" dirty="0" err="1" smtClean="0"/>
+              <a:rPr lang="en-US" altLang="zh-CN" dirty="0" err="1"/>
               <a:t>i</a:t>
             </a:r>
             <a:r>
-              <a:rPr lang="en-US" altLang="zh-CN" dirty="0" smtClean="0"/>
+              <a:rPr lang="en-US" altLang="zh-CN" dirty="0"/>
               <a:t> = 0; </a:t>
             </a:r>
             <a:r>
-              <a:rPr lang="en-US" altLang="zh-CN" dirty="0" err="1" smtClean="0"/>
+              <a:rPr lang="en-US" altLang="zh-CN" dirty="0" err="1"/>
               <a:t>i</a:t>
             </a:r>
             <a:r>
-              <a:rPr lang="en-US" altLang="zh-CN" dirty="0" smtClean="0"/>
+              <a:rPr lang="en-US" altLang="zh-CN" dirty="0"/>
               <a:t> &lt;= limit; </a:t>
             </a:r>
             <a:r>
-              <a:rPr lang="en-US" altLang="zh-CN" dirty="0" err="1" smtClean="0"/>
+              <a:rPr lang="en-US" altLang="zh-CN" dirty="0" err="1"/>
               <a:t>i</a:t>
             </a:r>
             <a:r>
-              <a:rPr lang="en-US" altLang="zh-CN" dirty="0" smtClean="0"/>
+              <a:rPr lang="en-US" altLang="zh-CN" dirty="0"/>
               <a:t>++)</a:t>
             </a:r>
           </a:p>
@@ -18401,31 +18209,31 @@
               <a:buNone/>
             </a:pPr>
             <a:r>
-              <a:rPr lang="en-US" altLang="zh-CN" dirty="0" smtClean="0"/>
+              <a:rPr lang="en-US" altLang="zh-CN" dirty="0"/>
               <a:t>        r[</a:t>
             </a:r>
             <a:r>
-              <a:rPr lang="en-US" altLang="zh-CN" dirty="0" err="1" smtClean="0"/>
+              <a:rPr lang="en-US" altLang="zh-CN" dirty="0" err="1"/>
               <a:t>i</a:t>
             </a:r>
             <a:r>
-              <a:rPr lang="en-US" altLang="zh-CN" dirty="0" smtClean="0"/>
+              <a:rPr lang="en-US" altLang="zh-CN" dirty="0"/>
               <a:t>] = (r[</a:t>
             </a:r>
             <a:r>
-              <a:rPr lang="en-US" altLang="zh-CN" dirty="0" err="1" smtClean="0"/>
+              <a:rPr lang="en-US" altLang="zh-CN" dirty="0" err="1"/>
               <a:t>i</a:t>
             </a:r>
             <a:r>
-              <a:rPr lang="en-US" altLang="zh-CN" dirty="0" smtClean="0"/>
+              <a:rPr lang="en-US" altLang="zh-CN" dirty="0"/>
               <a:t> &gt;&gt; 1] &gt;&gt; 1) | ((</a:t>
             </a:r>
             <a:r>
-              <a:rPr lang="en-US" altLang="zh-CN" dirty="0" err="1" smtClean="0"/>
+              <a:rPr lang="en-US" altLang="zh-CN" dirty="0" err="1"/>
               <a:t>i</a:t>
             </a:r>
             <a:r>
-              <a:rPr lang="en-US" altLang="zh-CN" dirty="0" smtClean="0"/>
+              <a:rPr lang="en-US" altLang="zh-CN" dirty="0"/>
               <a:t> &amp; 1) &lt;&lt; (L - 1));	</a:t>
             </a:r>
           </a:p>
@@ -18434,7 +18242,7 @@
               <a:buNone/>
             </a:pPr>
             <a:r>
-              <a:rPr lang="en-US" altLang="zh-CN" dirty="0" smtClean="0"/>
+              <a:rPr lang="en-US" altLang="zh-CN" dirty="0"/>
               <a:t>    FFT(a, 1);FFT(b, 1);</a:t>
             </a:r>
           </a:p>
@@ -18443,63 +18251,63 @@
               <a:buNone/>
             </a:pPr>
             <a:r>
-              <a:rPr lang="en-US" altLang="zh-CN" dirty="0" smtClean="0"/>
+              <a:rPr lang="en-US" altLang="zh-CN" dirty="0"/>
               <a:t>    for(</a:t>
             </a:r>
             <a:r>
-              <a:rPr lang="en-US" altLang="zh-CN" dirty="0" err="1" smtClean="0"/>
+              <a:rPr lang="en-US" altLang="zh-CN" dirty="0" err="1"/>
               <a:t>int</a:t>
             </a:r>
             <a:r>
-              <a:rPr lang="en-US" altLang="zh-CN" dirty="0" smtClean="0"/>
+              <a:rPr lang="en-US" altLang="zh-CN" dirty="0"/>
               <a:t> </a:t>
             </a:r>
             <a:r>
-              <a:rPr lang="en-US" altLang="zh-CN" dirty="0" err="1" smtClean="0"/>
+              <a:rPr lang="en-US" altLang="zh-CN" dirty="0" err="1"/>
               <a:t>i</a:t>
             </a:r>
             <a:r>
-              <a:rPr lang="en-US" altLang="zh-CN" dirty="0" smtClean="0"/>
+              <a:rPr lang="en-US" altLang="zh-CN" dirty="0"/>
               <a:t> = 0; </a:t>
             </a:r>
             <a:r>
-              <a:rPr lang="en-US" altLang="zh-CN" dirty="0" err="1" smtClean="0"/>
+              <a:rPr lang="en-US" altLang="zh-CN" dirty="0" err="1"/>
               <a:t>i</a:t>
             </a:r>
             <a:r>
-              <a:rPr lang="en-US" altLang="zh-CN" dirty="0" smtClean="0"/>
+              <a:rPr lang="en-US" altLang="zh-CN" dirty="0"/>
               <a:t> &lt; limit; </a:t>
             </a:r>
             <a:r>
-              <a:rPr lang="en-US" altLang="zh-CN" dirty="0" err="1" smtClean="0"/>
+              <a:rPr lang="en-US" altLang="zh-CN" dirty="0" err="1"/>
               <a:t>i</a:t>
             </a:r>
             <a:r>
-              <a:rPr lang="en-US" altLang="zh-CN" dirty="0" smtClean="0"/>
+              <a:rPr lang="en-US" altLang="zh-CN" dirty="0"/>
               <a:t>++) a[</a:t>
             </a:r>
             <a:r>
-              <a:rPr lang="en-US" altLang="zh-CN" dirty="0" err="1" smtClean="0"/>
+              <a:rPr lang="en-US" altLang="zh-CN" dirty="0" err="1"/>
               <a:t>i</a:t>
             </a:r>
             <a:r>
-              <a:rPr lang="en-US" altLang="zh-CN" dirty="0" smtClean="0"/>
+              <a:rPr lang="en-US" altLang="zh-CN" dirty="0"/>
               <a:t>] = a[</a:t>
             </a:r>
             <a:r>
-              <a:rPr lang="en-US" altLang="zh-CN" dirty="0" err="1" smtClean="0"/>
+              <a:rPr lang="en-US" altLang="zh-CN" dirty="0" err="1"/>
               <a:t>i</a:t>
             </a:r>
             <a:r>
-              <a:rPr lang="en-US" altLang="zh-CN" dirty="0" smtClean="0"/>
+              <a:rPr lang="en-US" altLang="zh-CN" dirty="0"/>
               <a:t>] * b[</a:t>
             </a:r>
             <a:r>
-              <a:rPr lang="en-US" altLang="zh-CN" dirty="0" err="1" smtClean="0"/>
+              <a:rPr lang="en-US" altLang="zh-CN" dirty="0" err="1"/>
               <a:t>i</a:t>
             </a:r>
             <a:r>
-              <a:rPr lang="en-US" altLang="zh-CN" dirty="0" smtClean="0"/>
+              <a:rPr lang="en-US" altLang="zh-CN" dirty="0"/>
               <a:t>];</a:t>
             </a:r>
           </a:p>
@@ -18508,7 +18316,7 @@
               <a:buNone/>
             </a:pPr>
             <a:r>
-              <a:rPr lang="en-US" altLang="zh-CN" dirty="0" smtClean="0"/>
+              <a:rPr lang="en-US" altLang="zh-CN" dirty="0"/>
               <a:t>    FFT(a, -1);	</a:t>
             </a:r>
           </a:p>
@@ -18517,39 +18325,39 @@
               <a:buNone/>
             </a:pPr>
             <a:r>
-              <a:rPr lang="en-US" altLang="zh-CN" dirty="0" smtClean="0"/>
+              <a:rPr lang="en-US" altLang="zh-CN" dirty="0"/>
               <a:t>    for(</a:t>
             </a:r>
             <a:r>
-              <a:rPr lang="en-US" altLang="zh-CN" dirty="0" err="1" smtClean="0"/>
+              <a:rPr lang="en-US" altLang="zh-CN" dirty="0" err="1"/>
               <a:t>int</a:t>
             </a:r>
             <a:r>
-              <a:rPr lang="en-US" altLang="zh-CN" dirty="0" smtClean="0"/>
+              <a:rPr lang="en-US" altLang="zh-CN" dirty="0"/>
               <a:t> </a:t>
             </a:r>
             <a:r>
-              <a:rPr lang="en-US" altLang="zh-CN" dirty="0" err="1" smtClean="0"/>
+              <a:rPr lang="en-US" altLang="zh-CN" dirty="0" err="1"/>
               <a:t>i</a:t>
             </a:r>
             <a:r>
-              <a:rPr lang="en-US" altLang="zh-CN" dirty="0" smtClean="0"/>
+              <a:rPr lang="en-US" altLang="zh-CN" dirty="0"/>
               <a:t> = 0; </a:t>
             </a:r>
             <a:r>
-              <a:rPr lang="en-US" altLang="zh-CN" dirty="0" err="1" smtClean="0"/>
+              <a:rPr lang="en-US" altLang="zh-CN" dirty="0" err="1"/>
               <a:t>i</a:t>
             </a:r>
             <a:r>
-              <a:rPr lang="en-US" altLang="zh-CN" dirty="0" smtClean="0"/>
+              <a:rPr lang="en-US" altLang="zh-CN" dirty="0"/>
               <a:t> &lt;= N + M; </a:t>
             </a:r>
             <a:r>
-              <a:rPr lang="en-US" altLang="zh-CN" dirty="0" err="1" smtClean="0"/>
+              <a:rPr lang="en-US" altLang="zh-CN" dirty="0" err="1"/>
               <a:t>i</a:t>
             </a:r>
             <a:r>
-              <a:rPr lang="en-US" altLang="zh-CN" dirty="0" smtClean="0"/>
+              <a:rPr lang="en-US" altLang="zh-CN" dirty="0"/>
               <a:t>++)</a:t>
             </a:r>
           </a:p>
@@ -18558,23 +18366,23 @@
               <a:buNone/>
             </a:pPr>
             <a:r>
-              <a:rPr lang="en-US" altLang="zh-CN" dirty="0" smtClean="0"/>
+              <a:rPr lang="en-US" altLang="zh-CN" dirty="0"/>
               <a:t>        print((</a:t>
             </a:r>
             <a:r>
-              <a:rPr lang="en-US" altLang="zh-CN" dirty="0" err="1" smtClean="0"/>
+              <a:rPr lang="en-US" altLang="zh-CN" dirty="0" err="1"/>
               <a:t>int</a:t>
             </a:r>
             <a:r>
-              <a:rPr lang="en-US" altLang="zh-CN" dirty="0" smtClean="0"/>
+              <a:rPr lang="en-US" altLang="zh-CN" dirty="0"/>
               <a:t>(a[</a:t>
             </a:r>
             <a:r>
-              <a:rPr lang="en-US" altLang="zh-CN" dirty="0" err="1" smtClean="0"/>
+              <a:rPr lang="en-US" altLang="zh-CN" dirty="0" err="1"/>
               <a:t>i</a:t>
             </a:r>
             <a:r>
-              <a:rPr lang="en-US" altLang="zh-CN" dirty="0" smtClean="0"/>
+              <a:rPr lang="en-US" altLang="zh-CN" dirty="0"/>
               <a:t>].x / limit + 0.5))), *O ++ = ' ';</a:t>
             </a:r>
           </a:p>
@@ -18583,39 +18391,39 @@
               <a:buNone/>
             </a:pPr>
             <a:r>
-              <a:rPr lang="en-US" altLang="zh-CN" dirty="0" smtClean="0"/>
+              <a:rPr lang="en-US" altLang="zh-CN" dirty="0"/>
               <a:t>    </a:t>
             </a:r>
             <a:r>
-              <a:rPr lang="en-US" altLang="zh-CN" dirty="0" err="1" smtClean="0"/>
+              <a:rPr lang="en-US" altLang="zh-CN" dirty="0" err="1"/>
               <a:t>fwrite</a:t>
             </a:r>
             <a:r>
-              <a:rPr lang="en-US" altLang="zh-CN" dirty="0" smtClean="0"/>
+              <a:rPr lang="en-US" altLang="zh-CN" dirty="0"/>
               <a:t>(</a:t>
             </a:r>
             <a:r>
-              <a:rPr lang="en-US" altLang="zh-CN" dirty="0" err="1" smtClean="0"/>
+              <a:rPr lang="en-US" altLang="zh-CN" dirty="0" err="1"/>
               <a:t>obuf</a:t>
             </a:r>
             <a:r>
-              <a:rPr lang="en-US" altLang="zh-CN" dirty="0" smtClean="0"/>
+              <a:rPr lang="en-US" altLang="zh-CN" dirty="0"/>
               <a:t>, O-</a:t>
             </a:r>
             <a:r>
-              <a:rPr lang="en-US" altLang="zh-CN" dirty="0" err="1" smtClean="0"/>
+              <a:rPr lang="en-US" altLang="zh-CN" dirty="0" err="1"/>
               <a:t>obuf</a:t>
             </a:r>
             <a:r>
-              <a:rPr lang="en-US" altLang="zh-CN" dirty="0" smtClean="0"/>
+              <a:rPr lang="en-US" altLang="zh-CN" dirty="0"/>
               <a:t>, 1 , </a:t>
             </a:r>
             <a:r>
-              <a:rPr lang="en-US" altLang="zh-CN" dirty="0" err="1" smtClean="0"/>
+              <a:rPr lang="en-US" altLang="zh-CN" dirty="0" err="1"/>
               <a:t>stdout</a:t>
             </a:r>
             <a:r>
-              <a:rPr lang="en-US" altLang="zh-CN" dirty="0" smtClean="0"/>
+              <a:rPr lang="en-US" altLang="zh-CN" dirty="0"/>
               <a:t>);</a:t>
             </a:r>
           </a:p>
@@ -18624,7 +18432,7 @@
               <a:buNone/>
             </a:pPr>
             <a:r>
-              <a:rPr lang="en-US" altLang="zh-CN" dirty="0" smtClean="0"/>
+              <a:rPr lang="en-US" altLang="zh-CN" dirty="0"/>
               <a:t>    return 0;</a:t>
             </a:r>
           </a:p>
@@ -18633,7 +18441,7 @@
               <a:buNone/>
             </a:pPr>
             <a:r>
-              <a:rPr lang="en-US" altLang="zh-CN" dirty="0" smtClean="0"/>
+              <a:rPr lang="en-US" altLang="zh-CN" dirty="0"/>
               <a:t>}</a:t>
             </a:r>
             <a:endParaRPr lang="zh-CN" altLang="en-US" dirty="0"/>
@@ -18645,13 +18453,6 @@
   <p:clrMapOvr>
     <a:masterClrMapping/>
   </p:clrMapOvr>
-  <p:timing>
-    <p:tnLst>
-      <p:par>
-        <p:cTn id="1" dur="indefinite" restart="never" nodeType="tmRoot"/>
-      </p:par>
-    </p:tnLst>
-  </p:timing>
 </p:sld>
 </file>
 
